--- a/slides/ADONET/ADONET - Chapter1.pptx
+++ b/slides/ADONET/ADONET - Chapter1.pptx
@@ -5,29 +5,28 @@
     <p:sldMasterId id="2147483807" r:id="rId1"/>
   </p:sldMasterIdLst>
   <p:notesMasterIdLst>
-    <p:notesMasterId r:id="rId19"/>
+    <p:notesMasterId r:id="rId18"/>
   </p:notesMasterIdLst>
   <p:handoutMasterIdLst>
-    <p:handoutMasterId r:id="rId20"/>
+    <p:handoutMasterId r:id="rId19"/>
   </p:handoutMasterIdLst>
   <p:sldIdLst>
     <p:sldId id="793" r:id="rId2"/>
     <p:sldId id="804" r:id="rId3"/>
     <p:sldId id="795" r:id="rId4"/>
     <p:sldId id="865" r:id="rId5"/>
-    <p:sldId id="866" r:id="rId6"/>
-    <p:sldId id="869" r:id="rId7"/>
-    <p:sldId id="870" r:id="rId8"/>
-    <p:sldId id="871" r:id="rId9"/>
-    <p:sldId id="872" r:id="rId10"/>
-    <p:sldId id="873" r:id="rId11"/>
-    <p:sldId id="874" r:id="rId12"/>
-    <p:sldId id="863" r:id="rId13"/>
+    <p:sldId id="878" r:id="rId6"/>
+    <p:sldId id="866" r:id="rId7"/>
+    <p:sldId id="869" r:id="rId8"/>
+    <p:sldId id="870" r:id="rId9"/>
+    <p:sldId id="871" r:id="rId10"/>
+    <p:sldId id="872" r:id="rId11"/>
+    <p:sldId id="873" r:id="rId12"/>
+    <p:sldId id="874" r:id="rId13"/>
     <p:sldId id="875" r:id="rId14"/>
-    <p:sldId id="876" r:id="rId15"/>
-    <p:sldId id="877" r:id="rId16"/>
-    <p:sldId id="850" r:id="rId17"/>
-    <p:sldId id="794" r:id="rId18"/>
+    <p:sldId id="877" r:id="rId15"/>
+    <p:sldId id="850" r:id="rId16"/>
+    <p:sldId id="794" r:id="rId17"/>
   </p:sldIdLst>
   <p:sldSz cx="24385588" cy="13717588"/>
   <p:notesSz cx="6858000" cy="9144000"/>
@@ -354,7 +353,7 @@
           <a:p>
             <a:fld id="{9DEB306A-FE1C-4996-AB92-3C76DD2CBDB3}" type="datetimeFigureOut">
               <a:rPr lang="es-SV" smtClean="0"/>
-              <a:t>25/11/17</a:t>
+              <a:t>17/12/17</a:t>
             </a:fld>
             <a:endParaRPr lang="es-SV"/>
           </a:p>
@@ -519,7 +518,7 @@
           <a:p>
             <a:fld id="{01993A81-F12D-42C5-A35C-8AABE483B59D}" type="datetimeFigureOut">
               <a:rPr lang="es-MX" smtClean="0"/>
-              <a:t>25/11/17</a:t>
+              <a:t>17/12/17</a:t>
             </a:fld>
             <a:endParaRPr lang="es-MX"/>
           </a:p>
@@ -862,90 +861,6 @@
     <p:extLst>
       <p:ext uri="{BB962C8B-B14F-4D97-AF65-F5344CB8AC3E}">
         <p14:creationId xmlns:p14="http://schemas.microsoft.com/office/powerpoint/2010/main" val="2598411363"/>
-      </p:ext>
-    </p:extLst>
-  </p:cSld>
-  <p:clrMapOvr>
-    <a:masterClrMapping/>
-  </p:clrMapOvr>
-</p:notes>
-</file>
-
-<file path=ppt/notesSlides/notesSlide2.xml><?xml version="1.0" encoding="utf-8"?>
-<p:notes xmlns:a="http://schemas.openxmlformats.org/drawingml/2006/main" xmlns:r="http://schemas.openxmlformats.org/officeDocument/2006/relationships" xmlns:p="http://schemas.openxmlformats.org/presentationml/2006/main">
-  <p:cSld>
-    <p:spTree>
-      <p:nvGrpSpPr>
-        <p:cNvPr id="1" name=""/>
-        <p:cNvGrpSpPr/>
-        <p:nvPr/>
-      </p:nvGrpSpPr>
-      <p:grpSpPr>
-        <a:xfrm>
-          <a:off x="0" y="0"/>
-          <a:ext cx="0" cy="0"/>
-          <a:chOff x="0" y="0"/>
-          <a:chExt cx="0" cy="0"/>
-        </a:xfrm>
-      </p:grpSpPr>
-      <p:sp>
-        <p:nvSpPr>
-          <p:cNvPr id="2" name="Slide Image Placeholder 1"/>
-          <p:cNvSpPr>
-            <a:spLocks noGrp="1" noRot="1" noChangeAspect="1"/>
-          </p:cNvSpPr>
-          <p:nvPr>
-            <p:ph type="sldImg"/>
-          </p:nvPr>
-        </p:nvSpPr>
-        <p:spPr/>
-      </p:sp>
-      <p:sp>
-        <p:nvSpPr>
-          <p:cNvPr id="3" name="Notes Placeholder 2"/>
-          <p:cNvSpPr>
-            <a:spLocks noGrp="1"/>
-          </p:cNvSpPr>
-          <p:nvPr>
-            <p:ph type="body" idx="1"/>
-          </p:nvPr>
-        </p:nvSpPr>
-        <p:spPr/>
-        <p:txBody>
-          <a:bodyPr/>
-          <a:lstStyle/>
-          <a:p>
-            <a:endParaRPr lang="en-US" dirty="0"/>
-          </a:p>
-        </p:txBody>
-      </p:sp>
-      <p:sp>
-        <p:nvSpPr>
-          <p:cNvPr id="4" name="Slide Number Placeholder 3"/>
-          <p:cNvSpPr>
-            <a:spLocks noGrp="1"/>
-          </p:cNvSpPr>
-          <p:nvPr>
-            <p:ph type="sldNum" sz="quarter" idx="10"/>
-          </p:nvPr>
-        </p:nvSpPr>
-        <p:spPr/>
-        <p:txBody>
-          <a:bodyPr/>
-          <a:lstStyle/>
-          <a:p>
-            <a:fld id="{69BC2EFC-28F3-48C0-BF6B-230A53BCFDFC}" type="slidenum">
-              <a:rPr lang="es-MX" smtClean="0"/>
-              <a:t>12</a:t>
-            </a:fld>
-            <a:endParaRPr lang="es-MX"/>
-          </a:p>
-        </p:txBody>
-      </p:sp>
-    </p:spTree>
-    <p:extLst>
-      <p:ext uri="{BB962C8B-B14F-4D97-AF65-F5344CB8AC3E}">
-        <p14:creationId xmlns:p14="http://schemas.microsoft.com/office/powerpoint/2010/main" val="1888698416"/>
       </p:ext>
     </p:extLst>
   </p:cSld>
@@ -6646,15 +6561,6 @@
               </a:rPr>
               <a:t>ADO Dot Net</a:t>
             </a:r>
-            <a:endParaRPr lang="en-US" sz="6600" dirty="0">
-              <a:solidFill>
-                <a:schemeClr val="accent3">
-                  <a:lumMod val="75000"/>
-                </a:schemeClr>
-              </a:solidFill>
-              <a:ea typeface="Open Sans Semibold" panose="020B0706030804020204" pitchFamily="34" charset="0"/>
-              <a:cs typeface="Open Sans Semibold" panose="020B0706030804020204" pitchFamily="34" charset="0"/>
-            </a:endParaRPr>
           </a:p>
         </p:txBody>
       </p:sp>
@@ -16575,7 +16481,31 @@
           </a:lstStyle>
           <a:p>
             <a:r>
-              <a:rPr lang="en-US" sz="4400" dirty="0" err="1" smtClean="0">
+              <a:rPr lang="en-US" sz="4400" dirty="0" err="1">
+                <a:solidFill>
+                  <a:schemeClr val="accent3">
+                    <a:lumMod val="75000"/>
+                  </a:schemeClr>
+                </a:solidFill>
+                <a:ea typeface="Open Sans Semibold" panose="020B0706030804020204" pitchFamily="34" charset="0"/>
+                <a:cs typeface="Open Sans Semibold" panose="020B0706030804020204" pitchFamily="34" charset="0"/>
+              </a:rPr>
+              <a:t>DataSets</a:t>
+            </a:r>
+            <a:r>
+              <a:rPr lang="en-US" sz="4400" dirty="0">
+                <a:solidFill>
+                  <a:schemeClr val="accent3">
+                    <a:lumMod val="75000"/>
+                  </a:schemeClr>
+                </a:solidFill>
+                <a:ea typeface="Open Sans Semibold" panose="020B0706030804020204" pitchFamily="34" charset="0"/>
+                <a:cs typeface="Open Sans Semibold" panose="020B0706030804020204" pitchFamily="34" charset="0"/>
+              </a:rPr>
+              <a:t>, </a:t>
+            </a:r>
+            <a:r>
+              <a:rPr lang="en-US" sz="4400" dirty="0" err="1">
                 <a:solidFill>
                   <a:schemeClr val="accent3">
                     <a:lumMod val="75000"/>
@@ -16585,6 +16515,30 @@
                 <a:cs typeface="Open Sans Semibold" panose="020B0706030804020204" pitchFamily="34" charset="0"/>
               </a:rPr>
               <a:t>DataTables</a:t>
+            </a:r>
+            <a:r>
+              <a:rPr lang="en-US" sz="4400" dirty="0">
+                <a:solidFill>
+                  <a:schemeClr val="accent3">
+                    <a:lumMod val="75000"/>
+                  </a:schemeClr>
+                </a:solidFill>
+                <a:ea typeface="Open Sans Semibold" panose="020B0706030804020204" pitchFamily="34" charset="0"/>
+                <a:cs typeface="Open Sans Semibold" panose="020B0706030804020204" pitchFamily="34" charset="0"/>
+              </a:rPr>
+              <a:t>, and </a:t>
+            </a:r>
+            <a:r>
+              <a:rPr lang="en-US" sz="4400" dirty="0" err="1">
+                <a:solidFill>
+                  <a:schemeClr val="accent3">
+                    <a:lumMod val="75000"/>
+                  </a:schemeClr>
+                </a:solidFill>
+                <a:ea typeface="Open Sans Semibold" panose="020B0706030804020204" pitchFamily="34" charset="0"/>
+                <a:cs typeface="Open Sans Semibold" panose="020B0706030804020204" pitchFamily="34" charset="0"/>
+              </a:rPr>
+              <a:t>DataViews</a:t>
             </a:r>
             <a:endParaRPr lang="en-US" sz="4400" dirty="0">
               <a:solidFill>
@@ -16607,7 +16561,7 @@
         <p:spPr>
           <a:xfrm>
             <a:off x="2246688" y="1955687"/>
-            <a:ext cx="2790311" cy="0"/>
+            <a:ext cx="8820981" cy="0"/>
           </a:xfrm>
           <a:prstGeom prst="line">
             <a:avLst/>
@@ -16642,7 +16596,7 @@
         <p:spPr>
           <a:xfrm>
             <a:off x="2246688" y="2855786"/>
-            <a:ext cx="19982220" cy="10248960"/>
+            <a:ext cx="19982220" cy="7294305"/>
           </a:xfrm>
           <a:prstGeom prst="rect">
             <a:avLst/>
@@ -16660,12 +16614,20 @@
               <a:buChar char="•"/>
             </a:pPr>
             <a:r>
-              <a:rPr lang="en-US" sz="4400" dirty="0"/>
-              <a:t>Represents one table of in-memory data</a:t>
-            </a:r>
-            <a:r>
-              <a:rPr lang="en-US" sz="4400" dirty="0" smtClean="0"/>
-              <a:t>.</a:t>
+              <a:rPr lang="en-US" sz="3600" dirty="0"/>
+              <a:t>The ADO.NET </a:t>
+            </a:r>
+            <a:r>
+              <a:rPr lang="en-US" sz="3600" dirty="0" err="1"/>
+              <a:t>DataSet</a:t>
+            </a:r>
+            <a:r>
+              <a:rPr lang="en-US" sz="3600" dirty="0"/>
+              <a:t> is a memory-resident representation of data that provides a consistent relational programming model regardless of the source of the data it </a:t>
+            </a:r>
+            <a:r>
+              <a:rPr lang="en-US" sz="3600" dirty="0" smtClean="0"/>
+              <a:t>contains.</a:t>
             </a:r>
           </a:p>
           <a:p>
@@ -16674,39 +16636,19 @@
               <a:buChar char="•"/>
             </a:pPr>
             <a:r>
-              <a:rPr lang="en-US" sz="4400" dirty="0"/>
-              <a:t>The </a:t>
-            </a:r>
-            <a:r>
-              <a:rPr lang="en-US" sz="4400" dirty="0" err="1"/>
-              <a:t>DataTable</a:t>
-            </a:r>
-            <a:r>
-              <a:rPr lang="en-US" sz="4400" dirty="0"/>
-              <a:t> is a central object in the ADO.NET library. Other objects that use the </a:t>
-            </a:r>
-            <a:r>
-              <a:rPr lang="en-US" sz="4400" dirty="0" err="1"/>
-              <a:t>DataTable</a:t>
-            </a:r>
-            <a:r>
-              <a:rPr lang="en-US" sz="4400" dirty="0"/>
-              <a:t> include the </a:t>
-            </a:r>
-            <a:r>
-              <a:rPr lang="en-US" sz="4400" dirty="0" err="1"/>
+              <a:rPr lang="en-US" sz="3600" dirty="0" smtClean="0"/>
+              <a:t>A </a:t>
+            </a:r>
+            <a:r>
+              <a:rPr lang="en-US" sz="3600" dirty="0" err="1"/>
               <a:t>DataSet</a:t>
             </a:r>
             <a:r>
-              <a:rPr lang="en-US" sz="4400" dirty="0"/>
-              <a:t> and the </a:t>
-            </a:r>
-            <a:r>
-              <a:rPr lang="en-US" sz="4400" dirty="0" err="1"/>
-              <a:t>DataView</a:t>
-            </a:r>
-            <a:r>
-              <a:rPr lang="en-US" sz="4400" dirty="0" smtClean="0"/>
+              <a:rPr lang="en-US" sz="3600" dirty="0"/>
+              <a:t> represents a complete set of data including the tables that contain, order, and constrain the data, as well as the relationships between the tables</a:t>
+            </a:r>
+            <a:r>
+              <a:rPr lang="en-US" sz="3600" dirty="0" smtClean="0"/>
               <a:t>.</a:t>
             </a:r>
           </a:p>
@@ -16716,36 +16658,118 @@
               <a:buChar char="•"/>
             </a:pPr>
             <a:r>
-              <a:rPr lang="en-US" sz="4400" dirty="0"/>
-              <a:t>If you are creating a </a:t>
-            </a:r>
-            <a:r>
-              <a:rPr lang="en-US" sz="4400" dirty="0" err="1"/>
+              <a:rPr lang="en-US" sz="3600" dirty="0"/>
+              <a:t>There are several ways of working with a </a:t>
+            </a:r>
+            <a:r>
+              <a:rPr lang="en-US" sz="3600" dirty="0" err="1"/>
+              <a:t>DataSet</a:t>
+            </a:r>
+            <a:r>
+              <a:rPr lang="en-US" sz="3600" dirty="0"/>
+              <a:t>, which can be applied independently or in combination. You can</a:t>
+            </a:r>
+            <a:r>
+              <a:rPr lang="en-US" sz="3600" dirty="0" smtClean="0"/>
+              <a:t>:</a:t>
+            </a:r>
+          </a:p>
+          <a:p>
+            <a:pPr marL="1779783" lvl="1" indent="-571500">
+              <a:buFont typeface="Arial" panose="020B0604020202020204" pitchFamily="34" charset="0"/>
+              <a:buChar char="•"/>
+            </a:pPr>
+            <a:r>
+              <a:rPr lang="en-US" sz="3600" dirty="0" smtClean="0"/>
+              <a:t>Programmatically </a:t>
+            </a:r>
+            <a:r>
+              <a:rPr lang="en-US" sz="3600" dirty="0"/>
+              <a:t>create a </a:t>
+            </a:r>
+            <a:r>
+              <a:rPr lang="en-US" sz="3600" dirty="0" err="1"/>
               <a:t>DataTable</a:t>
             </a:r>
             <a:r>
-              <a:rPr lang="en-US" sz="4400" dirty="0"/>
-              <a:t> programmatically, you must first define its schema by adding </a:t>
-            </a:r>
-            <a:r>
-              <a:rPr lang="en-US" sz="4400" dirty="0" err="1"/>
-              <a:t>DataColumn</a:t>
-            </a:r>
-            <a:r>
-              <a:rPr lang="en-US" sz="4400" dirty="0"/>
-              <a:t> objects to the </a:t>
-            </a:r>
-            <a:r>
-              <a:rPr lang="en-US" sz="4400" dirty="0" err="1"/>
-              <a:t>DataColumnCollection</a:t>
-            </a:r>
-            <a:r>
-              <a:rPr lang="en-US" sz="4400" dirty="0"/>
-              <a:t> (accessed through the Columns property</a:t>
-            </a:r>
-            <a:r>
-              <a:rPr lang="en-US" sz="4400" dirty="0" smtClean="0"/>
-              <a:t>).</a:t>
+              <a:rPr lang="en-US" sz="3600" dirty="0"/>
+              <a:t>, </a:t>
+            </a:r>
+            <a:r>
+              <a:rPr lang="en-US" sz="3600" dirty="0" err="1"/>
+              <a:t>DataRelation</a:t>
+            </a:r>
+            <a:r>
+              <a:rPr lang="en-US" sz="3600" dirty="0"/>
+              <a:t>, and Constraint within a </a:t>
+            </a:r>
+            <a:r>
+              <a:rPr lang="en-US" sz="3600" dirty="0" err="1"/>
+              <a:t>DataSet</a:t>
+            </a:r>
+            <a:r>
+              <a:rPr lang="en-US" sz="3600" dirty="0"/>
+              <a:t> and populate the tables with data</a:t>
+            </a:r>
+            <a:r>
+              <a:rPr lang="en-US" sz="3600" dirty="0" smtClean="0"/>
+              <a:t>.</a:t>
+            </a:r>
+          </a:p>
+          <a:p>
+            <a:pPr marL="1779783" lvl="1" indent="-571500">
+              <a:buFont typeface="Arial" panose="020B0604020202020204" pitchFamily="34" charset="0"/>
+              <a:buChar char="•"/>
+            </a:pPr>
+            <a:r>
+              <a:rPr lang="en-US" sz="3600" dirty="0" smtClean="0"/>
+              <a:t>Populate </a:t>
+            </a:r>
+            <a:r>
+              <a:rPr lang="en-US" sz="3600" dirty="0"/>
+              <a:t>the </a:t>
+            </a:r>
+            <a:r>
+              <a:rPr lang="en-US" sz="3600" dirty="0" err="1"/>
+              <a:t>DataSet</a:t>
+            </a:r>
+            <a:r>
+              <a:rPr lang="en-US" sz="3600" dirty="0"/>
+              <a:t> with tables of data from an existing relational data source using a </a:t>
+            </a:r>
+            <a:r>
+              <a:rPr lang="en-US" sz="3600" dirty="0" err="1"/>
+              <a:t>DataAdapter</a:t>
+            </a:r>
+            <a:r>
+              <a:rPr lang="en-US" sz="3600" dirty="0" smtClean="0"/>
+              <a:t>.</a:t>
+            </a:r>
+          </a:p>
+          <a:p>
+            <a:pPr marL="1779783" lvl="1" indent="-571500">
+              <a:buFont typeface="Arial" panose="020B0604020202020204" pitchFamily="34" charset="0"/>
+              <a:buChar char="•"/>
+            </a:pPr>
+            <a:r>
+              <a:rPr lang="en-US" sz="3600" dirty="0" smtClean="0"/>
+              <a:t>Load </a:t>
+            </a:r>
+            <a:r>
+              <a:rPr lang="en-US" sz="3600" dirty="0"/>
+              <a:t>and persist the </a:t>
+            </a:r>
+            <a:r>
+              <a:rPr lang="en-US" sz="3600" dirty="0" err="1"/>
+              <a:t>DataSet</a:t>
+            </a:r>
+            <a:r>
+              <a:rPr lang="en-US" sz="3600" dirty="0"/>
+              <a:t> contents using XML</a:t>
+            </a:r>
+            <a:r>
+              <a:rPr lang="en-US" sz="3600" dirty="0" smtClean="0"/>
+              <a:t>.</a:t>
             </a:r>
           </a:p>
           <a:p>
@@ -16754,140 +16778,24 @@
               <a:buChar char="•"/>
             </a:pPr>
             <a:r>
-              <a:rPr lang="en-US" sz="4400" dirty="0"/>
-              <a:t>To add rows to a </a:t>
-            </a:r>
-            <a:r>
-              <a:rPr lang="en-US" sz="4400" dirty="0" err="1"/>
-              <a:t>DataTable</a:t>
-            </a:r>
-            <a:r>
-              <a:rPr lang="en-US" sz="4400" dirty="0"/>
-              <a:t>, you must first use the </a:t>
-            </a:r>
-            <a:r>
-              <a:rPr lang="en-US" sz="4400" dirty="0" err="1"/>
-              <a:t>NewRow</a:t>
-            </a:r>
-            <a:r>
-              <a:rPr lang="en-US" sz="4400" dirty="0"/>
-              <a:t> method to return a new </a:t>
-            </a:r>
-            <a:r>
-              <a:rPr lang="en-US" sz="4400" dirty="0" err="1"/>
-              <a:t>DataRow</a:t>
-            </a:r>
-            <a:r>
-              <a:rPr lang="en-US" sz="4400" dirty="0"/>
-              <a:t> object. The </a:t>
-            </a:r>
-            <a:r>
-              <a:rPr lang="en-US" sz="4400" dirty="0" err="1"/>
-              <a:t>NewRow</a:t>
-            </a:r>
-            <a:r>
-              <a:rPr lang="en-US" sz="4400" dirty="0"/>
-              <a:t> method returns a row with the schema of the </a:t>
-            </a:r>
-            <a:r>
-              <a:rPr lang="en-US" sz="4400" dirty="0" err="1"/>
-              <a:t>DataTable</a:t>
-            </a:r>
-            <a:r>
-              <a:rPr lang="en-US" sz="4400" dirty="0"/>
-              <a:t>, as it is defined by the table's </a:t>
-            </a:r>
-            <a:r>
-              <a:rPr lang="en-US" sz="4400" dirty="0" err="1"/>
-              <a:t>DataColumnCollection</a:t>
-            </a:r>
-            <a:r>
-              <a:rPr lang="en-US" sz="4400" dirty="0"/>
-              <a:t>. The maximum number of rows that a </a:t>
-            </a:r>
-            <a:r>
-              <a:rPr lang="en-US" sz="4400" dirty="0" err="1"/>
-              <a:t>DataTable</a:t>
-            </a:r>
-            <a:r>
-              <a:rPr lang="en-US" sz="4400" dirty="0"/>
-              <a:t> can store is 16,777,216</a:t>
-            </a:r>
-            <a:r>
-              <a:rPr lang="en-US" sz="4400" dirty="0" smtClean="0"/>
-              <a:t>.</a:t>
-            </a:r>
-          </a:p>
-          <a:p>
-            <a:pPr marL="571500" indent="-571500">
-              <a:buFont typeface="Arial" panose="020B0604020202020204" pitchFamily="34" charset="0"/>
-              <a:buChar char="•"/>
-            </a:pPr>
-            <a:r>
-              <a:rPr lang="en-US" sz="4400" dirty="0"/>
-              <a:t>The </a:t>
-            </a:r>
-            <a:r>
-              <a:rPr lang="en-US" sz="4400" dirty="0" err="1"/>
-              <a:t>DataTable</a:t>
-            </a:r>
-            <a:r>
-              <a:rPr lang="en-US" sz="4400" dirty="0"/>
-              <a:t> also contains a collection of Constraint objects that can be used to ensure the integrity of the data</a:t>
-            </a:r>
-            <a:r>
-              <a:rPr lang="en-US" sz="4400" dirty="0" smtClean="0"/>
-              <a:t>.</a:t>
-            </a:r>
-          </a:p>
-          <a:p>
-            <a:pPr marL="571500" indent="-571500">
-              <a:buFont typeface="Arial" panose="020B0604020202020204" pitchFamily="34" charset="0"/>
-              <a:buChar char="•"/>
-            </a:pPr>
-            <a:r>
-              <a:rPr lang="en-US" sz="4400" dirty="0"/>
-              <a:t>There are many </a:t>
-            </a:r>
-            <a:r>
-              <a:rPr lang="en-US" sz="4400" dirty="0" err="1"/>
-              <a:t>DataTable</a:t>
-            </a:r>
-            <a:r>
-              <a:rPr lang="en-US" sz="4400" dirty="0"/>
-              <a:t> events that can be used to determine when changes are made to a table. These include </a:t>
-            </a:r>
-            <a:r>
-              <a:rPr lang="en-US" sz="4400" dirty="0" err="1"/>
-              <a:t>RowChanged</a:t>
-            </a:r>
-            <a:r>
-              <a:rPr lang="en-US" sz="4400" dirty="0"/>
-              <a:t>, </a:t>
-            </a:r>
-            <a:r>
-              <a:rPr lang="en-US" sz="4400" dirty="0" err="1"/>
-              <a:t>RowChanging</a:t>
-            </a:r>
-            <a:r>
-              <a:rPr lang="en-US" sz="4400" dirty="0"/>
-              <a:t>, </a:t>
-            </a:r>
-            <a:r>
-              <a:rPr lang="en-US" sz="4400" dirty="0" err="1"/>
-              <a:t>RowDeleting</a:t>
-            </a:r>
-            <a:r>
-              <a:rPr lang="en-US" sz="4400" dirty="0"/>
-              <a:t>, and </a:t>
-            </a:r>
-            <a:r>
-              <a:rPr lang="en-US" sz="4400" dirty="0" err="1"/>
-              <a:t>RowDeleted</a:t>
-            </a:r>
-            <a:r>
-              <a:rPr lang="en-US" sz="4400" dirty="0" smtClean="0"/>
-              <a:t>.</a:t>
+              <a:rPr lang="en-US" sz="3600" dirty="0"/>
+              <a:t>A strongly typed </a:t>
+            </a:r>
+            <a:r>
+              <a:rPr lang="en-US" sz="3600" dirty="0" err="1"/>
+              <a:t>DataSet</a:t>
+            </a:r>
+            <a:r>
+              <a:rPr lang="en-US" sz="3600" dirty="0"/>
+              <a:t> can also be transported using an XML Web service. The design of the </a:t>
+            </a:r>
+            <a:r>
+              <a:rPr lang="en-US" sz="3600" dirty="0" err="1"/>
+              <a:t>DataSet</a:t>
+            </a:r>
+            <a:r>
+              <a:rPr lang="en-US" sz="3600" dirty="0"/>
+              <a:t> makes it ideal for transporting data using XML Web services.</a:t>
             </a:r>
           </a:p>
         </p:txBody>
@@ -16895,7 +16803,7 @@
     </p:spTree>
     <p:extLst>
       <p:ext uri="{BB962C8B-B14F-4D97-AF65-F5344CB8AC3E}">
-        <p14:creationId xmlns:p14="http://schemas.microsoft.com/office/powerpoint/2010/main" val="1055552365"/>
+        <p14:creationId xmlns:p14="http://schemas.microsoft.com/office/powerpoint/2010/main" val="1931511455"/>
       </p:ext>
     </p:extLst>
   </p:cSld>
@@ -17325,7 +17233,7 @@
                 <a:ea typeface="Open Sans Semibold" panose="020B0706030804020204" pitchFamily="34" charset="0"/>
                 <a:cs typeface="Open Sans Semibold" panose="020B0706030804020204" pitchFamily="34" charset="0"/>
               </a:rPr>
-              <a:t>DataViews</a:t>
+              <a:t>DataTables</a:t>
             </a:r>
             <a:endParaRPr lang="en-US" sz="4400" dirty="0">
               <a:solidFill>
@@ -17383,7 +17291,7 @@
         <p:spPr>
           <a:xfrm>
             <a:off x="2246688" y="2855786"/>
-            <a:ext cx="19982220" cy="9571851"/>
+            <a:ext cx="19982220" cy="6740307"/>
           </a:xfrm>
           <a:prstGeom prst="rect">
             <a:avLst/>
@@ -17401,28 +17309,12 @@
               <a:buChar char="•"/>
             </a:pPr>
             <a:r>
-              <a:rPr lang="en-US" sz="4400" dirty="0"/>
-              <a:t>Represents a </a:t>
-            </a:r>
-            <a:r>
-              <a:rPr lang="en-US" sz="4400" dirty="0" err="1"/>
-              <a:t>databindable</a:t>
-            </a:r>
-            <a:r>
-              <a:rPr lang="en-US" sz="4400" dirty="0"/>
-              <a:t>, customized view of a </a:t>
-            </a:r>
-            <a:r>
-              <a:rPr lang="en-US" sz="4400" dirty="0" err="1"/>
-              <a:t>DataTable</a:t>
-            </a:r>
-            <a:r>
-              <a:rPr lang="en-US" sz="4400" dirty="0"/>
-              <a:t> for sorting, filtering, searching, editing, and </a:t>
-            </a:r>
-            <a:r>
-              <a:rPr lang="en-US" sz="4400" dirty="0" smtClean="0"/>
-              <a:t>navigation.</a:t>
+              <a:rPr lang="en-US" sz="3600" dirty="0"/>
+              <a:t>Represents one table of in-memory data</a:t>
+            </a:r>
+            <a:r>
+              <a:rPr lang="en-US" sz="3600" dirty="0" smtClean="0"/>
+              <a:t>.</a:t>
             </a:r>
           </a:p>
           <a:p>
@@ -17431,23 +17323,39 @@
               <a:buChar char="•"/>
             </a:pPr>
             <a:r>
-              <a:rPr lang="en-US" sz="4400" dirty="0" smtClean="0"/>
+              <a:rPr lang="en-US" sz="3600" dirty="0"/>
               <a:t>The </a:t>
             </a:r>
             <a:r>
-              <a:rPr lang="en-US" sz="4400" dirty="0" err="1"/>
+              <a:rPr lang="en-US" sz="3600" dirty="0" err="1"/>
+              <a:t>DataTable</a:t>
+            </a:r>
+            <a:r>
+              <a:rPr lang="en-US" sz="3600" dirty="0"/>
+              <a:t> is a central object in the ADO.NET library. Other objects that use the </a:t>
+            </a:r>
+            <a:r>
+              <a:rPr lang="en-US" sz="3600" dirty="0" err="1"/>
+              <a:t>DataTable</a:t>
+            </a:r>
+            <a:r>
+              <a:rPr lang="en-US" sz="3600" dirty="0"/>
+              <a:t> include the </a:t>
+            </a:r>
+            <a:r>
+              <a:rPr lang="en-US" sz="3600" dirty="0" err="1"/>
+              <a:t>DataSet</a:t>
+            </a:r>
+            <a:r>
+              <a:rPr lang="en-US" sz="3600" dirty="0"/>
+              <a:t> and the </a:t>
+            </a:r>
+            <a:r>
+              <a:rPr lang="en-US" sz="3600" dirty="0" err="1"/>
               <a:t>DataView</a:t>
             </a:r>
             <a:r>
-              <a:rPr lang="en-US" sz="4400" dirty="0"/>
-              <a:t> does not store data, but instead represents a connected view of its corresponding </a:t>
-            </a:r>
-            <a:r>
-              <a:rPr lang="en-US" sz="4400" dirty="0" err="1" smtClean="0"/>
-              <a:t>DataTable</a:t>
-            </a:r>
-            <a:r>
-              <a:rPr lang="en-US" sz="4400" dirty="0" smtClean="0"/>
+              <a:rPr lang="en-US" sz="3600" dirty="0" smtClean="0"/>
               <a:t>.</a:t>
             </a:r>
           </a:p>
@@ -17457,48 +17365,36 @@
               <a:buChar char="•"/>
             </a:pPr>
             <a:r>
-              <a:rPr lang="en-US" sz="4400" dirty="0" smtClean="0"/>
-              <a:t>Changes </a:t>
-            </a:r>
-            <a:r>
-              <a:rPr lang="en-US" sz="4400" dirty="0"/>
-              <a:t>to the </a:t>
-            </a:r>
-            <a:r>
-              <a:rPr lang="en-US" sz="4400" dirty="0" err="1"/>
-              <a:t>DataView’s</a:t>
-            </a:r>
-            <a:r>
-              <a:rPr lang="en-US" sz="4400" dirty="0"/>
-              <a:t> data will affect the </a:t>
-            </a:r>
-            <a:r>
-              <a:rPr lang="en-US" sz="4400" dirty="0" err="1"/>
+              <a:rPr lang="en-US" sz="3600" dirty="0"/>
+              <a:t>If you are creating a </a:t>
+            </a:r>
+            <a:r>
+              <a:rPr lang="en-US" sz="3600" dirty="0" err="1"/>
               <a:t>DataTable</a:t>
             </a:r>
             <a:r>
-              <a:rPr lang="en-US" sz="4400" dirty="0"/>
-              <a:t>. Changes to the </a:t>
-            </a:r>
-            <a:r>
-              <a:rPr lang="en-US" sz="4400" dirty="0" err="1"/>
-              <a:t>DataTable’s</a:t>
-            </a:r>
-            <a:r>
-              <a:rPr lang="en-US" sz="4400" dirty="0"/>
-              <a:t> data will affect all </a:t>
-            </a:r>
-            <a:r>
-              <a:rPr lang="en-US" sz="4400" dirty="0" err="1"/>
-              <a:t>DataViews</a:t>
-            </a:r>
-            <a:r>
-              <a:rPr lang="en-US" sz="4400" dirty="0"/>
-              <a:t> associated with it</a:t>
-            </a:r>
-            <a:r>
-              <a:rPr lang="en-US" sz="4400" dirty="0" smtClean="0"/>
-              <a:t>.</a:t>
+              <a:rPr lang="en-US" sz="3600" dirty="0"/>
+              <a:t> programmatically, you must first define its schema by adding </a:t>
+            </a:r>
+            <a:r>
+              <a:rPr lang="en-US" sz="3600" dirty="0" err="1"/>
+              <a:t>DataColumn</a:t>
+            </a:r>
+            <a:r>
+              <a:rPr lang="en-US" sz="3600" dirty="0"/>
+              <a:t> objects to the </a:t>
+            </a:r>
+            <a:r>
+              <a:rPr lang="en-US" sz="3600" dirty="0" err="1"/>
+              <a:t>DataColumnCollection</a:t>
+            </a:r>
+            <a:r>
+              <a:rPr lang="en-US" sz="3600" dirty="0"/>
+              <a:t> (accessed through the Columns property</a:t>
+            </a:r>
+            <a:r>
+              <a:rPr lang="en-US" sz="3600" dirty="0" smtClean="0"/>
+              <a:t>).</a:t>
             </a:r>
           </a:p>
           <a:p>
@@ -17507,19 +17403,67 @@
               <a:buChar char="•"/>
             </a:pPr>
             <a:r>
-              <a:rPr lang="en-US" sz="4400" dirty="0"/>
-              <a:t>A major function of the </a:t>
-            </a:r>
-            <a:r>
-              <a:rPr lang="en-US" sz="4400" dirty="0" err="1"/>
-              <a:t>DataView</a:t>
-            </a:r>
-            <a:r>
-              <a:rPr lang="en-US" sz="4400" dirty="0"/>
-              <a:t> is to allow for data binding on both Windows Forms and Web Forms</a:t>
-            </a:r>
-            <a:r>
-              <a:rPr lang="en-US" sz="4400" dirty="0" smtClean="0"/>
+              <a:rPr lang="en-US" sz="3600" dirty="0"/>
+              <a:t>To add rows to a </a:t>
+            </a:r>
+            <a:r>
+              <a:rPr lang="en-US" sz="3600" dirty="0" err="1"/>
+              <a:t>DataTable</a:t>
+            </a:r>
+            <a:r>
+              <a:rPr lang="en-US" sz="3600" dirty="0"/>
+              <a:t>, you must first use the </a:t>
+            </a:r>
+            <a:r>
+              <a:rPr lang="en-US" sz="3600" dirty="0" err="1"/>
+              <a:t>NewRow</a:t>
+            </a:r>
+            <a:r>
+              <a:rPr lang="en-US" sz="3600" dirty="0"/>
+              <a:t> method to return a new </a:t>
+            </a:r>
+            <a:r>
+              <a:rPr lang="en-US" sz="3600" dirty="0" err="1"/>
+              <a:t>DataRow</a:t>
+            </a:r>
+            <a:r>
+              <a:rPr lang="en-US" sz="3600" dirty="0"/>
+              <a:t> object. The </a:t>
+            </a:r>
+            <a:r>
+              <a:rPr lang="en-US" sz="3600" dirty="0" err="1"/>
+              <a:t>NewRow</a:t>
+            </a:r>
+            <a:r>
+              <a:rPr lang="en-US" sz="3600" dirty="0"/>
+              <a:t> method returns a row with the schema of the </a:t>
+            </a:r>
+            <a:r>
+              <a:rPr lang="en-US" sz="3600" dirty="0" err="1"/>
+              <a:t>DataTable</a:t>
+            </a:r>
+            <a:r>
+              <a:rPr lang="en-US" sz="3600" dirty="0"/>
+              <a:t>, as it is defined by the table's </a:t>
+            </a:r>
+            <a:r>
+              <a:rPr lang="en-US" sz="3600" dirty="0" err="1"/>
+              <a:t>DataColumnCollection</a:t>
+            </a:r>
+            <a:r>
+              <a:rPr lang="en-US" sz="3600" dirty="0"/>
+              <a:t>. The maximum number of rows that a </a:t>
+            </a:r>
+            <a:r>
+              <a:rPr lang="en-US" sz="3600" dirty="0" err="1"/>
+              <a:t>DataTable</a:t>
+            </a:r>
+            <a:r>
+              <a:rPr lang="en-US" sz="3600" dirty="0"/>
+              <a:t> can store is 16,777,216</a:t>
+            </a:r>
+            <a:r>
+              <a:rPr lang="en-US" sz="3600" dirty="0" smtClean="0"/>
               <a:t>.</a:t>
             </a:r>
           </a:p>
@@ -17529,35 +17473,19 @@
               <a:buChar char="•"/>
             </a:pPr>
             <a:r>
-              <a:rPr lang="en-US" sz="4400" dirty="0"/>
-              <a:t>Additionally, a </a:t>
-            </a:r>
-            <a:r>
-              <a:rPr lang="en-US" sz="4400" dirty="0" err="1"/>
-              <a:t>DataView</a:t>
-            </a:r>
-            <a:r>
-              <a:rPr lang="en-US" sz="4400" dirty="0"/>
-              <a:t> can be customized to present a subset of data from the </a:t>
-            </a:r>
-            <a:r>
-              <a:rPr lang="en-US" sz="4400" dirty="0" err="1"/>
+              <a:rPr lang="en-US" sz="3600" dirty="0"/>
+              <a:t>The </a:t>
+            </a:r>
+            <a:r>
+              <a:rPr lang="en-US" sz="3600" dirty="0" err="1"/>
               <a:t>DataTable</a:t>
             </a:r>
             <a:r>
-              <a:rPr lang="en-US" sz="4400" dirty="0"/>
-              <a:t>. This capability lets you have two controls bound to the same </a:t>
-            </a:r>
-            <a:r>
-              <a:rPr lang="en-US" sz="4400" dirty="0" err="1"/>
-              <a:t>DataTable</a:t>
-            </a:r>
-            <a:r>
-              <a:rPr lang="en-US" sz="4400" dirty="0"/>
-              <a:t>, but that show different versions of the data</a:t>
-            </a:r>
-            <a:r>
-              <a:rPr lang="en-US" sz="4400" dirty="0" smtClean="0"/>
+              <a:rPr lang="en-US" sz="3600" dirty="0"/>
+              <a:t> also contains a collection of Constraint objects that can be used to ensure the integrity of the data</a:t>
+            </a:r>
+            <a:r>
+              <a:rPr lang="en-US" sz="3600" dirty="0" smtClean="0"/>
               <a:t>.</a:t>
             </a:r>
           </a:p>
@@ -17567,63 +17495,56 @@
               <a:buChar char="•"/>
             </a:pPr>
             <a:r>
-              <a:rPr lang="en-US" sz="4400" dirty="0"/>
-              <a:t>The </a:t>
-            </a:r>
-            <a:r>
-              <a:rPr lang="en-US" sz="4400" dirty="0" err="1"/>
+              <a:rPr lang="en-US" sz="3600" dirty="0"/>
+              <a:t>There are many </a:t>
+            </a:r>
+            <a:r>
+              <a:rPr lang="en-US" sz="3600" dirty="0" err="1"/>
               <a:t>DataTable</a:t>
             </a:r>
             <a:r>
-              <a:rPr lang="en-US" sz="4400" dirty="0"/>
-              <a:t> also has a </a:t>
-            </a:r>
-            <a:r>
-              <a:rPr lang="en-US" sz="4400" dirty="0" err="1"/>
-              <a:t>DefaultView</a:t>
-            </a:r>
-            <a:r>
-              <a:rPr lang="en-US" sz="4400" dirty="0"/>
-              <a:t> property. This returns the default </a:t>
-            </a:r>
-            <a:r>
-              <a:rPr lang="en-US" sz="4400" dirty="0" err="1"/>
-              <a:t>DataView</a:t>
-            </a:r>
-            <a:r>
-              <a:rPr lang="en-US" sz="4400" dirty="0"/>
-              <a:t> for the table</a:t>
-            </a:r>
-            <a:r>
-              <a:rPr lang="en-US" sz="4400" dirty="0" smtClean="0"/>
+              <a:rPr lang="en-US" sz="3600" dirty="0"/>
+              <a:t> events that can be used to determine when changes are made to a table. These include </a:t>
+            </a:r>
+            <a:r>
+              <a:rPr lang="en-US" sz="3600" dirty="0" err="1"/>
+              <a:t>RowChanged</a:t>
+            </a:r>
+            <a:r>
+              <a:rPr lang="en-US" sz="3600" dirty="0"/>
+              <a:t>, </a:t>
+            </a:r>
+            <a:r>
+              <a:rPr lang="en-US" sz="3600" dirty="0" err="1"/>
+              <a:t>RowChanging</a:t>
+            </a:r>
+            <a:r>
+              <a:rPr lang="en-US" sz="3600" dirty="0"/>
+              <a:t>, </a:t>
+            </a:r>
+            <a:r>
+              <a:rPr lang="en-US" sz="3600" dirty="0" err="1"/>
+              <a:t>RowDeleting</a:t>
+            </a:r>
+            <a:r>
+              <a:rPr lang="en-US" sz="3600" dirty="0"/>
+              <a:t>, and </a:t>
+            </a:r>
+            <a:r>
+              <a:rPr lang="en-US" sz="3600" dirty="0" err="1"/>
+              <a:t>RowDeleted</a:t>
+            </a:r>
+            <a:r>
+              <a:rPr lang="en-US" sz="3600" dirty="0" smtClean="0"/>
               <a:t>.</a:t>
             </a:r>
-          </a:p>
-          <a:p>
-            <a:pPr marL="571500" indent="-571500">
-              <a:buFont typeface="Arial" panose="020B0604020202020204" pitchFamily="34" charset="0"/>
-              <a:buChar char="•"/>
-            </a:pPr>
-            <a:r>
-              <a:rPr lang="en-US" sz="4400" dirty="0"/>
-              <a:t>To create a filtered and sorted view of data, set the </a:t>
-            </a:r>
-            <a:r>
-              <a:rPr lang="en-US" sz="4400" dirty="0" err="1"/>
-              <a:t>RowFilter</a:t>
-            </a:r>
-            <a:r>
-              <a:rPr lang="en-US" sz="4400" dirty="0"/>
-              <a:t> and Sort properties.</a:t>
-            </a:r>
-            <a:endParaRPr lang="en-US" sz="4400" dirty="0" smtClean="0"/>
           </a:p>
         </p:txBody>
       </p:sp>
     </p:spTree>
     <p:extLst>
       <p:ext uri="{BB962C8B-B14F-4D97-AF65-F5344CB8AC3E}">
-        <p14:creationId xmlns:p14="http://schemas.microsoft.com/office/powerpoint/2010/main" val="2002192088"/>
+        <p14:creationId xmlns:p14="http://schemas.microsoft.com/office/powerpoint/2010/main" val="1055552365"/>
       </p:ext>
     </p:extLst>
   </p:cSld>
@@ -17861,7 +17782,7 @@
       </p:grpSpPr>
       <p:sp>
         <p:nvSpPr>
-          <p:cNvPr id="2" name="Marcador de texto 4"/>
+          <p:cNvPr id="33" name="Marcador de texto 4"/>
           <p:cNvSpPr txBox="1">
             <a:spLocks/>
           </p:cNvSpPr>
@@ -17869,8 +17790,8 @@
         </p:nvSpPr>
         <p:spPr>
           <a:xfrm>
-            <a:off x="1886648" y="1053149"/>
-            <a:ext cx="18767086" cy="1802637"/>
+            <a:off x="2246688" y="1053149"/>
+            <a:ext cx="17101901" cy="1802637"/>
           </a:xfrm>
           <a:prstGeom prst="rect">
             <a:avLst/>
@@ -18044,7 +17965,7 @@
           </a:lstStyle>
           <a:p>
             <a:r>
-              <a:rPr lang="en-US" sz="6600" dirty="0" smtClean="0">
+              <a:rPr lang="en-US" sz="4400" dirty="0" err="1" smtClean="0">
                 <a:solidFill>
                   <a:schemeClr val="accent3">
                     <a:lumMod val="75000"/>
@@ -18053,33 +17974,9 @@
                 <a:ea typeface="Open Sans Semibold" panose="020B0706030804020204" pitchFamily="34" charset="0"/>
                 <a:cs typeface="Open Sans Semibold" panose="020B0706030804020204" pitchFamily="34" charset="0"/>
               </a:rPr>
-              <a:t>Example</a:t>
-            </a:r>
-            <a:r>
-              <a:rPr lang="en-US" sz="6600" smtClean="0">
-                <a:solidFill>
-                  <a:schemeClr val="accent3">
-                    <a:lumMod val="75000"/>
-                  </a:schemeClr>
-                </a:solidFill>
-                <a:ea typeface="Open Sans Semibold" panose="020B0706030804020204" pitchFamily="34" charset="0"/>
-                <a:cs typeface="Open Sans Semibold" panose="020B0706030804020204" pitchFamily="34" charset="0"/>
-              </a:rPr>
-              <a:t>: </a:t>
-            </a:r>
-            <a:r>
-              <a:rPr lang="en-US" sz="6600">
-                <a:solidFill>
-                  <a:schemeClr val="accent3">
-                    <a:lumMod val="75000"/>
-                  </a:schemeClr>
-                </a:solidFill>
-                <a:ea typeface="Open Sans Semibold" panose="020B0706030804020204" pitchFamily="34" charset="0"/>
-                <a:cs typeface="Open Sans Semibold" panose="020B0706030804020204" pitchFamily="34" charset="0"/>
-              </a:rPr>
-              <a:t>Retrieving and Modifying Data in ADO.NET</a:t>
-            </a:r>
-            <a:endParaRPr lang="en-US" sz="6600" dirty="0">
+              <a:t>DataViews</a:t>
+            </a:r>
+            <a:endParaRPr lang="en-US" sz="4400" dirty="0">
               <a:solidFill>
                 <a:schemeClr val="accent3">
                   <a:lumMod val="75000"/>
@@ -18091,74 +17988,16 @@
           </a:p>
         </p:txBody>
       </p:sp>
-      <p:sp>
-        <p:nvSpPr>
-          <p:cNvPr id="3" name="TextBox 2"/>
-          <p:cNvSpPr txBox="1"/>
-          <p:nvPr/>
-        </p:nvSpPr>
-        <p:spPr>
-          <a:xfrm>
-            <a:off x="2201683" y="3573429"/>
-            <a:ext cx="20162241" cy="1200329"/>
-          </a:xfrm>
-          <a:prstGeom prst="rect">
-            <a:avLst/>
-          </a:prstGeom>
-          <a:noFill/>
-        </p:spPr>
-        <p:txBody>
-          <a:bodyPr wrap="square" rtlCol="0">
-            <a:spAutoFit/>
-          </a:bodyPr>
-          <a:lstStyle/>
-          <a:p>
-            <a:pPr marL="571500" indent="-571500">
-              <a:buFont typeface="Arial" panose="020B0604020202020204" pitchFamily="34" charset="0"/>
-              <a:buChar char="•"/>
-            </a:pPr>
-            <a:r>
-              <a:rPr lang="en-US" sz="3600" dirty="0" smtClean="0"/>
-              <a:t>See </a:t>
-            </a:r>
-            <a:r>
-              <a:rPr lang="en-US" sz="3600" dirty="0" smtClean="0"/>
-              <a:t>ADONET-Chapter1 </a:t>
-            </a:r>
-            <a:r>
-              <a:rPr lang="en-US" sz="3600" dirty="0" smtClean="0"/>
-              <a:t>at</a:t>
-            </a:r>
-            <a:r>
-              <a:rPr lang="en-US" sz="3600" dirty="0"/>
-              <a:t> </a:t>
-            </a:r>
-            <a:r>
-              <a:rPr lang="en-US" sz="3600" dirty="0">
-                <a:hlinkClick r:id="rId3"/>
-              </a:rPr>
-              <a:t>https://</a:t>
-            </a:r>
-            <a:r>
-              <a:rPr lang="en-US" sz="3600" dirty="0" smtClean="0">
-                <a:hlinkClick r:id="rId3"/>
-              </a:rPr>
-              <a:t>github.com/DotNetTraining/DotNetEssentials/tree/master/Code/ADONET/ADONET-Chapter1</a:t>
-            </a:r>
-            <a:endParaRPr lang="en-US" sz="3600" dirty="0" smtClean="0"/>
-          </a:p>
-        </p:txBody>
-      </p:sp>
       <p:cxnSp>
         <p:nvCxnSpPr>
-          <p:cNvPr id="4" name="10 Conector recto"/>
+          <p:cNvPr id="34" name="10 Conector recto"/>
           <p:cNvCxnSpPr/>
           <p:nvPr/>
         </p:nvCxnSpPr>
         <p:spPr>
-          <a:xfrm flipV="1">
-            <a:off x="1886648" y="2223287"/>
-            <a:ext cx="18362041" cy="1"/>
+          <a:xfrm>
+            <a:off x="2246688" y="1955687"/>
+            <a:ext cx="2790311" cy="0"/>
           </a:xfrm>
           <a:prstGeom prst="line">
             <a:avLst/>
@@ -18184,1113 +18023,256 @@
           </a:fontRef>
         </p:style>
       </p:cxnSp>
-      <p:grpSp>
-        <p:nvGrpSpPr>
-          <p:cNvPr id="37" name="Group 36"/>
-          <p:cNvGrpSpPr/>
+      <p:sp>
+        <p:nvSpPr>
+          <p:cNvPr id="35" name="TextBox 34"/>
+          <p:cNvSpPr txBox="1"/>
           <p:nvPr/>
-        </p:nvGrpSpPr>
-        <p:grpSpPr>
+        </p:nvSpPr>
+        <p:spPr>
           <a:xfrm>
-            <a:off x="8264930" y="5778674"/>
-            <a:ext cx="6550580" cy="5741861"/>
-            <a:chOff x="9222464" y="6003699"/>
-            <a:chExt cx="6550580" cy="5741861"/>
+            <a:off x="2246688" y="2855786"/>
+            <a:ext cx="19982220" cy="6740307"/>
           </a:xfrm>
-        </p:grpSpPr>
-        <p:sp>
-          <p:nvSpPr>
-            <p:cNvPr id="24" name="Elipse 24"/>
-            <p:cNvSpPr/>
-            <p:nvPr/>
-          </p:nvSpPr>
-          <p:spPr bwMode="auto">
-            <a:xfrm>
-              <a:off x="11496345" y="8282658"/>
-              <a:ext cx="847214" cy="848960"/>
-            </a:xfrm>
-            <a:prstGeom prst="ellipse">
-              <a:avLst/>
-            </a:prstGeom>
-            <a:solidFill>
-              <a:srgbClr val="F44D53"/>
-            </a:solidFill>
-            <a:ln>
-              <a:noFill/>
-            </a:ln>
-            <a:extLst/>
-          </p:spPr>
-          <p:txBody>
-            <a:bodyPr lIns="0" tIns="0" rIns="0" bIns="0" rtlCol="0" anchor="ctr"/>
-            <a:lstStyle/>
-            <a:p>
-              <a:pPr algn="ctr"/>
-              <a:endParaRPr lang="es-ES"/>
-            </a:p>
-          </p:txBody>
-        </p:sp>
-        <p:sp>
-          <p:nvSpPr>
-            <p:cNvPr id="25" name="Anillo 25"/>
-            <p:cNvSpPr/>
-            <p:nvPr/>
-          </p:nvSpPr>
-          <p:spPr bwMode="auto">
-            <a:xfrm>
-              <a:off x="10384375" y="7168397"/>
-              <a:ext cx="3071154" cy="3077482"/>
-            </a:xfrm>
-            <a:prstGeom prst="donut">
-              <a:avLst>
-                <a:gd name="adj" fmla="val 13529"/>
-              </a:avLst>
-            </a:prstGeom>
-            <a:solidFill>
-              <a:srgbClr val="AAB5BD"/>
-            </a:solidFill>
-            <a:ln>
-              <a:noFill/>
-            </a:ln>
-            <a:extLst/>
-          </p:spPr>
-          <p:txBody>
-            <a:bodyPr lIns="0" tIns="0" rIns="0" bIns="0" rtlCol="0" anchor="ctr"/>
-            <a:lstStyle/>
-            <a:p>
-              <a:pPr algn="ctr"/>
-              <a:endParaRPr lang="es-ES"/>
-            </a:p>
-          </p:txBody>
-        </p:sp>
-        <p:sp>
-          <p:nvSpPr>
-            <p:cNvPr id="26" name="Anillo 26"/>
-            <p:cNvSpPr/>
-            <p:nvPr/>
-          </p:nvSpPr>
-          <p:spPr bwMode="auto">
-            <a:xfrm>
-              <a:off x="9222464" y="6003699"/>
-              <a:ext cx="5394976" cy="5406879"/>
-            </a:xfrm>
-            <a:prstGeom prst="donut">
-              <a:avLst>
-                <a:gd name="adj" fmla="val 7951"/>
-              </a:avLst>
-            </a:prstGeom>
-            <a:solidFill>
-              <a:srgbClr val="34495E"/>
-            </a:solidFill>
-            <a:ln>
-              <a:noFill/>
-            </a:ln>
-            <a:extLst/>
-          </p:spPr>
-          <p:txBody>
-            <a:bodyPr lIns="0" tIns="0" rIns="0" bIns="0" rtlCol="0" anchor="ctr"/>
-            <a:lstStyle/>
-            <a:p>
-              <a:pPr algn="ctr"/>
-              <a:endParaRPr lang="es-ES"/>
-            </a:p>
-          </p:txBody>
-        </p:sp>
-        <p:grpSp>
-          <p:nvGrpSpPr>
-            <p:cNvPr id="27" name="6 Grupo"/>
-            <p:cNvGrpSpPr/>
-            <p:nvPr/>
-          </p:nvGrpSpPr>
-          <p:grpSpPr>
-            <a:xfrm>
-              <a:off x="11304165" y="7009649"/>
-              <a:ext cx="4468879" cy="4735911"/>
-              <a:chOff x="11304165" y="7543430"/>
-              <a:chExt cx="4468879" cy="4735911"/>
-            </a:xfrm>
-          </p:grpSpPr>
-          <p:grpSp>
-            <p:nvGrpSpPr>
-              <p:cNvPr id="28" name="Grupo 22"/>
-              <p:cNvGrpSpPr/>
-              <p:nvPr/>
-            </p:nvGrpSpPr>
-            <p:grpSpPr>
-              <a:xfrm rot="19018150">
-                <a:off x="11304165" y="7543430"/>
-                <a:ext cx="4468879" cy="449612"/>
-                <a:chOff x="12782936" y="6138159"/>
-                <a:chExt cx="4925957" cy="495602"/>
-              </a:xfrm>
-            </p:grpSpPr>
-            <p:sp>
-              <p:nvSpPr>
-                <p:cNvPr id="30" name="Rectángulo redondeado 14"/>
-                <p:cNvSpPr/>
-                <p:nvPr/>
-              </p:nvSpPr>
-              <p:spPr bwMode="auto">
-                <a:xfrm rot="16200000">
-                  <a:off x="17119857" y="6044704"/>
-                  <a:ext cx="495582" cy="682491"/>
-                </a:xfrm>
-                <a:prstGeom prst="roundRect">
-                  <a:avLst>
-                    <a:gd name="adj" fmla="val 50000"/>
-                  </a:avLst>
-                </a:prstGeom>
-                <a:solidFill>
-                  <a:srgbClr val="E8685F"/>
-                </a:solidFill>
-                <a:ln>
-                  <a:noFill/>
-                </a:ln>
-                <a:extLst/>
-              </p:spPr>
-              <p:txBody>
-                <a:bodyPr lIns="0" tIns="0" rIns="0" bIns="0" rtlCol="0" anchor="ctr"/>
-                <a:lstStyle/>
-                <a:p>
-                  <a:pPr algn="ctr"/>
-                  <a:endParaRPr lang="es-ES"/>
-                </a:p>
-              </p:txBody>
-            </p:sp>
-            <p:sp>
-              <p:nvSpPr>
-                <p:cNvPr id="31" name="Rectángulo 15"/>
-                <p:cNvSpPr/>
-                <p:nvPr/>
-              </p:nvSpPr>
-              <p:spPr bwMode="auto">
-                <a:xfrm>
-                  <a:off x="13629872" y="6138686"/>
-                  <a:ext cx="3329765" cy="495053"/>
-                </a:xfrm>
-                <a:prstGeom prst="rect">
-                  <a:avLst/>
-                </a:prstGeom>
-                <a:solidFill>
-                  <a:srgbClr val="FEC830"/>
-                </a:solidFill>
-                <a:ln>
-                  <a:noFill/>
-                </a:ln>
-                <a:extLst/>
-              </p:spPr>
-              <p:txBody>
-                <a:bodyPr lIns="0" tIns="0" rIns="0" bIns="0" rtlCol="0" anchor="ctr"/>
-                <a:lstStyle/>
-                <a:p>
-                  <a:pPr algn="ctr"/>
-                  <a:endParaRPr lang="es-ES"/>
-                </a:p>
-              </p:txBody>
-            </p:sp>
-            <p:sp>
-              <p:nvSpPr>
-                <p:cNvPr id="32" name="Rectángulo 16"/>
-                <p:cNvSpPr/>
-                <p:nvPr/>
-              </p:nvSpPr>
-              <p:spPr bwMode="auto">
-                <a:xfrm>
-                  <a:off x="16959638" y="6138687"/>
-                  <a:ext cx="344209" cy="495053"/>
-                </a:xfrm>
-                <a:prstGeom prst="rect">
-                  <a:avLst/>
-                </a:prstGeom>
-                <a:gradFill>
-                  <a:gsLst>
-                    <a:gs pos="0">
-                      <a:schemeClr val="bg1">
-                        <a:lumMod val="50000"/>
-                      </a:schemeClr>
-                    </a:gs>
-                    <a:gs pos="13000">
-                      <a:srgbClr val="5F5F5F"/>
-                    </a:gs>
-                    <a:gs pos="23000">
-                      <a:srgbClr val="FFFFFF"/>
-                    </a:gs>
-                    <a:gs pos="93000">
-                      <a:srgbClr val="777777"/>
-                    </a:gs>
-                    <a:gs pos="100000">
-                      <a:srgbClr val="EAEAEA"/>
-                    </a:gs>
-                  </a:gsLst>
-                  <a:lin ang="5400000" scaled="0"/>
-                </a:gradFill>
-                <a:ln>
-                  <a:noFill/>
-                </a:ln>
-                <a:extLst/>
-              </p:spPr>
-              <p:txBody>
-                <a:bodyPr lIns="0" tIns="0" rIns="0" bIns="0" rtlCol="0" anchor="ctr"/>
-                <a:lstStyle/>
-                <a:p>
-                  <a:pPr algn="ctr"/>
-                  <a:endParaRPr lang="es-ES"/>
-                </a:p>
-              </p:txBody>
-            </p:sp>
-            <p:sp>
-              <p:nvSpPr>
-                <p:cNvPr id="33" name="Triángulo isósceles 17"/>
-                <p:cNvSpPr/>
-                <p:nvPr/>
-              </p:nvSpPr>
-              <p:spPr bwMode="auto">
-                <a:xfrm rot="16200000">
-                  <a:off x="12958614" y="5962492"/>
-                  <a:ext cx="495581" cy="846938"/>
-                </a:xfrm>
-                <a:prstGeom prst="triangle">
-                  <a:avLst>
-                    <a:gd name="adj" fmla="val 50481"/>
-                  </a:avLst>
-                </a:prstGeom>
-                <a:solidFill>
-                  <a:srgbClr val="E6EAEE"/>
-                </a:solidFill>
-                <a:ln>
-                  <a:noFill/>
-                </a:ln>
-                <a:extLst/>
-              </p:spPr>
-              <p:txBody>
-                <a:bodyPr lIns="0" tIns="0" rIns="0" bIns="0" rtlCol="0" anchor="ctr"/>
-                <a:lstStyle/>
-                <a:p>
-                  <a:pPr algn="ctr"/>
-                  <a:endParaRPr lang="es-ES"/>
-                </a:p>
-              </p:txBody>
-            </p:sp>
-            <p:sp>
-              <p:nvSpPr>
-                <p:cNvPr id="34" name="Rectángulo 19"/>
-                <p:cNvSpPr/>
-                <p:nvPr/>
-              </p:nvSpPr>
-              <p:spPr bwMode="auto">
-                <a:xfrm>
-                  <a:off x="13629876" y="6496754"/>
-                  <a:ext cx="3329764" cy="136997"/>
-                </a:xfrm>
-                <a:prstGeom prst="rect">
-                  <a:avLst/>
-                </a:prstGeom>
-                <a:solidFill>
-                  <a:srgbClr val="FFFFFF">
-                    <a:alpha val="50000"/>
-                  </a:srgbClr>
-                </a:solidFill>
-                <a:ln>
-                  <a:noFill/>
-                </a:ln>
-                <a:extLst/>
-              </p:spPr>
-              <p:txBody>
-                <a:bodyPr lIns="0" tIns="0" rIns="0" bIns="0" rtlCol="0" anchor="ctr"/>
-                <a:lstStyle/>
-                <a:p>
-                  <a:pPr algn="ctr"/>
-                  <a:endParaRPr lang="es-ES"/>
-                </a:p>
-              </p:txBody>
-            </p:sp>
-            <p:sp>
-              <p:nvSpPr>
-                <p:cNvPr id="35" name="Forma libre 20"/>
-                <p:cNvSpPr/>
-                <p:nvPr/>
-              </p:nvSpPr>
-              <p:spPr bwMode="auto">
-                <a:xfrm rot="16200000">
-                  <a:off x="12958621" y="5962502"/>
-                  <a:ext cx="495581" cy="846938"/>
-                </a:xfrm>
-                <a:custGeom>
-                  <a:avLst/>
-                  <a:gdLst>
-                    <a:gd name="connsiteX0" fmla="*/ 495582 w 495582"/>
-                    <a:gd name="connsiteY0" fmla="*/ 846940 h 846940"/>
-                    <a:gd name="connsiteX1" fmla="*/ 0 w 495582"/>
-                    <a:gd name="connsiteY1" fmla="*/ 846940 h 846940"/>
-                    <a:gd name="connsiteX2" fmla="*/ 1 w 495582"/>
-                    <a:gd name="connsiteY2" fmla="*/ 846939 h 846940"/>
-                    <a:gd name="connsiteX3" fmla="*/ 409807 w 495582"/>
-                    <a:gd name="connsiteY3" fmla="*/ 846939 h 846940"/>
-                    <a:gd name="connsiteX4" fmla="*/ 216735 w 495582"/>
-                    <a:gd name="connsiteY4" fmla="*/ 113206 h 846940"/>
-                    <a:gd name="connsiteX5" fmla="*/ 250175 w 495582"/>
-                    <a:gd name="connsiteY5" fmla="*/ 0 h 846940"/>
-                  </a:gdLst>
-                  <a:ahLst/>
-                  <a:cxnLst>
-                    <a:cxn ang="0">
-                      <a:pos x="connsiteX0" y="connsiteY0"/>
-                    </a:cxn>
-                    <a:cxn ang="0">
-                      <a:pos x="connsiteX1" y="connsiteY1"/>
-                    </a:cxn>
-                    <a:cxn ang="0">
-                      <a:pos x="connsiteX2" y="connsiteY2"/>
-                    </a:cxn>
-                    <a:cxn ang="0">
-                      <a:pos x="connsiteX3" y="connsiteY3"/>
-                    </a:cxn>
-                    <a:cxn ang="0">
-                      <a:pos x="connsiteX4" y="connsiteY4"/>
-                    </a:cxn>
-                    <a:cxn ang="0">
-                      <a:pos x="connsiteX5" y="connsiteY5"/>
-                    </a:cxn>
-                  </a:cxnLst>
-                  <a:rect l="l" t="t" r="r" b="b"/>
-                  <a:pathLst>
-                    <a:path w="495582" h="846940">
-                      <a:moveTo>
-                        <a:pt x="495582" y="846940"/>
-                      </a:moveTo>
-                      <a:lnTo>
-                        <a:pt x="0" y="846940"/>
-                      </a:lnTo>
-                      <a:lnTo>
-                        <a:pt x="1" y="846939"/>
-                      </a:lnTo>
-                      <a:lnTo>
-                        <a:pt x="409807" y="846939"/>
-                      </a:lnTo>
-                      <a:lnTo>
-                        <a:pt x="216735" y="113206"/>
-                      </a:lnTo>
-                      <a:lnTo>
-                        <a:pt x="250175" y="0"/>
-                      </a:lnTo>
-                      <a:close/>
-                    </a:path>
-                  </a:pathLst>
-                </a:custGeom>
-                <a:solidFill>
-                  <a:srgbClr val="FFFFFF">
-                    <a:alpha val="40000"/>
-                  </a:srgbClr>
-                </a:solidFill>
-                <a:ln>
-                  <a:noFill/>
-                </a:ln>
-                <a:extLst/>
-              </p:spPr>
-              <p:txBody>
-                <a:bodyPr lIns="0" tIns="0" rIns="0" bIns="0" rtlCol="0" anchor="ctr"/>
-                <a:lstStyle/>
-                <a:p>
-                  <a:pPr algn="ctr"/>
-                  <a:endParaRPr lang="es-ES"/>
-                </a:p>
-              </p:txBody>
-            </p:sp>
-            <p:sp>
-              <p:nvSpPr>
-                <p:cNvPr id="36" name="Triángulo isósceles 21"/>
-                <p:cNvSpPr/>
-                <p:nvPr/>
-              </p:nvSpPr>
-              <p:spPr bwMode="auto">
-                <a:xfrm rot="16200000">
-                  <a:off x="12830383" y="6272670"/>
-                  <a:ext cx="130177" cy="225025"/>
-                </a:xfrm>
-                <a:prstGeom prst="triangle">
-                  <a:avLst>
-                    <a:gd name="adj" fmla="val 50481"/>
-                  </a:avLst>
-                </a:prstGeom>
-                <a:solidFill>
-                  <a:srgbClr val="223D53"/>
-                </a:solidFill>
-                <a:ln>
-                  <a:noFill/>
-                </a:ln>
-                <a:extLst/>
-              </p:spPr>
-              <p:txBody>
-                <a:bodyPr lIns="0" tIns="0" rIns="0" bIns="0" rtlCol="0" anchor="ctr"/>
-                <a:lstStyle/>
-                <a:p>
-                  <a:pPr algn="ctr"/>
-                  <a:endParaRPr lang="es-ES"/>
-                </a:p>
-              </p:txBody>
-            </p:sp>
-          </p:grpSp>
-          <p:sp>
-            <p:nvSpPr>
-              <p:cNvPr id="29" name="Forma libre 35"/>
-              <p:cNvSpPr/>
-              <p:nvPr/>
-            </p:nvSpPr>
-            <p:spPr bwMode="auto">
-              <a:xfrm>
-                <a:off x="11893860" y="9279977"/>
-                <a:ext cx="3096986" cy="2999364"/>
-              </a:xfrm>
-              <a:custGeom>
-                <a:avLst/>
-                <a:gdLst>
-                  <a:gd name="connsiteX0" fmla="*/ 668 w 2750200"/>
-                  <a:gd name="connsiteY0" fmla="*/ 0 h 2669567"/>
-                  <a:gd name="connsiteX1" fmla="*/ 672 w 2750200"/>
-                  <a:gd name="connsiteY1" fmla="*/ 0 h 2669567"/>
-                  <a:gd name="connsiteX2" fmla="*/ 780078 w 2750200"/>
-                  <a:gd name="connsiteY2" fmla="*/ 412375 h 2669567"/>
-                  <a:gd name="connsiteX3" fmla="*/ 781370 w 2750200"/>
-                  <a:gd name="connsiteY3" fmla="*/ 411040 h 2669567"/>
-                  <a:gd name="connsiteX4" fmla="*/ 2331202 w 2750200"/>
-                  <a:gd name="connsiteY4" fmla="*/ 1909898 h 2669567"/>
-                  <a:gd name="connsiteX5" fmla="*/ 2331202 w 2750200"/>
-                  <a:gd name="connsiteY5" fmla="*/ 1909897 h 2669567"/>
-                  <a:gd name="connsiteX6" fmla="*/ 2750200 w 2750200"/>
-                  <a:gd name="connsiteY6" fmla="*/ 2315116 h 2669567"/>
-                  <a:gd name="connsiteX7" fmla="*/ 2556040 w 2750200"/>
-                  <a:gd name="connsiteY7" fmla="*/ 2528778 h 2669567"/>
-                  <a:gd name="connsiteX8" fmla="*/ 2401154 w 2750200"/>
-                  <a:gd name="connsiteY8" fmla="*/ 2669567 h 2669567"/>
-                  <a:gd name="connsiteX9" fmla="*/ 1981493 w 2750200"/>
-                  <a:gd name="connsiteY9" fmla="*/ 2263707 h 2669567"/>
-                  <a:gd name="connsiteX10" fmla="*/ 1981492 w 2750200"/>
-                  <a:gd name="connsiteY10" fmla="*/ 2263707 h 2669567"/>
-                  <a:gd name="connsiteX11" fmla="*/ 435556 w 2750200"/>
-                  <a:gd name="connsiteY11" fmla="*/ 768615 h 2669567"/>
-                  <a:gd name="connsiteX12" fmla="*/ 116216 w 2750200"/>
-                  <a:gd name="connsiteY12" fmla="*/ 204215 h 2669567"/>
-                  <a:gd name="connsiteX13" fmla="*/ 116072 w 2750200"/>
-                  <a:gd name="connsiteY13" fmla="*/ 204364 h 2669567"/>
-                  <a:gd name="connsiteX14" fmla="*/ 0 w 2750200"/>
-                  <a:gd name="connsiteY14" fmla="*/ 692 h 2669567"/>
-                  <a:gd name="connsiteX15" fmla="*/ 1518 w 2750200"/>
-                  <a:gd name="connsiteY15" fmla="*/ 1500 h 2669567"/>
-                  <a:gd name="connsiteX0" fmla="*/ 668 w 3039507"/>
-                  <a:gd name="connsiteY0" fmla="*/ 0 h 3299521"/>
-                  <a:gd name="connsiteX1" fmla="*/ 672 w 3039507"/>
-                  <a:gd name="connsiteY1" fmla="*/ 0 h 3299521"/>
-                  <a:gd name="connsiteX2" fmla="*/ 780078 w 3039507"/>
-                  <a:gd name="connsiteY2" fmla="*/ 412375 h 3299521"/>
-                  <a:gd name="connsiteX3" fmla="*/ 781370 w 3039507"/>
-                  <a:gd name="connsiteY3" fmla="*/ 411040 h 3299521"/>
-                  <a:gd name="connsiteX4" fmla="*/ 2331202 w 3039507"/>
-                  <a:gd name="connsiteY4" fmla="*/ 1909898 h 3299521"/>
-                  <a:gd name="connsiteX5" fmla="*/ 2331202 w 3039507"/>
-                  <a:gd name="connsiteY5" fmla="*/ 1909897 h 3299521"/>
-                  <a:gd name="connsiteX6" fmla="*/ 2750200 w 3039507"/>
-                  <a:gd name="connsiteY6" fmla="*/ 2315116 h 3299521"/>
-                  <a:gd name="connsiteX7" fmla="*/ 2556040 w 3039507"/>
-                  <a:gd name="connsiteY7" fmla="*/ 2528778 h 3299521"/>
-                  <a:gd name="connsiteX8" fmla="*/ 3039507 w 3039507"/>
-                  <a:gd name="connsiteY8" fmla="*/ 3299521 h 3299521"/>
-                  <a:gd name="connsiteX9" fmla="*/ 1981493 w 3039507"/>
-                  <a:gd name="connsiteY9" fmla="*/ 2263707 h 3299521"/>
-                  <a:gd name="connsiteX10" fmla="*/ 1981492 w 3039507"/>
-                  <a:gd name="connsiteY10" fmla="*/ 2263707 h 3299521"/>
-                  <a:gd name="connsiteX11" fmla="*/ 435556 w 3039507"/>
-                  <a:gd name="connsiteY11" fmla="*/ 768615 h 3299521"/>
-                  <a:gd name="connsiteX12" fmla="*/ 116216 w 3039507"/>
-                  <a:gd name="connsiteY12" fmla="*/ 204215 h 3299521"/>
-                  <a:gd name="connsiteX13" fmla="*/ 116072 w 3039507"/>
-                  <a:gd name="connsiteY13" fmla="*/ 204364 h 3299521"/>
-                  <a:gd name="connsiteX14" fmla="*/ 0 w 3039507"/>
-                  <a:gd name="connsiteY14" fmla="*/ 692 h 3299521"/>
-                  <a:gd name="connsiteX15" fmla="*/ 1518 w 3039507"/>
-                  <a:gd name="connsiteY15" fmla="*/ 1500 h 3299521"/>
-                  <a:gd name="connsiteX16" fmla="*/ 668 w 3039507"/>
-                  <a:gd name="connsiteY16" fmla="*/ 0 h 3299521"/>
-                  <a:gd name="connsiteX0" fmla="*/ 668 w 3455748"/>
-                  <a:gd name="connsiteY0" fmla="*/ 0 h 3299521"/>
-                  <a:gd name="connsiteX1" fmla="*/ 672 w 3455748"/>
-                  <a:gd name="connsiteY1" fmla="*/ 0 h 3299521"/>
-                  <a:gd name="connsiteX2" fmla="*/ 780078 w 3455748"/>
-                  <a:gd name="connsiteY2" fmla="*/ 412375 h 3299521"/>
-                  <a:gd name="connsiteX3" fmla="*/ 781370 w 3455748"/>
-                  <a:gd name="connsiteY3" fmla="*/ 411040 h 3299521"/>
-                  <a:gd name="connsiteX4" fmla="*/ 2331202 w 3455748"/>
-                  <a:gd name="connsiteY4" fmla="*/ 1909898 h 3299521"/>
-                  <a:gd name="connsiteX5" fmla="*/ 2331202 w 3455748"/>
-                  <a:gd name="connsiteY5" fmla="*/ 1909897 h 3299521"/>
-                  <a:gd name="connsiteX6" fmla="*/ 3455748 w 3455748"/>
-                  <a:gd name="connsiteY6" fmla="*/ 3029064 h 3299521"/>
-                  <a:gd name="connsiteX7" fmla="*/ 2556040 w 3455748"/>
-                  <a:gd name="connsiteY7" fmla="*/ 2528778 h 3299521"/>
-                  <a:gd name="connsiteX8" fmla="*/ 3039507 w 3455748"/>
-                  <a:gd name="connsiteY8" fmla="*/ 3299521 h 3299521"/>
-                  <a:gd name="connsiteX9" fmla="*/ 1981493 w 3455748"/>
-                  <a:gd name="connsiteY9" fmla="*/ 2263707 h 3299521"/>
-                  <a:gd name="connsiteX10" fmla="*/ 1981492 w 3455748"/>
-                  <a:gd name="connsiteY10" fmla="*/ 2263707 h 3299521"/>
-                  <a:gd name="connsiteX11" fmla="*/ 435556 w 3455748"/>
-                  <a:gd name="connsiteY11" fmla="*/ 768615 h 3299521"/>
-                  <a:gd name="connsiteX12" fmla="*/ 116216 w 3455748"/>
-                  <a:gd name="connsiteY12" fmla="*/ 204215 h 3299521"/>
-                  <a:gd name="connsiteX13" fmla="*/ 116072 w 3455748"/>
-                  <a:gd name="connsiteY13" fmla="*/ 204364 h 3299521"/>
-                  <a:gd name="connsiteX14" fmla="*/ 0 w 3455748"/>
-                  <a:gd name="connsiteY14" fmla="*/ 692 h 3299521"/>
-                  <a:gd name="connsiteX15" fmla="*/ 1518 w 3455748"/>
-                  <a:gd name="connsiteY15" fmla="*/ 1500 h 3299521"/>
-                  <a:gd name="connsiteX16" fmla="*/ 668 w 3455748"/>
-                  <a:gd name="connsiteY16" fmla="*/ 0 h 3299521"/>
-                  <a:gd name="connsiteX0" fmla="*/ 668 w 3455748"/>
-                  <a:gd name="connsiteY0" fmla="*/ 0 h 3299521"/>
-                  <a:gd name="connsiteX1" fmla="*/ 672 w 3455748"/>
-                  <a:gd name="connsiteY1" fmla="*/ 0 h 3299521"/>
-                  <a:gd name="connsiteX2" fmla="*/ 780078 w 3455748"/>
-                  <a:gd name="connsiteY2" fmla="*/ 412375 h 3299521"/>
-                  <a:gd name="connsiteX3" fmla="*/ 781370 w 3455748"/>
-                  <a:gd name="connsiteY3" fmla="*/ 411040 h 3299521"/>
-                  <a:gd name="connsiteX4" fmla="*/ 2331202 w 3455748"/>
-                  <a:gd name="connsiteY4" fmla="*/ 1909898 h 3299521"/>
-                  <a:gd name="connsiteX5" fmla="*/ 2331202 w 3455748"/>
-                  <a:gd name="connsiteY5" fmla="*/ 1909897 h 3299521"/>
-                  <a:gd name="connsiteX6" fmla="*/ 3455748 w 3455748"/>
-                  <a:gd name="connsiteY6" fmla="*/ 3029064 h 3299521"/>
-                  <a:gd name="connsiteX7" fmla="*/ 3211192 w 3455748"/>
-                  <a:gd name="connsiteY7" fmla="*/ 3200729 h 3299521"/>
-                  <a:gd name="connsiteX8" fmla="*/ 3039507 w 3455748"/>
-                  <a:gd name="connsiteY8" fmla="*/ 3299521 h 3299521"/>
-                  <a:gd name="connsiteX9" fmla="*/ 1981493 w 3455748"/>
-                  <a:gd name="connsiteY9" fmla="*/ 2263707 h 3299521"/>
-                  <a:gd name="connsiteX10" fmla="*/ 1981492 w 3455748"/>
-                  <a:gd name="connsiteY10" fmla="*/ 2263707 h 3299521"/>
-                  <a:gd name="connsiteX11" fmla="*/ 435556 w 3455748"/>
-                  <a:gd name="connsiteY11" fmla="*/ 768615 h 3299521"/>
-                  <a:gd name="connsiteX12" fmla="*/ 116216 w 3455748"/>
-                  <a:gd name="connsiteY12" fmla="*/ 204215 h 3299521"/>
-                  <a:gd name="connsiteX13" fmla="*/ 116072 w 3455748"/>
-                  <a:gd name="connsiteY13" fmla="*/ 204364 h 3299521"/>
-                  <a:gd name="connsiteX14" fmla="*/ 0 w 3455748"/>
-                  <a:gd name="connsiteY14" fmla="*/ 692 h 3299521"/>
-                  <a:gd name="connsiteX15" fmla="*/ 1518 w 3455748"/>
-                  <a:gd name="connsiteY15" fmla="*/ 1500 h 3299521"/>
-                  <a:gd name="connsiteX16" fmla="*/ 668 w 3455748"/>
-                  <a:gd name="connsiteY16" fmla="*/ 0 h 3299521"/>
-                  <a:gd name="connsiteX0" fmla="*/ 668 w 3455748"/>
-                  <a:gd name="connsiteY0" fmla="*/ 0 h 3299521"/>
-                  <a:gd name="connsiteX1" fmla="*/ 672 w 3455748"/>
-                  <a:gd name="connsiteY1" fmla="*/ 0 h 3299521"/>
-                  <a:gd name="connsiteX2" fmla="*/ 780078 w 3455748"/>
-                  <a:gd name="connsiteY2" fmla="*/ 412375 h 3299521"/>
-                  <a:gd name="connsiteX3" fmla="*/ 781370 w 3455748"/>
-                  <a:gd name="connsiteY3" fmla="*/ 411040 h 3299521"/>
-                  <a:gd name="connsiteX4" fmla="*/ 2331202 w 3455748"/>
-                  <a:gd name="connsiteY4" fmla="*/ 1909898 h 3299521"/>
-                  <a:gd name="connsiteX5" fmla="*/ 2331202 w 3455748"/>
-                  <a:gd name="connsiteY5" fmla="*/ 1909897 h 3299521"/>
-                  <a:gd name="connsiteX6" fmla="*/ 3455748 w 3455748"/>
-                  <a:gd name="connsiteY6" fmla="*/ 3029064 h 3299521"/>
-                  <a:gd name="connsiteX7" fmla="*/ 3039507 w 3455748"/>
-                  <a:gd name="connsiteY7" fmla="*/ 3299521 h 3299521"/>
-                  <a:gd name="connsiteX8" fmla="*/ 1981493 w 3455748"/>
-                  <a:gd name="connsiteY8" fmla="*/ 2263707 h 3299521"/>
-                  <a:gd name="connsiteX9" fmla="*/ 1981492 w 3455748"/>
-                  <a:gd name="connsiteY9" fmla="*/ 2263707 h 3299521"/>
-                  <a:gd name="connsiteX10" fmla="*/ 435556 w 3455748"/>
-                  <a:gd name="connsiteY10" fmla="*/ 768615 h 3299521"/>
-                  <a:gd name="connsiteX11" fmla="*/ 116216 w 3455748"/>
-                  <a:gd name="connsiteY11" fmla="*/ 204215 h 3299521"/>
-                  <a:gd name="connsiteX12" fmla="*/ 116072 w 3455748"/>
-                  <a:gd name="connsiteY12" fmla="*/ 204364 h 3299521"/>
-                  <a:gd name="connsiteX13" fmla="*/ 0 w 3455748"/>
-                  <a:gd name="connsiteY13" fmla="*/ 692 h 3299521"/>
-                  <a:gd name="connsiteX14" fmla="*/ 1518 w 3455748"/>
-                  <a:gd name="connsiteY14" fmla="*/ 1500 h 3299521"/>
-                  <a:gd name="connsiteX15" fmla="*/ 668 w 3455748"/>
-                  <a:gd name="connsiteY15" fmla="*/ 0 h 3299521"/>
-                  <a:gd name="connsiteX0" fmla="*/ 668 w 3413751"/>
-                  <a:gd name="connsiteY0" fmla="*/ 0 h 3299521"/>
-                  <a:gd name="connsiteX1" fmla="*/ 672 w 3413751"/>
-                  <a:gd name="connsiteY1" fmla="*/ 0 h 3299521"/>
-                  <a:gd name="connsiteX2" fmla="*/ 780078 w 3413751"/>
-                  <a:gd name="connsiteY2" fmla="*/ 412375 h 3299521"/>
-                  <a:gd name="connsiteX3" fmla="*/ 781370 w 3413751"/>
-                  <a:gd name="connsiteY3" fmla="*/ 411040 h 3299521"/>
-                  <a:gd name="connsiteX4" fmla="*/ 2331202 w 3413751"/>
-                  <a:gd name="connsiteY4" fmla="*/ 1909898 h 3299521"/>
-                  <a:gd name="connsiteX5" fmla="*/ 2331202 w 3413751"/>
-                  <a:gd name="connsiteY5" fmla="*/ 1909897 h 3299521"/>
-                  <a:gd name="connsiteX6" fmla="*/ 3413751 w 3413751"/>
-                  <a:gd name="connsiteY6" fmla="*/ 2995466 h 3299521"/>
-                  <a:gd name="connsiteX7" fmla="*/ 3039507 w 3413751"/>
-                  <a:gd name="connsiteY7" fmla="*/ 3299521 h 3299521"/>
-                  <a:gd name="connsiteX8" fmla="*/ 1981493 w 3413751"/>
-                  <a:gd name="connsiteY8" fmla="*/ 2263707 h 3299521"/>
-                  <a:gd name="connsiteX9" fmla="*/ 1981492 w 3413751"/>
-                  <a:gd name="connsiteY9" fmla="*/ 2263707 h 3299521"/>
-                  <a:gd name="connsiteX10" fmla="*/ 435556 w 3413751"/>
-                  <a:gd name="connsiteY10" fmla="*/ 768615 h 3299521"/>
-                  <a:gd name="connsiteX11" fmla="*/ 116216 w 3413751"/>
-                  <a:gd name="connsiteY11" fmla="*/ 204215 h 3299521"/>
-                  <a:gd name="connsiteX12" fmla="*/ 116072 w 3413751"/>
-                  <a:gd name="connsiteY12" fmla="*/ 204364 h 3299521"/>
-                  <a:gd name="connsiteX13" fmla="*/ 0 w 3413751"/>
-                  <a:gd name="connsiteY13" fmla="*/ 692 h 3299521"/>
-                  <a:gd name="connsiteX14" fmla="*/ 1518 w 3413751"/>
-                  <a:gd name="connsiteY14" fmla="*/ 1500 h 3299521"/>
-                  <a:gd name="connsiteX15" fmla="*/ 668 w 3413751"/>
-                  <a:gd name="connsiteY15" fmla="*/ 0 h 3299521"/>
-                  <a:gd name="connsiteX0" fmla="*/ 668 w 3413751"/>
-                  <a:gd name="connsiteY0" fmla="*/ 0 h 3299521"/>
-                  <a:gd name="connsiteX1" fmla="*/ 672 w 3413751"/>
-                  <a:gd name="connsiteY1" fmla="*/ 0 h 3299521"/>
-                  <a:gd name="connsiteX2" fmla="*/ 780078 w 3413751"/>
-                  <a:gd name="connsiteY2" fmla="*/ 412375 h 3299521"/>
-                  <a:gd name="connsiteX3" fmla="*/ 781370 w 3413751"/>
-                  <a:gd name="connsiteY3" fmla="*/ 411040 h 3299521"/>
-                  <a:gd name="connsiteX4" fmla="*/ 2331202 w 3413751"/>
-                  <a:gd name="connsiteY4" fmla="*/ 1909898 h 3299521"/>
-                  <a:gd name="connsiteX5" fmla="*/ 2331202 w 3413751"/>
-                  <a:gd name="connsiteY5" fmla="*/ 1909897 h 3299521"/>
-                  <a:gd name="connsiteX6" fmla="*/ 3413751 w 3413751"/>
-                  <a:gd name="connsiteY6" fmla="*/ 2995466 h 3299521"/>
-                  <a:gd name="connsiteX7" fmla="*/ 3218023 w 3413751"/>
-                  <a:gd name="connsiteY7" fmla="*/ 3151077 h 3299521"/>
-                  <a:gd name="connsiteX8" fmla="*/ 3039507 w 3413751"/>
-                  <a:gd name="connsiteY8" fmla="*/ 3299521 h 3299521"/>
-                  <a:gd name="connsiteX9" fmla="*/ 1981493 w 3413751"/>
-                  <a:gd name="connsiteY9" fmla="*/ 2263707 h 3299521"/>
-                  <a:gd name="connsiteX10" fmla="*/ 1981492 w 3413751"/>
-                  <a:gd name="connsiteY10" fmla="*/ 2263707 h 3299521"/>
-                  <a:gd name="connsiteX11" fmla="*/ 435556 w 3413751"/>
-                  <a:gd name="connsiteY11" fmla="*/ 768615 h 3299521"/>
-                  <a:gd name="connsiteX12" fmla="*/ 116216 w 3413751"/>
-                  <a:gd name="connsiteY12" fmla="*/ 204215 h 3299521"/>
-                  <a:gd name="connsiteX13" fmla="*/ 116072 w 3413751"/>
-                  <a:gd name="connsiteY13" fmla="*/ 204364 h 3299521"/>
-                  <a:gd name="connsiteX14" fmla="*/ 0 w 3413751"/>
-                  <a:gd name="connsiteY14" fmla="*/ 692 h 3299521"/>
-                  <a:gd name="connsiteX15" fmla="*/ 1518 w 3413751"/>
-                  <a:gd name="connsiteY15" fmla="*/ 1500 h 3299521"/>
-                  <a:gd name="connsiteX16" fmla="*/ 668 w 3413751"/>
-                  <a:gd name="connsiteY16" fmla="*/ 0 h 3299521"/>
-                  <a:gd name="connsiteX0" fmla="*/ 668 w 3456151"/>
-                  <a:gd name="connsiteY0" fmla="*/ 0 h 3346283"/>
-                  <a:gd name="connsiteX1" fmla="*/ 672 w 3456151"/>
-                  <a:gd name="connsiteY1" fmla="*/ 0 h 3346283"/>
-                  <a:gd name="connsiteX2" fmla="*/ 780078 w 3456151"/>
-                  <a:gd name="connsiteY2" fmla="*/ 412375 h 3346283"/>
-                  <a:gd name="connsiteX3" fmla="*/ 781370 w 3456151"/>
-                  <a:gd name="connsiteY3" fmla="*/ 411040 h 3346283"/>
-                  <a:gd name="connsiteX4" fmla="*/ 2331202 w 3456151"/>
-                  <a:gd name="connsiteY4" fmla="*/ 1909898 h 3346283"/>
-                  <a:gd name="connsiteX5" fmla="*/ 2331202 w 3456151"/>
-                  <a:gd name="connsiteY5" fmla="*/ 1909897 h 3346283"/>
-                  <a:gd name="connsiteX6" fmla="*/ 3413751 w 3456151"/>
-                  <a:gd name="connsiteY6" fmla="*/ 2995466 h 3346283"/>
-                  <a:gd name="connsiteX7" fmla="*/ 3218023 w 3456151"/>
-                  <a:gd name="connsiteY7" fmla="*/ 3151077 h 3346283"/>
-                  <a:gd name="connsiteX8" fmla="*/ 3039507 w 3456151"/>
-                  <a:gd name="connsiteY8" fmla="*/ 3299521 h 3346283"/>
-                  <a:gd name="connsiteX9" fmla="*/ 1981493 w 3456151"/>
-                  <a:gd name="connsiteY9" fmla="*/ 2263707 h 3346283"/>
-                  <a:gd name="connsiteX10" fmla="*/ 1981492 w 3456151"/>
-                  <a:gd name="connsiteY10" fmla="*/ 2263707 h 3346283"/>
-                  <a:gd name="connsiteX11" fmla="*/ 435556 w 3456151"/>
-                  <a:gd name="connsiteY11" fmla="*/ 768615 h 3346283"/>
-                  <a:gd name="connsiteX12" fmla="*/ 116216 w 3456151"/>
-                  <a:gd name="connsiteY12" fmla="*/ 204215 h 3346283"/>
-                  <a:gd name="connsiteX13" fmla="*/ 116072 w 3456151"/>
-                  <a:gd name="connsiteY13" fmla="*/ 204364 h 3346283"/>
-                  <a:gd name="connsiteX14" fmla="*/ 0 w 3456151"/>
-                  <a:gd name="connsiteY14" fmla="*/ 692 h 3346283"/>
-                  <a:gd name="connsiteX15" fmla="*/ 1518 w 3456151"/>
-                  <a:gd name="connsiteY15" fmla="*/ 1500 h 3346283"/>
-                  <a:gd name="connsiteX16" fmla="*/ 668 w 3456151"/>
-                  <a:gd name="connsiteY16" fmla="*/ 0 h 3346283"/>
-                  <a:gd name="connsiteX0" fmla="*/ 668 w 3465784"/>
-                  <a:gd name="connsiteY0" fmla="*/ 0 h 3357167"/>
-                  <a:gd name="connsiteX1" fmla="*/ 672 w 3465784"/>
-                  <a:gd name="connsiteY1" fmla="*/ 0 h 3357167"/>
-                  <a:gd name="connsiteX2" fmla="*/ 780078 w 3465784"/>
-                  <a:gd name="connsiteY2" fmla="*/ 412375 h 3357167"/>
-                  <a:gd name="connsiteX3" fmla="*/ 781370 w 3465784"/>
-                  <a:gd name="connsiteY3" fmla="*/ 411040 h 3357167"/>
-                  <a:gd name="connsiteX4" fmla="*/ 2331202 w 3465784"/>
-                  <a:gd name="connsiteY4" fmla="*/ 1909898 h 3357167"/>
-                  <a:gd name="connsiteX5" fmla="*/ 2331202 w 3465784"/>
-                  <a:gd name="connsiteY5" fmla="*/ 1909897 h 3357167"/>
-                  <a:gd name="connsiteX6" fmla="*/ 3413751 w 3465784"/>
-                  <a:gd name="connsiteY6" fmla="*/ 2995466 h 3357167"/>
-                  <a:gd name="connsiteX7" fmla="*/ 3291518 w 3465784"/>
-                  <a:gd name="connsiteY7" fmla="*/ 3219322 h 3357167"/>
-                  <a:gd name="connsiteX8" fmla="*/ 3039507 w 3465784"/>
-                  <a:gd name="connsiteY8" fmla="*/ 3299521 h 3357167"/>
-                  <a:gd name="connsiteX9" fmla="*/ 1981493 w 3465784"/>
-                  <a:gd name="connsiteY9" fmla="*/ 2263707 h 3357167"/>
-                  <a:gd name="connsiteX10" fmla="*/ 1981492 w 3465784"/>
-                  <a:gd name="connsiteY10" fmla="*/ 2263707 h 3357167"/>
-                  <a:gd name="connsiteX11" fmla="*/ 435556 w 3465784"/>
-                  <a:gd name="connsiteY11" fmla="*/ 768615 h 3357167"/>
-                  <a:gd name="connsiteX12" fmla="*/ 116216 w 3465784"/>
-                  <a:gd name="connsiteY12" fmla="*/ 204215 h 3357167"/>
-                  <a:gd name="connsiteX13" fmla="*/ 116072 w 3465784"/>
-                  <a:gd name="connsiteY13" fmla="*/ 204364 h 3357167"/>
-                  <a:gd name="connsiteX14" fmla="*/ 0 w 3465784"/>
-                  <a:gd name="connsiteY14" fmla="*/ 692 h 3357167"/>
-                  <a:gd name="connsiteX15" fmla="*/ 1518 w 3465784"/>
-                  <a:gd name="connsiteY15" fmla="*/ 1500 h 3357167"/>
-                  <a:gd name="connsiteX16" fmla="*/ 668 w 3465784"/>
-                  <a:gd name="connsiteY16" fmla="*/ 0 h 3357167"/>
-                  <a:gd name="connsiteX0" fmla="*/ 668 w 3468125"/>
-                  <a:gd name="connsiteY0" fmla="*/ 0 h 3356274"/>
-                  <a:gd name="connsiteX1" fmla="*/ 672 w 3468125"/>
-                  <a:gd name="connsiteY1" fmla="*/ 0 h 3356274"/>
-                  <a:gd name="connsiteX2" fmla="*/ 780078 w 3468125"/>
-                  <a:gd name="connsiteY2" fmla="*/ 412375 h 3356274"/>
-                  <a:gd name="connsiteX3" fmla="*/ 781370 w 3468125"/>
-                  <a:gd name="connsiteY3" fmla="*/ 411040 h 3356274"/>
-                  <a:gd name="connsiteX4" fmla="*/ 2331202 w 3468125"/>
-                  <a:gd name="connsiteY4" fmla="*/ 1909898 h 3356274"/>
-                  <a:gd name="connsiteX5" fmla="*/ 2331202 w 3468125"/>
-                  <a:gd name="connsiteY5" fmla="*/ 1909897 h 3356274"/>
-                  <a:gd name="connsiteX6" fmla="*/ 3413751 w 3468125"/>
-                  <a:gd name="connsiteY6" fmla="*/ 2995466 h 3356274"/>
-                  <a:gd name="connsiteX7" fmla="*/ 3291518 w 3468125"/>
-                  <a:gd name="connsiteY7" fmla="*/ 3219322 h 3356274"/>
-                  <a:gd name="connsiteX8" fmla="*/ 3039507 w 3468125"/>
-                  <a:gd name="connsiteY8" fmla="*/ 3299521 h 3356274"/>
-                  <a:gd name="connsiteX9" fmla="*/ 1981493 w 3468125"/>
-                  <a:gd name="connsiteY9" fmla="*/ 2263707 h 3356274"/>
-                  <a:gd name="connsiteX10" fmla="*/ 1981492 w 3468125"/>
-                  <a:gd name="connsiteY10" fmla="*/ 2263707 h 3356274"/>
-                  <a:gd name="connsiteX11" fmla="*/ 435556 w 3468125"/>
-                  <a:gd name="connsiteY11" fmla="*/ 768615 h 3356274"/>
-                  <a:gd name="connsiteX12" fmla="*/ 116216 w 3468125"/>
-                  <a:gd name="connsiteY12" fmla="*/ 204215 h 3356274"/>
-                  <a:gd name="connsiteX13" fmla="*/ 116072 w 3468125"/>
-                  <a:gd name="connsiteY13" fmla="*/ 204364 h 3356274"/>
-                  <a:gd name="connsiteX14" fmla="*/ 0 w 3468125"/>
-                  <a:gd name="connsiteY14" fmla="*/ 692 h 3356274"/>
-                  <a:gd name="connsiteX15" fmla="*/ 1518 w 3468125"/>
-                  <a:gd name="connsiteY15" fmla="*/ 1500 h 3356274"/>
-                  <a:gd name="connsiteX16" fmla="*/ 668 w 3468125"/>
-                  <a:gd name="connsiteY16" fmla="*/ 0 h 3356274"/>
-                  <a:gd name="connsiteX0" fmla="*/ 668 w 3468125"/>
-                  <a:gd name="connsiteY0" fmla="*/ 0 h 3302727"/>
-                  <a:gd name="connsiteX1" fmla="*/ 672 w 3468125"/>
-                  <a:gd name="connsiteY1" fmla="*/ 0 h 3302727"/>
-                  <a:gd name="connsiteX2" fmla="*/ 780078 w 3468125"/>
-                  <a:gd name="connsiteY2" fmla="*/ 412375 h 3302727"/>
-                  <a:gd name="connsiteX3" fmla="*/ 781370 w 3468125"/>
-                  <a:gd name="connsiteY3" fmla="*/ 411040 h 3302727"/>
-                  <a:gd name="connsiteX4" fmla="*/ 2331202 w 3468125"/>
-                  <a:gd name="connsiteY4" fmla="*/ 1909898 h 3302727"/>
-                  <a:gd name="connsiteX5" fmla="*/ 2331202 w 3468125"/>
-                  <a:gd name="connsiteY5" fmla="*/ 1909897 h 3302727"/>
-                  <a:gd name="connsiteX6" fmla="*/ 3413751 w 3468125"/>
-                  <a:gd name="connsiteY6" fmla="*/ 2995466 h 3302727"/>
-                  <a:gd name="connsiteX7" fmla="*/ 3291518 w 3468125"/>
-                  <a:gd name="connsiteY7" fmla="*/ 3219322 h 3302727"/>
-                  <a:gd name="connsiteX8" fmla="*/ 3039507 w 3468125"/>
-                  <a:gd name="connsiteY8" fmla="*/ 3299521 h 3302727"/>
-                  <a:gd name="connsiteX9" fmla="*/ 1981493 w 3468125"/>
-                  <a:gd name="connsiteY9" fmla="*/ 2263707 h 3302727"/>
-                  <a:gd name="connsiteX10" fmla="*/ 1981492 w 3468125"/>
-                  <a:gd name="connsiteY10" fmla="*/ 2263707 h 3302727"/>
-                  <a:gd name="connsiteX11" fmla="*/ 435556 w 3468125"/>
-                  <a:gd name="connsiteY11" fmla="*/ 768615 h 3302727"/>
-                  <a:gd name="connsiteX12" fmla="*/ 116216 w 3468125"/>
-                  <a:gd name="connsiteY12" fmla="*/ 204215 h 3302727"/>
-                  <a:gd name="connsiteX13" fmla="*/ 116072 w 3468125"/>
-                  <a:gd name="connsiteY13" fmla="*/ 204364 h 3302727"/>
-                  <a:gd name="connsiteX14" fmla="*/ 0 w 3468125"/>
-                  <a:gd name="connsiteY14" fmla="*/ 692 h 3302727"/>
-                  <a:gd name="connsiteX15" fmla="*/ 1518 w 3468125"/>
-                  <a:gd name="connsiteY15" fmla="*/ 1500 h 3302727"/>
-                  <a:gd name="connsiteX16" fmla="*/ 668 w 3468125"/>
-                  <a:gd name="connsiteY16" fmla="*/ 0 h 3302727"/>
-                  <a:gd name="connsiteX0" fmla="*/ 668 w 3413751"/>
-                  <a:gd name="connsiteY0" fmla="*/ 0 h 3302727"/>
-                  <a:gd name="connsiteX1" fmla="*/ 672 w 3413751"/>
-                  <a:gd name="connsiteY1" fmla="*/ 0 h 3302727"/>
-                  <a:gd name="connsiteX2" fmla="*/ 780078 w 3413751"/>
-                  <a:gd name="connsiteY2" fmla="*/ 412375 h 3302727"/>
-                  <a:gd name="connsiteX3" fmla="*/ 781370 w 3413751"/>
-                  <a:gd name="connsiteY3" fmla="*/ 411040 h 3302727"/>
-                  <a:gd name="connsiteX4" fmla="*/ 2331202 w 3413751"/>
-                  <a:gd name="connsiteY4" fmla="*/ 1909898 h 3302727"/>
-                  <a:gd name="connsiteX5" fmla="*/ 2331202 w 3413751"/>
-                  <a:gd name="connsiteY5" fmla="*/ 1909897 h 3302727"/>
-                  <a:gd name="connsiteX6" fmla="*/ 3413751 w 3413751"/>
-                  <a:gd name="connsiteY6" fmla="*/ 2995466 h 3302727"/>
-                  <a:gd name="connsiteX7" fmla="*/ 3291518 w 3413751"/>
-                  <a:gd name="connsiteY7" fmla="*/ 3219322 h 3302727"/>
-                  <a:gd name="connsiteX8" fmla="*/ 3039507 w 3413751"/>
-                  <a:gd name="connsiteY8" fmla="*/ 3299521 h 3302727"/>
-                  <a:gd name="connsiteX9" fmla="*/ 1981493 w 3413751"/>
-                  <a:gd name="connsiteY9" fmla="*/ 2263707 h 3302727"/>
-                  <a:gd name="connsiteX10" fmla="*/ 1981492 w 3413751"/>
-                  <a:gd name="connsiteY10" fmla="*/ 2263707 h 3302727"/>
-                  <a:gd name="connsiteX11" fmla="*/ 435556 w 3413751"/>
-                  <a:gd name="connsiteY11" fmla="*/ 768615 h 3302727"/>
-                  <a:gd name="connsiteX12" fmla="*/ 116216 w 3413751"/>
-                  <a:gd name="connsiteY12" fmla="*/ 204215 h 3302727"/>
-                  <a:gd name="connsiteX13" fmla="*/ 116072 w 3413751"/>
-                  <a:gd name="connsiteY13" fmla="*/ 204364 h 3302727"/>
-                  <a:gd name="connsiteX14" fmla="*/ 0 w 3413751"/>
-                  <a:gd name="connsiteY14" fmla="*/ 692 h 3302727"/>
-                  <a:gd name="connsiteX15" fmla="*/ 1518 w 3413751"/>
-                  <a:gd name="connsiteY15" fmla="*/ 1500 h 3302727"/>
-                  <a:gd name="connsiteX16" fmla="*/ 668 w 3413751"/>
-                  <a:gd name="connsiteY16" fmla="*/ 0 h 3302727"/>
-                  <a:gd name="connsiteX0" fmla="*/ 668 w 3413751"/>
-                  <a:gd name="connsiteY0" fmla="*/ 0 h 3302727"/>
-                  <a:gd name="connsiteX1" fmla="*/ 672 w 3413751"/>
-                  <a:gd name="connsiteY1" fmla="*/ 0 h 3302727"/>
-                  <a:gd name="connsiteX2" fmla="*/ 780078 w 3413751"/>
-                  <a:gd name="connsiteY2" fmla="*/ 412375 h 3302727"/>
-                  <a:gd name="connsiteX3" fmla="*/ 781370 w 3413751"/>
-                  <a:gd name="connsiteY3" fmla="*/ 411040 h 3302727"/>
-                  <a:gd name="connsiteX4" fmla="*/ 2331202 w 3413751"/>
-                  <a:gd name="connsiteY4" fmla="*/ 1909898 h 3302727"/>
-                  <a:gd name="connsiteX5" fmla="*/ 2331202 w 3413751"/>
-                  <a:gd name="connsiteY5" fmla="*/ 1909897 h 3302727"/>
-                  <a:gd name="connsiteX6" fmla="*/ 3413751 w 3413751"/>
-                  <a:gd name="connsiteY6" fmla="*/ 2995466 h 3302727"/>
-                  <a:gd name="connsiteX7" fmla="*/ 3291518 w 3413751"/>
-                  <a:gd name="connsiteY7" fmla="*/ 3219322 h 3302727"/>
-                  <a:gd name="connsiteX8" fmla="*/ 3039507 w 3413751"/>
-                  <a:gd name="connsiteY8" fmla="*/ 3299521 h 3302727"/>
-                  <a:gd name="connsiteX9" fmla="*/ 1981493 w 3413751"/>
-                  <a:gd name="connsiteY9" fmla="*/ 2263707 h 3302727"/>
-                  <a:gd name="connsiteX10" fmla="*/ 1981492 w 3413751"/>
-                  <a:gd name="connsiteY10" fmla="*/ 2263707 h 3302727"/>
-                  <a:gd name="connsiteX11" fmla="*/ 435556 w 3413751"/>
-                  <a:gd name="connsiteY11" fmla="*/ 768615 h 3302727"/>
-                  <a:gd name="connsiteX12" fmla="*/ 116216 w 3413751"/>
-                  <a:gd name="connsiteY12" fmla="*/ 204215 h 3302727"/>
-                  <a:gd name="connsiteX13" fmla="*/ 116072 w 3413751"/>
-                  <a:gd name="connsiteY13" fmla="*/ 204364 h 3302727"/>
-                  <a:gd name="connsiteX14" fmla="*/ 0 w 3413751"/>
-                  <a:gd name="connsiteY14" fmla="*/ 692 h 3302727"/>
-                  <a:gd name="connsiteX15" fmla="*/ 1518 w 3413751"/>
-                  <a:gd name="connsiteY15" fmla="*/ 1500 h 3302727"/>
-                  <a:gd name="connsiteX16" fmla="*/ 668 w 3413751"/>
-                  <a:gd name="connsiteY16" fmla="*/ 0 h 3302727"/>
-                  <a:gd name="connsiteX0" fmla="*/ 668 w 3413751"/>
-                  <a:gd name="connsiteY0" fmla="*/ 0 h 3304377"/>
-                  <a:gd name="connsiteX1" fmla="*/ 672 w 3413751"/>
-                  <a:gd name="connsiteY1" fmla="*/ 0 h 3304377"/>
-                  <a:gd name="connsiteX2" fmla="*/ 780078 w 3413751"/>
-                  <a:gd name="connsiteY2" fmla="*/ 412375 h 3304377"/>
-                  <a:gd name="connsiteX3" fmla="*/ 781370 w 3413751"/>
-                  <a:gd name="connsiteY3" fmla="*/ 411040 h 3304377"/>
-                  <a:gd name="connsiteX4" fmla="*/ 2331202 w 3413751"/>
-                  <a:gd name="connsiteY4" fmla="*/ 1909898 h 3304377"/>
-                  <a:gd name="connsiteX5" fmla="*/ 2331202 w 3413751"/>
-                  <a:gd name="connsiteY5" fmla="*/ 1909897 h 3304377"/>
-                  <a:gd name="connsiteX6" fmla="*/ 3413751 w 3413751"/>
-                  <a:gd name="connsiteY6" fmla="*/ 2995466 h 3304377"/>
-                  <a:gd name="connsiteX7" fmla="*/ 3291518 w 3413751"/>
-                  <a:gd name="connsiteY7" fmla="*/ 3219322 h 3304377"/>
-                  <a:gd name="connsiteX8" fmla="*/ 3039507 w 3413751"/>
-                  <a:gd name="connsiteY8" fmla="*/ 3299521 h 3304377"/>
-                  <a:gd name="connsiteX9" fmla="*/ 1981493 w 3413751"/>
-                  <a:gd name="connsiteY9" fmla="*/ 2263707 h 3304377"/>
-                  <a:gd name="connsiteX10" fmla="*/ 1981492 w 3413751"/>
-                  <a:gd name="connsiteY10" fmla="*/ 2263707 h 3304377"/>
-                  <a:gd name="connsiteX11" fmla="*/ 435556 w 3413751"/>
-                  <a:gd name="connsiteY11" fmla="*/ 768615 h 3304377"/>
-                  <a:gd name="connsiteX12" fmla="*/ 116216 w 3413751"/>
-                  <a:gd name="connsiteY12" fmla="*/ 204215 h 3304377"/>
-                  <a:gd name="connsiteX13" fmla="*/ 116072 w 3413751"/>
-                  <a:gd name="connsiteY13" fmla="*/ 204364 h 3304377"/>
-                  <a:gd name="connsiteX14" fmla="*/ 0 w 3413751"/>
-                  <a:gd name="connsiteY14" fmla="*/ 692 h 3304377"/>
-                  <a:gd name="connsiteX15" fmla="*/ 1518 w 3413751"/>
-                  <a:gd name="connsiteY15" fmla="*/ 1500 h 3304377"/>
-                  <a:gd name="connsiteX16" fmla="*/ 668 w 3413751"/>
-                  <a:gd name="connsiteY16" fmla="*/ 0 h 3304377"/>
-                  <a:gd name="connsiteX0" fmla="*/ 668 w 3413751"/>
-                  <a:gd name="connsiteY0" fmla="*/ 0 h 3306145"/>
-                  <a:gd name="connsiteX1" fmla="*/ 672 w 3413751"/>
-                  <a:gd name="connsiteY1" fmla="*/ 0 h 3306145"/>
-                  <a:gd name="connsiteX2" fmla="*/ 780078 w 3413751"/>
-                  <a:gd name="connsiteY2" fmla="*/ 412375 h 3306145"/>
-                  <a:gd name="connsiteX3" fmla="*/ 781370 w 3413751"/>
-                  <a:gd name="connsiteY3" fmla="*/ 411040 h 3306145"/>
-                  <a:gd name="connsiteX4" fmla="*/ 2331202 w 3413751"/>
-                  <a:gd name="connsiteY4" fmla="*/ 1909898 h 3306145"/>
-                  <a:gd name="connsiteX5" fmla="*/ 2331202 w 3413751"/>
-                  <a:gd name="connsiteY5" fmla="*/ 1909897 h 3306145"/>
-                  <a:gd name="connsiteX6" fmla="*/ 3413751 w 3413751"/>
-                  <a:gd name="connsiteY6" fmla="*/ 2995466 h 3306145"/>
-                  <a:gd name="connsiteX7" fmla="*/ 3275770 w 3413751"/>
-                  <a:gd name="connsiteY7" fmla="*/ 3240321 h 3306145"/>
-                  <a:gd name="connsiteX8" fmla="*/ 3039507 w 3413751"/>
-                  <a:gd name="connsiteY8" fmla="*/ 3299521 h 3306145"/>
-                  <a:gd name="connsiteX9" fmla="*/ 1981493 w 3413751"/>
-                  <a:gd name="connsiteY9" fmla="*/ 2263707 h 3306145"/>
-                  <a:gd name="connsiteX10" fmla="*/ 1981492 w 3413751"/>
-                  <a:gd name="connsiteY10" fmla="*/ 2263707 h 3306145"/>
-                  <a:gd name="connsiteX11" fmla="*/ 435556 w 3413751"/>
-                  <a:gd name="connsiteY11" fmla="*/ 768615 h 3306145"/>
-                  <a:gd name="connsiteX12" fmla="*/ 116216 w 3413751"/>
-                  <a:gd name="connsiteY12" fmla="*/ 204215 h 3306145"/>
-                  <a:gd name="connsiteX13" fmla="*/ 116072 w 3413751"/>
-                  <a:gd name="connsiteY13" fmla="*/ 204364 h 3306145"/>
-                  <a:gd name="connsiteX14" fmla="*/ 0 w 3413751"/>
-                  <a:gd name="connsiteY14" fmla="*/ 692 h 3306145"/>
-                  <a:gd name="connsiteX15" fmla="*/ 1518 w 3413751"/>
-                  <a:gd name="connsiteY15" fmla="*/ 1500 h 3306145"/>
-                  <a:gd name="connsiteX16" fmla="*/ 668 w 3413751"/>
-                  <a:gd name="connsiteY16" fmla="*/ 0 h 3306145"/>
-                </a:gdLst>
-                <a:ahLst/>
-                <a:cxnLst>
-                  <a:cxn ang="0">
-                    <a:pos x="connsiteX0" y="connsiteY0"/>
-                  </a:cxn>
-                  <a:cxn ang="0">
-                    <a:pos x="connsiteX1" y="connsiteY1"/>
-                  </a:cxn>
-                  <a:cxn ang="0">
-                    <a:pos x="connsiteX2" y="connsiteY2"/>
-                  </a:cxn>
-                  <a:cxn ang="0">
-                    <a:pos x="connsiteX3" y="connsiteY3"/>
-                  </a:cxn>
-                  <a:cxn ang="0">
-                    <a:pos x="connsiteX4" y="connsiteY4"/>
-                  </a:cxn>
-                  <a:cxn ang="0">
-                    <a:pos x="connsiteX5" y="connsiteY5"/>
-                  </a:cxn>
-                  <a:cxn ang="0">
-                    <a:pos x="connsiteX6" y="connsiteY6"/>
-                  </a:cxn>
-                  <a:cxn ang="0">
-                    <a:pos x="connsiteX7" y="connsiteY7"/>
-                  </a:cxn>
-                  <a:cxn ang="0">
-                    <a:pos x="connsiteX8" y="connsiteY8"/>
-                  </a:cxn>
-                  <a:cxn ang="0">
-                    <a:pos x="connsiteX9" y="connsiteY9"/>
-                  </a:cxn>
-                  <a:cxn ang="0">
-                    <a:pos x="connsiteX10" y="connsiteY10"/>
-                  </a:cxn>
-                  <a:cxn ang="0">
-                    <a:pos x="connsiteX11" y="connsiteY11"/>
-                  </a:cxn>
-                  <a:cxn ang="0">
-                    <a:pos x="connsiteX12" y="connsiteY12"/>
-                  </a:cxn>
-                  <a:cxn ang="0">
-                    <a:pos x="connsiteX13" y="connsiteY13"/>
-                  </a:cxn>
-                  <a:cxn ang="0">
-                    <a:pos x="connsiteX14" y="connsiteY14"/>
-                  </a:cxn>
-                  <a:cxn ang="0">
-                    <a:pos x="connsiteX15" y="connsiteY15"/>
-                  </a:cxn>
-                  <a:cxn ang="0">
-                    <a:pos x="connsiteX16" y="connsiteY16"/>
-                  </a:cxn>
-                </a:cxnLst>
-                <a:rect l="l" t="t" r="r" b="b"/>
-                <a:pathLst>
-                  <a:path w="3413751" h="3306145">
-                    <a:moveTo>
-                      <a:pt x="668" y="0"/>
-                    </a:moveTo>
-                    <a:lnTo>
-                      <a:pt x="672" y="0"/>
-                    </a:lnTo>
-                    <a:lnTo>
-                      <a:pt x="780078" y="412375"/>
-                    </a:lnTo>
-                    <a:lnTo>
-                      <a:pt x="781370" y="411040"/>
-                    </a:lnTo>
-                    <a:lnTo>
-                      <a:pt x="2331202" y="1909898"/>
-                    </a:lnTo>
-                    <a:lnTo>
-                      <a:pt x="2331202" y="1909897"/>
-                    </a:lnTo>
-                    <a:lnTo>
-                      <a:pt x="3413751" y="2995466"/>
-                    </a:lnTo>
-                    <a:cubicBezTo>
-                      <a:pt x="3388318" y="3128834"/>
-                      <a:pt x="3353893" y="3194895"/>
-                      <a:pt x="3275770" y="3240321"/>
-                    </a:cubicBezTo>
-                    <a:cubicBezTo>
-                      <a:pt x="3197647" y="3285747"/>
-                      <a:pt x="3135352" y="3321424"/>
-                      <a:pt x="3039507" y="3299521"/>
-                    </a:cubicBezTo>
-                    <a:lnTo>
-                      <a:pt x="1981493" y="2263707"/>
-                    </a:lnTo>
-                    <a:lnTo>
-                      <a:pt x="1981492" y="2263707"/>
-                    </a:lnTo>
-                    <a:lnTo>
-                      <a:pt x="435556" y="768615"/>
-                    </a:lnTo>
-                    <a:lnTo>
-                      <a:pt x="116216" y="204215"/>
-                    </a:lnTo>
-                    <a:lnTo>
-                      <a:pt x="116072" y="204364"/>
-                    </a:lnTo>
-                    <a:lnTo>
-                      <a:pt x="0" y="692"/>
-                    </a:lnTo>
-                    <a:lnTo>
-                      <a:pt x="1518" y="1500"/>
-                    </a:lnTo>
-                    <a:lnTo>
-                      <a:pt x="668" y="0"/>
-                    </a:lnTo>
-                    <a:close/>
-                  </a:path>
-                </a:pathLst>
-              </a:custGeom>
-              <a:solidFill>
-                <a:schemeClr val="tx1">
-                  <a:lumMod val="75000"/>
-                  <a:lumOff val="25000"/>
-                  <a:alpha val="25000"/>
-                </a:schemeClr>
-              </a:solidFill>
-              <a:ln>
-                <a:noFill/>
-              </a:ln>
-              <a:extLst/>
-            </p:spPr>
-            <p:txBody>
-              <a:bodyPr lIns="0" tIns="0" rIns="0" bIns="0" rtlCol="0" anchor="ctr"/>
-              <a:lstStyle/>
-              <a:p>
-                <a:pPr algn="ctr"/>
-                <a:endParaRPr lang="es-ES"/>
-              </a:p>
-            </p:txBody>
-          </p:sp>
-        </p:grpSp>
-      </p:grpSp>
+          <a:prstGeom prst="rect">
+            <a:avLst/>
+          </a:prstGeom>
+          <a:noFill/>
+        </p:spPr>
+        <p:txBody>
+          <a:bodyPr wrap="square" rtlCol="0">
+            <a:spAutoFit/>
+          </a:bodyPr>
+          <a:lstStyle/>
+          <a:p>
+            <a:pPr marL="571500" indent="-571500">
+              <a:buFont typeface="Arial" panose="020B0604020202020204" pitchFamily="34" charset="0"/>
+              <a:buChar char="•"/>
+            </a:pPr>
+            <a:r>
+              <a:rPr lang="en-US" sz="3600" dirty="0"/>
+              <a:t>Represents a </a:t>
+            </a:r>
+            <a:r>
+              <a:rPr lang="en-US" sz="3600" dirty="0" err="1"/>
+              <a:t>databindable</a:t>
+            </a:r>
+            <a:r>
+              <a:rPr lang="en-US" sz="3600" dirty="0"/>
+              <a:t>, customized view of a </a:t>
+            </a:r>
+            <a:r>
+              <a:rPr lang="en-US" sz="3600" dirty="0" err="1"/>
+              <a:t>DataTable</a:t>
+            </a:r>
+            <a:r>
+              <a:rPr lang="en-US" sz="3600" dirty="0"/>
+              <a:t> for sorting, filtering, searching, editing, and </a:t>
+            </a:r>
+            <a:r>
+              <a:rPr lang="en-US" sz="3600" dirty="0" smtClean="0"/>
+              <a:t>navigation.</a:t>
+            </a:r>
+          </a:p>
+          <a:p>
+            <a:pPr marL="571500" indent="-571500">
+              <a:buFont typeface="Arial" panose="020B0604020202020204" pitchFamily="34" charset="0"/>
+              <a:buChar char="•"/>
+            </a:pPr>
+            <a:r>
+              <a:rPr lang="en-US" sz="3600" dirty="0" smtClean="0"/>
+              <a:t>The </a:t>
+            </a:r>
+            <a:r>
+              <a:rPr lang="en-US" sz="3600" dirty="0" err="1"/>
+              <a:t>DataView</a:t>
+            </a:r>
+            <a:r>
+              <a:rPr lang="en-US" sz="3600" dirty="0"/>
+              <a:t> does not store data, but instead represents a connected view of its corresponding </a:t>
+            </a:r>
+            <a:r>
+              <a:rPr lang="en-US" sz="3600" dirty="0" err="1" smtClean="0"/>
+              <a:t>DataTable</a:t>
+            </a:r>
+            <a:r>
+              <a:rPr lang="en-US" sz="3600" dirty="0" smtClean="0"/>
+              <a:t>.</a:t>
+            </a:r>
+          </a:p>
+          <a:p>
+            <a:pPr marL="571500" indent="-571500">
+              <a:buFont typeface="Arial" panose="020B0604020202020204" pitchFamily="34" charset="0"/>
+              <a:buChar char="•"/>
+            </a:pPr>
+            <a:r>
+              <a:rPr lang="en-US" sz="3600" dirty="0" smtClean="0"/>
+              <a:t>Changes </a:t>
+            </a:r>
+            <a:r>
+              <a:rPr lang="en-US" sz="3600" dirty="0"/>
+              <a:t>to the </a:t>
+            </a:r>
+            <a:r>
+              <a:rPr lang="en-US" sz="3600" dirty="0" err="1"/>
+              <a:t>DataView’s</a:t>
+            </a:r>
+            <a:r>
+              <a:rPr lang="en-US" sz="3600" dirty="0"/>
+              <a:t> data will affect the </a:t>
+            </a:r>
+            <a:r>
+              <a:rPr lang="en-US" sz="3600" dirty="0" err="1"/>
+              <a:t>DataTable</a:t>
+            </a:r>
+            <a:r>
+              <a:rPr lang="en-US" sz="3600" dirty="0"/>
+              <a:t>. Changes to the </a:t>
+            </a:r>
+            <a:r>
+              <a:rPr lang="en-US" sz="3600" dirty="0" err="1"/>
+              <a:t>DataTable’s</a:t>
+            </a:r>
+            <a:r>
+              <a:rPr lang="en-US" sz="3600" dirty="0"/>
+              <a:t> data will affect all </a:t>
+            </a:r>
+            <a:r>
+              <a:rPr lang="en-US" sz="3600" dirty="0" err="1"/>
+              <a:t>DataViews</a:t>
+            </a:r>
+            <a:r>
+              <a:rPr lang="en-US" sz="3600" dirty="0"/>
+              <a:t> associated with it</a:t>
+            </a:r>
+            <a:r>
+              <a:rPr lang="en-US" sz="3600" dirty="0" smtClean="0"/>
+              <a:t>.</a:t>
+            </a:r>
+          </a:p>
+          <a:p>
+            <a:pPr marL="571500" indent="-571500">
+              <a:buFont typeface="Arial" panose="020B0604020202020204" pitchFamily="34" charset="0"/>
+              <a:buChar char="•"/>
+            </a:pPr>
+            <a:r>
+              <a:rPr lang="en-US" sz="3600" dirty="0"/>
+              <a:t>A major function of the </a:t>
+            </a:r>
+            <a:r>
+              <a:rPr lang="en-US" sz="3600" dirty="0" err="1"/>
+              <a:t>DataView</a:t>
+            </a:r>
+            <a:r>
+              <a:rPr lang="en-US" sz="3600" dirty="0"/>
+              <a:t> is to allow for data binding on both Windows Forms and Web Forms</a:t>
+            </a:r>
+            <a:r>
+              <a:rPr lang="en-US" sz="3600" dirty="0" smtClean="0"/>
+              <a:t>.</a:t>
+            </a:r>
+          </a:p>
+          <a:p>
+            <a:pPr marL="571500" indent="-571500">
+              <a:buFont typeface="Arial" panose="020B0604020202020204" pitchFamily="34" charset="0"/>
+              <a:buChar char="•"/>
+            </a:pPr>
+            <a:r>
+              <a:rPr lang="en-US" sz="3600" dirty="0"/>
+              <a:t>Additionally, a </a:t>
+            </a:r>
+            <a:r>
+              <a:rPr lang="en-US" sz="3600" dirty="0" err="1"/>
+              <a:t>DataView</a:t>
+            </a:r>
+            <a:r>
+              <a:rPr lang="en-US" sz="3600" dirty="0"/>
+              <a:t> can be customized to present a subset of data from the </a:t>
+            </a:r>
+            <a:r>
+              <a:rPr lang="en-US" sz="3600" dirty="0" err="1"/>
+              <a:t>DataTable</a:t>
+            </a:r>
+            <a:r>
+              <a:rPr lang="en-US" sz="3600" dirty="0"/>
+              <a:t>. This capability lets you have two controls bound to the same </a:t>
+            </a:r>
+            <a:r>
+              <a:rPr lang="en-US" sz="3600" dirty="0" err="1"/>
+              <a:t>DataTable</a:t>
+            </a:r>
+            <a:r>
+              <a:rPr lang="en-US" sz="3600" dirty="0"/>
+              <a:t>, but that show different versions of the data</a:t>
+            </a:r>
+            <a:r>
+              <a:rPr lang="en-US" sz="3600" dirty="0" smtClean="0"/>
+              <a:t>.</a:t>
+            </a:r>
+          </a:p>
+          <a:p>
+            <a:pPr marL="571500" indent="-571500">
+              <a:buFont typeface="Arial" panose="020B0604020202020204" pitchFamily="34" charset="0"/>
+              <a:buChar char="•"/>
+            </a:pPr>
+            <a:r>
+              <a:rPr lang="en-US" sz="3600" dirty="0"/>
+              <a:t>The </a:t>
+            </a:r>
+            <a:r>
+              <a:rPr lang="en-US" sz="3600" dirty="0" err="1"/>
+              <a:t>DataTable</a:t>
+            </a:r>
+            <a:r>
+              <a:rPr lang="en-US" sz="3600" dirty="0"/>
+              <a:t> also has a </a:t>
+            </a:r>
+            <a:r>
+              <a:rPr lang="en-US" sz="3600" dirty="0" err="1"/>
+              <a:t>DefaultView</a:t>
+            </a:r>
+            <a:r>
+              <a:rPr lang="en-US" sz="3600" dirty="0"/>
+              <a:t> property. This returns the default </a:t>
+            </a:r>
+            <a:r>
+              <a:rPr lang="en-US" sz="3600" dirty="0" err="1"/>
+              <a:t>DataView</a:t>
+            </a:r>
+            <a:r>
+              <a:rPr lang="en-US" sz="3600" dirty="0"/>
+              <a:t> for the table</a:t>
+            </a:r>
+            <a:r>
+              <a:rPr lang="en-US" sz="3600" dirty="0" smtClean="0"/>
+              <a:t>.</a:t>
+            </a:r>
+          </a:p>
+          <a:p>
+            <a:pPr marL="571500" indent="-571500">
+              <a:buFont typeface="Arial" panose="020B0604020202020204" pitchFamily="34" charset="0"/>
+              <a:buChar char="•"/>
+            </a:pPr>
+            <a:r>
+              <a:rPr lang="en-US" sz="3600" dirty="0"/>
+              <a:t>To create a filtered and sorted view of data, set the </a:t>
+            </a:r>
+            <a:r>
+              <a:rPr lang="en-US" sz="3600" dirty="0" err="1"/>
+              <a:t>RowFilter</a:t>
+            </a:r>
+            <a:r>
+              <a:rPr lang="en-US" sz="3600" dirty="0"/>
+              <a:t> and Sort properties.</a:t>
+            </a:r>
+            <a:endParaRPr lang="en-US" sz="3600" dirty="0" smtClean="0"/>
+          </a:p>
+        </p:txBody>
+      </p:sp>
     </p:spTree>
     <p:extLst>
       <p:ext uri="{BB962C8B-B14F-4D97-AF65-F5344CB8AC3E}">
-        <p14:creationId xmlns:p14="http://schemas.microsoft.com/office/powerpoint/2010/main" val="18511712"/>
+        <p14:creationId xmlns:p14="http://schemas.microsoft.com/office/powerpoint/2010/main" val="2002192088"/>
       </p:ext>
     </p:extLst>
   </p:cSld>
@@ -19334,7 +18316,7 @@
                                           </p:stCondLst>
                                         </p:cTn>
                                         <p:tgtEl>
-                                          <p:spTgt spid="2"/>
+                                          <p:spTgt spid="33"/>
                                         </p:tgtEl>
                                         <p:attrNameLst>
                                           <p:attrName>style.visibility</p:attrName>
@@ -19348,7 +18330,7 @@
                                       <p:cBhvr additive="base">
                                         <p:cTn id="7" dur="1000" fill="hold"/>
                                         <p:tgtEl>
-                                          <p:spTgt spid="2"/>
+                                          <p:spTgt spid="33"/>
                                         </p:tgtEl>
                                         <p:attrNameLst>
                                           <p:attrName>ppt_x</p:attrName>
@@ -19371,7 +18353,7 @@
                                       <p:cBhvr additive="base">
                                         <p:cTn id="8" dur="1000" fill="hold"/>
                                         <p:tgtEl>
-                                          <p:spTgt spid="2"/>
+                                          <p:spTgt spid="33"/>
                                         </p:tgtEl>
                                         <p:attrNameLst>
                                           <p:attrName>ppt_y</p:attrName>
@@ -19416,7 +18398,7 @@
                                           </p:stCondLst>
                                         </p:cTn>
                                         <p:tgtEl>
-                                          <p:spTgt spid="4"/>
+                                          <p:spTgt spid="34"/>
                                         </p:tgtEl>
                                         <p:attrNameLst>
                                           <p:attrName>style.visibility</p:attrName>
@@ -19430,7 +18412,7 @@
                                       <p:cBhvr additive="base">
                                         <p:cTn id="12" dur="500" fill="hold"/>
                                         <p:tgtEl>
-                                          <p:spTgt spid="4"/>
+                                          <p:spTgt spid="34"/>
                                         </p:tgtEl>
                                         <p:attrNameLst>
                                           <p:attrName>ppt_x</p:attrName>
@@ -19453,7 +18435,7 @@
                                       <p:cBhvr additive="base">
                                         <p:cTn id="13" dur="500" fill="hold"/>
                                         <p:tgtEl>
-                                          <p:spTgt spid="4"/>
+                                          <p:spTgt spid="34"/>
                                         </p:tgtEl>
                                         <p:attrNameLst>
                                           <p:attrName>ppt_y</p:attrName>
@@ -19503,7 +18485,7 @@
       </p:par>
     </p:tnLst>
     <p:bldLst>
-      <p:bldP spid="2" grpId="0"/>
+      <p:bldP spid="33" grpId="0"/>
     </p:bldLst>
   </p:timing>
 </p:sld>
@@ -19722,15 +18704,6 @@
               </a:rPr>
               <a:t>Data Type Mappings in ADO.NET</a:t>
             </a:r>
-            <a:endParaRPr lang="en-US" sz="4400" dirty="0">
-              <a:solidFill>
-                <a:schemeClr val="accent3">
-                  <a:lumMod val="75000"/>
-                </a:schemeClr>
-              </a:solidFill>
-              <a:ea typeface="Open Sans Semibold" panose="020B0706030804020204" pitchFamily="34" charset="0"/>
-              <a:cs typeface="Open Sans Semibold" panose="020B0706030804020204" pitchFamily="34" charset="0"/>
-            </a:endParaRPr>
           </a:p>
         </p:txBody>
       </p:sp>
@@ -19777,8 +18750,8 @@
         </p:nvSpPr>
         <p:spPr>
           <a:xfrm>
-            <a:off x="2246688" y="2855786"/>
-            <a:ext cx="19982220" cy="9510296"/>
+            <a:off x="2246688" y="2628324"/>
+            <a:ext cx="19982220" cy="10618291"/>
           </a:xfrm>
           <a:prstGeom prst="rect">
             <a:avLst/>
@@ -19797,11 +18770,11 @@
             </a:pPr>
             <a:r>
               <a:rPr lang="en-US" sz="3600" dirty="0"/>
-              <a:t>The .NET Framework is based on the common type system, which defines how types are declared, used, and managed in the runtime. It consists of both value types and reference types, which all derive from the Object base type</a:t>
+              <a:t>The .NET Framework is based on the common type system, which defines how types are declared, used, and managed in the </a:t>
             </a:r>
             <a:r>
               <a:rPr lang="en-US" sz="3600" dirty="0" smtClean="0"/>
-              <a:t>.</a:t>
+              <a:t>runtime.</a:t>
             </a:r>
           </a:p>
           <a:p>
@@ -19810,8 +18783,12 @@
               <a:buChar char="•"/>
             </a:pPr>
             <a:r>
+              <a:rPr lang="en-US" sz="3600" dirty="0" smtClean="0"/>
+              <a:t>It </a:t>
+            </a:r>
+            <a:r>
               <a:rPr lang="en-US" sz="3600" dirty="0"/>
-              <a:t>When working with a data source, the data type is inferred from the data provider if it is not explicitly specified</a:t>
+              <a:t>consists of both value types and reference types, which all derive from the Object base type</a:t>
             </a:r>
             <a:r>
               <a:rPr lang="en-US" sz="3600" dirty="0" smtClean="0"/>
@@ -19825,63 +18802,7 @@
             </a:pPr>
             <a:r>
               <a:rPr lang="en-US" sz="3600" dirty="0"/>
-              <a:t>For example, a </a:t>
-            </a:r>
-            <a:r>
-              <a:rPr lang="en-US" sz="3600" dirty="0" err="1"/>
-              <a:t>DataSet</a:t>
-            </a:r>
-            <a:r>
-              <a:rPr lang="en-US" sz="3600" dirty="0"/>
-              <a:t> object is independent of any specific data source. Data in a </a:t>
-            </a:r>
-            <a:r>
-              <a:rPr lang="en-US" sz="3600" dirty="0" err="1"/>
-              <a:t>DataSet</a:t>
-            </a:r>
-            <a:r>
-              <a:rPr lang="en-US" sz="3600" dirty="0"/>
-              <a:t> is retrieved from a data source, and changes are persisted back to the data source by using a </a:t>
-            </a:r>
-            <a:r>
-              <a:rPr lang="en-US" sz="3600" dirty="0" err="1"/>
-              <a:t>DataAdapter</a:t>
-            </a:r>
-            <a:r>
-              <a:rPr lang="en-US" sz="3600" dirty="0"/>
-              <a:t>. This means that when a </a:t>
-            </a:r>
-            <a:r>
-              <a:rPr lang="en-US" sz="3600" dirty="0" err="1"/>
-              <a:t>DataAdapter</a:t>
-            </a:r>
-            <a:r>
-              <a:rPr lang="en-US" sz="3600" dirty="0"/>
-              <a:t> fills a </a:t>
-            </a:r>
-            <a:r>
-              <a:rPr lang="en-US" sz="3600" dirty="0" err="1"/>
-              <a:t>DataTable</a:t>
-            </a:r>
-            <a:r>
-              <a:rPr lang="en-US" sz="3600" dirty="0"/>
-              <a:t> in a </a:t>
-            </a:r>
-            <a:r>
-              <a:rPr lang="en-US" sz="3600" dirty="0" err="1"/>
-              <a:t>DataSet</a:t>
-            </a:r>
-            <a:r>
-              <a:rPr lang="en-US" sz="3600" dirty="0"/>
-              <a:t> with values from a data source, the resulting data types of the columns in the </a:t>
-            </a:r>
-            <a:r>
-              <a:rPr lang="en-US" sz="3600" dirty="0" err="1"/>
-              <a:t>DataTable</a:t>
-            </a:r>
-            <a:r>
-              <a:rPr lang="en-US" sz="3600" dirty="0"/>
-              <a:t> are .NET Framework types, instead of types specific to the .NET Framework data provider that is used to connect to the data source</a:t>
+              <a:t>When working with a data source, the data type is inferred from the data provider if it is not explicitly specified</a:t>
             </a:r>
             <a:r>
               <a:rPr lang="en-US" sz="3600" dirty="0" smtClean="0"/>
@@ -19894,6 +18815,109 @@
               <a:buChar char="•"/>
             </a:pPr>
             <a:r>
+              <a:rPr lang="en-US" sz="3600" dirty="0"/>
+              <a:t>For example, a </a:t>
+            </a:r>
+            <a:r>
+              <a:rPr lang="en-US" sz="3600" dirty="0" err="1"/>
+              <a:t>DataSet</a:t>
+            </a:r>
+            <a:r>
+              <a:rPr lang="en-US" sz="3600" dirty="0"/>
+              <a:t> object is independent of any specific data </a:t>
+            </a:r>
+            <a:r>
+              <a:rPr lang="en-US" sz="3600" dirty="0" smtClean="0"/>
+              <a:t>source.</a:t>
+            </a:r>
+          </a:p>
+          <a:p>
+            <a:pPr marL="571500" indent="-571500">
+              <a:buFont typeface="Arial" panose="020B0604020202020204" pitchFamily="34" charset="0"/>
+              <a:buChar char="•"/>
+            </a:pPr>
+            <a:r>
+              <a:rPr lang="en-US" sz="3600" dirty="0" smtClean="0"/>
+              <a:t>Data </a:t>
+            </a:r>
+            <a:r>
+              <a:rPr lang="en-US" sz="3600" dirty="0"/>
+              <a:t>in a </a:t>
+            </a:r>
+            <a:r>
+              <a:rPr lang="en-US" sz="3600" dirty="0" err="1"/>
+              <a:t>DataSet</a:t>
+            </a:r>
+            <a:r>
+              <a:rPr lang="en-US" sz="3600" dirty="0"/>
+              <a:t> is retrieved from a data source, and changes are persisted back to the data source by using a </a:t>
+            </a:r>
+            <a:r>
+              <a:rPr lang="en-US" sz="3600" dirty="0" err="1"/>
+              <a:t>DataAdapter</a:t>
+            </a:r>
+            <a:r>
+              <a:rPr lang="en-US" sz="3600" dirty="0"/>
+              <a:t>. </a:t>
+            </a:r>
+            <a:endParaRPr lang="en-US" sz="3600" dirty="0" smtClean="0"/>
+          </a:p>
+          <a:p>
+            <a:pPr marL="571500" indent="-571500">
+              <a:buFont typeface="Arial" panose="020B0604020202020204" pitchFamily="34" charset="0"/>
+              <a:buChar char="•"/>
+            </a:pPr>
+            <a:r>
+              <a:rPr lang="en-US" sz="3600" dirty="0" smtClean="0"/>
+              <a:t>This </a:t>
+            </a:r>
+            <a:r>
+              <a:rPr lang="en-US" sz="3600" dirty="0"/>
+              <a:t>means that when a </a:t>
+            </a:r>
+            <a:r>
+              <a:rPr lang="en-US" sz="3600" dirty="0" err="1"/>
+              <a:t>DataAdapter</a:t>
+            </a:r>
+            <a:r>
+              <a:rPr lang="en-US" sz="3600" dirty="0"/>
+              <a:t> fills a </a:t>
+            </a:r>
+            <a:r>
+              <a:rPr lang="en-US" sz="3600" dirty="0" err="1"/>
+              <a:t>DataTable</a:t>
+            </a:r>
+            <a:r>
+              <a:rPr lang="en-US" sz="3600" dirty="0"/>
+              <a:t> in a </a:t>
+            </a:r>
+            <a:r>
+              <a:rPr lang="en-US" sz="3600" dirty="0" err="1"/>
+              <a:t>DataSet</a:t>
+            </a:r>
+            <a:r>
+              <a:rPr lang="en-US" sz="3600" dirty="0"/>
+              <a:t> with values from a data source, the resulting data types of the columns in the </a:t>
+            </a:r>
+            <a:r>
+              <a:rPr lang="en-US" sz="3600" dirty="0" err="1"/>
+              <a:t>DataTable</a:t>
+            </a:r>
+            <a:r>
+              <a:rPr lang="en-US" sz="3600" dirty="0"/>
+              <a:t> are .NET Framework types, instead of types specific to the .NET Framework data provider that is used to connect to the data source</a:t>
+            </a:r>
+            <a:r>
+              <a:rPr lang="en-US" sz="3600" dirty="0" smtClean="0"/>
+              <a:t>.</a:t>
+            </a:r>
+          </a:p>
+          <a:p>
+            <a:pPr marL="571500" indent="-571500">
+              <a:buFont typeface="Arial" panose="020B0604020202020204" pitchFamily="34" charset="0"/>
+              <a:buChar char="•"/>
+            </a:pPr>
+            <a:r>
               <a:rPr lang="en-US" sz="3600" dirty="0" smtClean="0"/>
               <a:t>Likewise</a:t>
             </a:r>
@@ -19907,7 +18931,25 @@
             </a:r>
             <a:r>
               <a:rPr lang="en-US" sz="3600" dirty="0"/>
-              <a:t> returns a value from a data source, the resulting value is stored in a local variable that has a .NET Framework type. For both the Fill operations of the </a:t>
+              <a:t> returns a value from a data source, the resulting value is stored in a local variable that has a .NET Framework </a:t>
+            </a:r>
+            <a:r>
+              <a:rPr lang="en-US" sz="3600" dirty="0" smtClean="0"/>
+              <a:t>type.</a:t>
+            </a:r>
+          </a:p>
+          <a:p>
+            <a:pPr marL="571500" indent="-571500">
+              <a:buFont typeface="Arial" panose="020B0604020202020204" pitchFamily="34" charset="0"/>
+              <a:buChar char="•"/>
+            </a:pPr>
+            <a:r>
+              <a:rPr lang="en-US" sz="3600" dirty="0" smtClean="0"/>
+              <a:t>For </a:t>
+            </a:r>
+            <a:r>
+              <a:rPr lang="en-US" sz="3600" dirty="0"/>
+              <a:t>both the Fill operations of the </a:t>
             </a:r>
             <a:r>
               <a:rPr lang="en-US" sz="3600" dirty="0" err="1"/>
@@ -19923,15 +18965,25 @@
             </a:r>
             <a:r>
               <a:rPr lang="en-US" sz="3600" dirty="0"/>
-              <a:t>, the .NET Framework type is inferred from the value returned from the .NET Framework data </a:t>
-            </a:r>
-            <a:r>
-              <a:rPr lang="en-US" sz="3600" dirty="0" err="1"/>
-              <a:t>provider.Instead</a:t>
+              <a:t>, the .NET Framework type is inferred from the value returned from the .NET Framework data provider</a:t>
+            </a:r>
+            <a:r>
+              <a:rPr lang="en-US" sz="3600" dirty="0" smtClean="0"/>
+              <a:t>.</a:t>
+            </a:r>
+          </a:p>
+          <a:p>
+            <a:pPr marL="571500" indent="-571500">
+              <a:buFont typeface="Arial" panose="020B0604020202020204" pitchFamily="34" charset="0"/>
+              <a:buChar char="•"/>
+            </a:pPr>
+            <a:r>
+              <a:rPr lang="en-US" sz="3600" dirty="0" smtClean="0"/>
+              <a:t>Instead </a:t>
             </a:r>
             <a:r>
               <a:rPr lang="en-US" sz="3600" dirty="0"/>
-              <a:t> of relying on the inferred data type, you can use the typed accessor methods of the </a:t>
+              <a:t>of relying on the inferred data type, you can use the typed accessor methods of the </a:t>
             </a:r>
             <a:r>
               <a:rPr lang="en-US" sz="3600" dirty="0" err="1"/>
@@ -19939,7 +18991,25 @@
             </a:r>
             <a:r>
               <a:rPr lang="en-US" sz="3600" dirty="0"/>
-              <a:t> when you know the specific type of the value being returned. Typed accessor methods give you better performance by returning a value as a specific .NET Framework type, which eliminates the need for additional type conversion.</a:t>
+              <a:t> when you know the specific type of the value being </a:t>
+            </a:r>
+            <a:r>
+              <a:rPr lang="en-US" sz="3600" dirty="0" smtClean="0"/>
+              <a:t>returned.</a:t>
+            </a:r>
+          </a:p>
+          <a:p>
+            <a:pPr marL="571500" indent="-571500">
+              <a:buFont typeface="Arial" panose="020B0604020202020204" pitchFamily="34" charset="0"/>
+              <a:buChar char="•"/>
+            </a:pPr>
+            <a:r>
+              <a:rPr lang="en-US" sz="3600" dirty="0" smtClean="0"/>
+              <a:t>Typed </a:t>
+            </a:r>
+            <a:r>
+              <a:rPr lang="en-US" sz="3600" dirty="0"/>
+              <a:t>accessor methods give you better performance by returning a value as a specific .NET Framework type, which eliminates the need for additional type conversion.</a:t>
             </a:r>
             <a:endParaRPr lang="en-US" sz="3600" dirty="0" smtClean="0"/>
           </a:p>
@@ -20380,15 +19450,6 @@
               </a:rPr>
               <a:t>Data Type Mappings in ADO.NET</a:t>
             </a:r>
-            <a:endParaRPr lang="en-US" sz="4400" dirty="0">
-              <a:solidFill>
-                <a:schemeClr val="accent3">
-                  <a:lumMod val="75000"/>
-                </a:schemeClr>
-              </a:solidFill>
-              <a:ea typeface="Open Sans Semibold" panose="020B0706030804020204" pitchFamily="34" charset="0"/>
-              <a:cs typeface="Open Sans Semibold" panose="020B0706030804020204" pitchFamily="34" charset="0"/>
-            </a:endParaRPr>
           </a:p>
         </p:txBody>
       </p:sp>
@@ -20436,7 +19497,7 @@
         <p:spPr>
           <a:xfrm>
             <a:off x="2246688" y="2855786"/>
-            <a:ext cx="19982220" cy="9510296"/>
+            <a:ext cx="19982220" cy="5078313"/>
           </a:xfrm>
           <a:prstGeom prst="rect">
             <a:avLst/>
@@ -20454,150 +19515,99 @@
               <a:buChar char="•"/>
             </a:pPr>
             <a:r>
-              <a:rPr lang="en-US" sz="3600" dirty="0"/>
-              <a:t>The .NET Framework is based on the common type system, which defines how types are declared, used, and managed in the runtime. It consists of both value types and reference types, which all derive from the Object base type</a:t>
-            </a:r>
-            <a:r>
               <a:rPr lang="en-US" sz="3600" dirty="0" smtClean="0"/>
-              <a:t>.</a:t>
+              <a:t>You can find more details about data type mappings for most common type of data providers refer to:</a:t>
             </a:r>
           </a:p>
           <a:p>
-            <a:pPr marL="571500" indent="-571500">
+            <a:pPr marL="1779783" lvl="1" indent="-571500">
               <a:buFont typeface="Arial" panose="020B0604020202020204" pitchFamily="34" charset="0"/>
               <a:buChar char="•"/>
             </a:pPr>
             <a:r>
               <a:rPr lang="en-US" sz="3600" dirty="0"/>
-              <a:t>When working with a data source, the data type is inferred from the data provider if it is not explicitly specified</a:t>
-            </a:r>
-            <a:r>
-              <a:rPr lang="en-US" sz="3600" dirty="0" smtClean="0"/>
-              <a:t>.</a:t>
-            </a:r>
+              <a:t>SQL Server Data Type Mappings: </a:t>
+            </a:r>
+            <a:r>
+              <a:rPr lang="en-US" sz="3600" dirty="0">
+                <a:hlinkClick r:id="rId2"/>
+              </a:rPr>
+              <a:t>https://</a:t>
+            </a:r>
+            <a:r>
+              <a:rPr lang="en-US" sz="3600" dirty="0" smtClean="0">
+                <a:hlinkClick r:id="rId2"/>
+              </a:rPr>
+              <a:t>docs.microsoft.com/en-us/dotnet/framework/data/adonet/sql-server-data-type-mappings</a:t>
+            </a:r>
+            <a:endParaRPr lang="en-US" sz="3600" dirty="0" smtClean="0"/>
           </a:p>
           <a:p>
-            <a:pPr marL="571500" indent="-571500">
+            <a:pPr marL="1779783" lvl="1" indent="-571500">
               <a:buFont typeface="Arial" panose="020B0604020202020204" pitchFamily="34" charset="0"/>
               <a:buChar char="•"/>
             </a:pPr>
             <a:r>
               <a:rPr lang="en-US" sz="3600" dirty="0"/>
-              <a:t>For example, a </a:t>
-            </a:r>
-            <a:r>
-              <a:rPr lang="en-US" sz="3600" dirty="0" err="1"/>
-              <a:t>DataSet</a:t>
-            </a:r>
-            <a:r>
-              <a:rPr lang="en-US" sz="3600" dirty="0"/>
-              <a:t> object is independent of any specific data source. Data in a </a:t>
-            </a:r>
-            <a:r>
-              <a:rPr lang="en-US" sz="3600" dirty="0" err="1"/>
-              <a:t>DataSet</a:t>
-            </a:r>
-            <a:r>
-              <a:rPr lang="en-US" sz="3600" dirty="0"/>
-              <a:t> is retrieved from a data source, and changes are persisted back to the data source by using a </a:t>
-            </a:r>
-            <a:r>
-              <a:rPr lang="en-US" sz="3600" dirty="0" err="1"/>
-              <a:t>DataAdapter</a:t>
-            </a:r>
-            <a:r>
-              <a:rPr lang="en-US" sz="3600" dirty="0"/>
-              <a:t>. This means that when a </a:t>
-            </a:r>
-            <a:r>
-              <a:rPr lang="en-US" sz="3600" dirty="0" err="1"/>
-              <a:t>DataAdapter</a:t>
-            </a:r>
-            <a:r>
-              <a:rPr lang="en-US" sz="3600" dirty="0"/>
-              <a:t> fills a </a:t>
-            </a:r>
-            <a:r>
-              <a:rPr lang="en-US" sz="3600" dirty="0" err="1"/>
-              <a:t>DataTable</a:t>
-            </a:r>
-            <a:r>
-              <a:rPr lang="en-US" sz="3600" dirty="0"/>
-              <a:t> in a </a:t>
-            </a:r>
-            <a:r>
-              <a:rPr lang="en-US" sz="3600" dirty="0" err="1"/>
-              <a:t>DataSet</a:t>
-            </a:r>
-            <a:r>
-              <a:rPr lang="en-US" sz="3600" dirty="0"/>
-              <a:t> with values from a data source, the resulting data types of the columns in the </a:t>
-            </a:r>
-            <a:r>
-              <a:rPr lang="en-US" sz="3600" dirty="0" err="1"/>
-              <a:t>DataTable</a:t>
-            </a:r>
-            <a:r>
-              <a:rPr lang="en-US" sz="3600" dirty="0"/>
-              <a:t> are .NET Framework types, instead of types specific to the .NET Framework data provider that is used to connect to the data source</a:t>
-            </a:r>
-            <a:r>
-              <a:rPr lang="en-US" sz="3600" dirty="0" smtClean="0"/>
-              <a:t>.</a:t>
-            </a:r>
+              <a:t>OLE DB Data Type Mappings: </a:t>
+            </a:r>
+            <a:r>
+              <a:rPr lang="en-US" sz="3600" dirty="0">
+                <a:hlinkClick r:id="rId3"/>
+              </a:rPr>
+              <a:t>https://</a:t>
+            </a:r>
+            <a:r>
+              <a:rPr lang="en-US" sz="3600" dirty="0" smtClean="0">
+                <a:hlinkClick r:id="rId3"/>
+              </a:rPr>
+              <a:t>docs.microsoft.com/en-us/dotnet/framework/data/adonet/ole-db-data-type-mappings</a:t>
+            </a:r>
+            <a:endParaRPr lang="en-US" sz="3600" dirty="0" smtClean="0"/>
           </a:p>
           <a:p>
-            <a:pPr marL="571500" indent="-571500">
+            <a:pPr marL="1779783" lvl="1" indent="-571500">
               <a:buFont typeface="Arial" panose="020B0604020202020204" pitchFamily="34" charset="0"/>
               <a:buChar char="•"/>
             </a:pPr>
             <a:r>
-              <a:rPr lang="en-US" sz="3600" dirty="0" smtClean="0"/>
-              <a:t>Likewise</a:t>
-            </a:r>
-            <a:r>
               <a:rPr lang="en-US" sz="3600" dirty="0"/>
-              <a:t>, when a </a:t>
-            </a:r>
-            <a:r>
-              <a:rPr lang="en-US" sz="3600" dirty="0" err="1"/>
-              <a:t>DataReader</a:t>
-            </a:r>
+              <a:t>ODBC Data Type Mappings: </a:t>
+            </a:r>
+            <a:r>
+              <a:rPr lang="en-US" sz="3600" dirty="0">
+                <a:hlinkClick r:id="rId4"/>
+              </a:rPr>
+              <a:t>https://</a:t>
+            </a:r>
+            <a:r>
+              <a:rPr lang="en-US" sz="3600" dirty="0" smtClean="0">
+                <a:hlinkClick r:id="rId4"/>
+              </a:rPr>
+              <a:t>docs.microsoft.com/en-us/dotnet/framework/data/adonet/odbc-data-type-mappings</a:t>
+            </a:r>
+            <a:endParaRPr lang="en-US" sz="3600" dirty="0" smtClean="0"/>
+          </a:p>
+          <a:p>
+            <a:pPr marL="1779783" lvl="1" indent="-571500">
+              <a:buFont typeface="Arial" panose="020B0604020202020204" pitchFamily="34" charset="0"/>
+              <a:buChar char="•"/>
+            </a:pPr>
             <a:r>
               <a:rPr lang="en-US" sz="3600" dirty="0"/>
-              <a:t> returns a value from a data source, the resulting value is stored in a local variable that has a .NET Framework type. For both the Fill operations of the </a:t>
-            </a:r>
-            <a:r>
-              <a:rPr lang="en-US" sz="3600" dirty="0" err="1"/>
-              <a:t>DataAdapter</a:t>
-            </a:r>
-            <a:r>
-              <a:rPr lang="en-US" sz="3600" dirty="0"/>
-              <a:t> and the Get methods of the </a:t>
-            </a:r>
-            <a:r>
-              <a:rPr lang="en-US" sz="3600" dirty="0" err="1"/>
-              <a:t>DataReader</a:t>
-            </a:r>
-            <a:r>
-              <a:rPr lang="en-US" sz="3600" dirty="0"/>
-              <a:t>, the .NET Framework type is inferred from the value returned from the .NET Framework data </a:t>
-            </a:r>
-            <a:r>
-              <a:rPr lang="en-US" sz="3600" dirty="0" err="1"/>
-              <a:t>provider.Instead</a:t>
-            </a:r>
-            <a:r>
-              <a:rPr lang="en-US" sz="3600" dirty="0"/>
-              <a:t> of relying on the inferred data type, you can use the typed accessor methods of the </a:t>
-            </a:r>
-            <a:r>
-              <a:rPr lang="en-US" sz="3600" dirty="0" err="1"/>
-              <a:t>DataReader</a:t>
-            </a:r>
-            <a:r>
-              <a:rPr lang="en-US" sz="3600" dirty="0"/>
-              <a:t> when you know the specific type of the value being returned. Typed accessor methods give you better performance by returning a value as a specific .NET Framework type, which eliminates the need for additional type conversion.</a:t>
+              <a:t>Oracle Data Type Mappings: </a:t>
+            </a:r>
+            <a:r>
+              <a:rPr lang="en-US" sz="3600" dirty="0">
+                <a:hlinkClick r:id="rId5"/>
+              </a:rPr>
+              <a:t>https://</a:t>
+            </a:r>
+            <a:r>
+              <a:rPr lang="en-US" sz="3600" dirty="0" smtClean="0">
+                <a:hlinkClick r:id="rId5"/>
+              </a:rPr>
+              <a:t>docs.microsoft.com/en-us/dotnet/framework/data/adonet/oracle-data-type-mappings</a:t>
             </a:r>
             <a:endParaRPr lang="en-US" sz="3600" dirty="0" smtClean="0"/>
           </a:p>
@@ -20606,7 +19616,7 @@
     </p:spTree>
     <p:extLst>
       <p:ext uri="{BB962C8B-B14F-4D97-AF65-F5344CB8AC3E}">
-        <p14:creationId xmlns:p14="http://schemas.microsoft.com/office/powerpoint/2010/main" val="1388083390"/>
+        <p14:creationId xmlns:p14="http://schemas.microsoft.com/office/powerpoint/2010/main" val="1402678369"/>
       </p:ext>
     </p:extLst>
   </p:cSld>
@@ -20844,613 +19854,6 @@
       </p:grpSpPr>
       <p:sp>
         <p:nvSpPr>
-          <p:cNvPr id="33" name="Marcador de texto 4"/>
-          <p:cNvSpPr txBox="1">
-            <a:spLocks/>
-          </p:cNvSpPr>
-          <p:nvPr/>
-        </p:nvSpPr>
-        <p:spPr>
-          <a:xfrm>
-            <a:off x="2246688" y="1053149"/>
-            <a:ext cx="17101901" cy="1802637"/>
-          </a:xfrm>
-          <a:prstGeom prst="rect">
-            <a:avLst/>
-          </a:prstGeom>
-        </p:spPr>
-        <p:txBody>
-          <a:bodyPr/>
-          <a:lstStyle>
-            <a:lvl1pPr marL="0" indent="0" algn="l" defTabSz="1812040" rtl="0" eaLnBrk="1" latinLnBrk="0" hangingPunct="1">
-              <a:spcBef>
-                <a:spcPct val="20000"/>
-              </a:spcBef>
-              <a:spcAft>
-                <a:spcPts val="1199"/>
-              </a:spcAft>
-              <a:buFont typeface="Arial" pitchFamily="34" charset="0"/>
-              <a:buNone/>
-              <a:defRPr sz="4000" b="1" kern="1200">
-                <a:solidFill>
-                  <a:schemeClr val="tx1"/>
-                </a:solidFill>
-                <a:latin typeface="+mn-lt"/>
-                <a:ea typeface="+mn-ea"/>
-                <a:cs typeface="+mn-cs"/>
-              </a:defRPr>
-            </a:lvl1pPr>
-            <a:lvl2pPr marL="906009" indent="-362365" algn="l" defTabSz="1812040" rtl="0" eaLnBrk="1" latinLnBrk="0" hangingPunct="1">
-              <a:spcBef>
-                <a:spcPct val="20000"/>
-              </a:spcBef>
-              <a:buClr>
-                <a:schemeClr val="tx2"/>
-              </a:buClr>
-              <a:buFont typeface="Arial" pitchFamily="34" charset="0"/>
-              <a:buChar char="•"/>
-              <a:defRPr sz="4000" kern="1200">
-                <a:solidFill>
-                  <a:schemeClr val="tx1"/>
-                </a:solidFill>
-                <a:latin typeface="+mn-lt"/>
-                <a:ea typeface="+mn-ea"/>
-                <a:cs typeface="+mn-cs"/>
-              </a:defRPr>
-            </a:lvl2pPr>
-            <a:lvl3pPr marL="2265040" indent="-453004" algn="l" defTabSz="1812040" rtl="0" eaLnBrk="1" latinLnBrk="0" hangingPunct="1">
-              <a:spcBef>
-                <a:spcPct val="20000"/>
-              </a:spcBef>
-              <a:buClr>
-                <a:schemeClr val="tx2"/>
-              </a:buClr>
-              <a:buFont typeface="Arial" pitchFamily="34" charset="0"/>
-              <a:buChar char="•"/>
-              <a:defRPr sz="3702" kern="1200">
-                <a:solidFill>
-                  <a:schemeClr val="tx1"/>
-                </a:solidFill>
-                <a:latin typeface="+mn-lt"/>
-                <a:ea typeface="+mn-ea"/>
-                <a:cs typeface="+mn-cs"/>
-              </a:defRPr>
-            </a:lvl3pPr>
-            <a:lvl4pPr marL="3171046" indent="-453004" algn="l" defTabSz="1812040" rtl="0" eaLnBrk="1" latinLnBrk="0" hangingPunct="1">
-              <a:spcBef>
-                <a:spcPct val="20000"/>
-              </a:spcBef>
-              <a:buClr>
-                <a:schemeClr val="tx2"/>
-              </a:buClr>
-              <a:buFont typeface="Arial" pitchFamily="34" charset="0"/>
-              <a:buChar char="•"/>
-              <a:defRPr sz="3702" kern="1200">
-                <a:solidFill>
-                  <a:schemeClr val="tx1"/>
-                </a:solidFill>
-                <a:latin typeface="+mn-lt"/>
-                <a:ea typeface="+mn-ea"/>
-                <a:cs typeface="+mn-cs"/>
-              </a:defRPr>
-            </a:lvl4pPr>
-            <a:lvl5pPr marL="4077068" indent="-453004" algn="l" defTabSz="1812040" rtl="0" eaLnBrk="1" latinLnBrk="0" hangingPunct="1">
-              <a:spcBef>
-                <a:spcPct val="20000"/>
-              </a:spcBef>
-              <a:buClr>
-                <a:schemeClr val="tx2"/>
-              </a:buClr>
-              <a:buFont typeface="Arial" pitchFamily="34" charset="0"/>
-              <a:buChar char="•"/>
-              <a:defRPr sz="3702" kern="1200" baseline="0">
-                <a:solidFill>
-                  <a:schemeClr val="tx1"/>
-                </a:solidFill>
-                <a:latin typeface="+mn-lt"/>
-                <a:ea typeface="+mn-ea"/>
-                <a:cs typeface="+mn-cs"/>
-              </a:defRPr>
-            </a:lvl5pPr>
-            <a:lvl6pPr marL="4983081" indent="-453004" algn="l" defTabSz="1812040" rtl="0" eaLnBrk="1" latinLnBrk="0" hangingPunct="1">
-              <a:spcBef>
-                <a:spcPct val="20000"/>
-              </a:spcBef>
-              <a:buClr>
-                <a:schemeClr val="tx2"/>
-              </a:buClr>
-              <a:buFont typeface="Arial" pitchFamily="34" charset="0"/>
-              <a:buChar char="•"/>
-              <a:defRPr sz="3200" kern="1200">
-                <a:solidFill>
-                  <a:schemeClr val="tx1"/>
-                </a:solidFill>
-                <a:latin typeface="+mn-lt"/>
-                <a:ea typeface="+mn-ea"/>
-                <a:cs typeface="+mn-cs"/>
-              </a:defRPr>
-            </a:lvl6pPr>
-            <a:lvl7pPr marL="5889088" indent="-453004" algn="l" defTabSz="1812040" rtl="0" eaLnBrk="1" latinLnBrk="0" hangingPunct="1">
-              <a:spcBef>
-                <a:spcPct val="20000"/>
-              </a:spcBef>
-              <a:buClr>
-                <a:schemeClr val="tx2"/>
-              </a:buClr>
-              <a:buFont typeface="Arial" pitchFamily="34" charset="0"/>
-              <a:buChar char="•"/>
-              <a:defRPr sz="3200" kern="1200">
-                <a:solidFill>
-                  <a:schemeClr val="tx1"/>
-                </a:solidFill>
-                <a:latin typeface="+mn-lt"/>
-                <a:ea typeface="+mn-ea"/>
-                <a:cs typeface="+mn-cs"/>
-              </a:defRPr>
-            </a:lvl7pPr>
-            <a:lvl8pPr marL="6795112" indent="-453004" algn="l" defTabSz="1812040" rtl="0" eaLnBrk="1" latinLnBrk="0" hangingPunct="1">
-              <a:spcBef>
-                <a:spcPct val="20000"/>
-              </a:spcBef>
-              <a:buClr>
-                <a:schemeClr val="tx2"/>
-              </a:buClr>
-              <a:buFont typeface="Arial" pitchFamily="34" charset="0"/>
-              <a:buChar char="•"/>
-              <a:defRPr sz="3200" kern="1200">
-                <a:solidFill>
-                  <a:schemeClr val="tx1"/>
-                </a:solidFill>
-                <a:latin typeface="+mn-lt"/>
-                <a:ea typeface="+mn-ea"/>
-                <a:cs typeface="+mn-cs"/>
-              </a:defRPr>
-            </a:lvl8pPr>
-            <a:lvl9pPr marL="7701118" indent="-453004" algn="l" defTabSz="1812040" rtl="0" eaLnBrk="1" latinLnBrk="0" hangingPunct="1">
-              <a:spcBef>
-                <a:spcPct val="20000"/>
-              </a:spcBef>
-              <a:buClr>
-                <a:schemeClr val="tx2"/>
-              </a:buClr>
-              <a:buFont typeface="Arial" pitchFamily="34" charset="0"/>
-              <a:buChar char="•"/>
-              <a:defRPr sz="3200" kern="1200">
-                <a:solidFill>
-                  <a:schemeClr val="tx1"/>
-                </a:solidFill>
-                <a:latin typeface="+mn-lt"/>
-                <a:ea typeface="+mn-ea"/>
-                <a:cs typeface="+mn-cs"/>
-              </a:defRPr>
-            </a:lvl9pPr>
-          </a:lstStyle>
-          <a:p>
-            <a:r>
-              <a:rPr lang="en-US" sz="4400" dirty="0">
-                <a:solidFill>
-                  <a:schemeClr val="accent3">
-                    <a:lumMod val="75000"/>
-                  </a:schemeClr>
-                </a:solidFill>
-                <a:ea typeface="Open Sans Semibold" panose="020B0706030804020204" pitchFamily="34" charset="0"/>
-                <a:cs typeface="Open Sans Semibold" panose="020B0706030804020204" pitchFamily="34" charset="0"/>
-              </a:rPr>
-              <a:t>Data Type Mappings in ADO.NET</a:t>
-            </a:r>
-            <a:endParaRPr lang="en-US" sz="4400" dirty="0">
-              <a:solidFill>
-                <a:schemeClr val="accent3">
-                  <a:lumMod val="75000"/>
-                </a:schemeClr>
-              </a:solidFill>
-              <a:ea typeface="Open Sans Semibold" panose="020B0706030804020204" pitchFamily="34" charset="0"/>
-              <a:cs typeface="Open Sans Semibold" panose="020B0706030804020204" pitchFamily="34" charset="0"/>
-            </a:endParaRPr>
-          </a:p>
-        </p:txBody>
-      </p:sp>
-      <p:cxnSp>
-        <p:nvCxnSpPr>
-          <p:cNvPr id="34" name="10 Conector recto"/>
-          <p:cNvCxnSpPr/>
-          <p:nvPr/>
-        </p:nvCxnSpPr>
-        <p:spPr>
-          <a:xfrm>
-            <a:off x="2246688" y="1955687"/>
-            <a:ext cx="7695856" cy="0"/>
-          </a:xfrm>
-          <a:prstGeom prst="line">
-            <a:avLst/>
-          </a:prstGeom>
-          <a:ln w="57150">
-            <a:solidFill>
-              <a:srgbClr val="C00000"/>
-            </a:solidFill>
-          </a:ln>
-        </p:spPr>
-        <p:style>
-          <a:lnRef idx="1">
-            <a:schemeClr val="accent1"/>
-          </a:lnRef>
-          <a:fillRef idx="0">
-            <a:schemeClr val="accent1"/>
-          </a:fillRef>
-          <a:effectRef idx="0">
-            <a:schemeClr val="accent1"/>
-          </a:effectRef>
-          <a:fontRef idx="minor">
-            <a:schemeClr val="tx1"/>
-          </a:fontRef>
-        </p:style>
-      </p:cxnSp>
-      <p:sp>
-        <p:nvSpPr>
-          <p:cNvPr id="35" name="TextBox 34"/>
-          <p:cNvSpPr txBox="1"/>
-          <p:nvPr/>
-        </p:nvSpPr>
-        <p:spPr>
-          <a:xfrm>
-            <a:off x="2246688" y="2855786"/>
-            <a:ext cx="19982220" cy="5078313"/>
-          </a:xfrm>
-          <a:prstGeom prst="rect">
-            <a:avLst/>
-          </a:prstGeom>
-          <a:noFill/>
-        </p:spPr>
-        <p:txBody>
-          <a:bodyPr wrap="square" rtlCol="0">
-            <a:spAutoFit/>
-          </a:bodyPr>
-          <a:lstStyle/>
-          <a:p>
-            <a:pPr marL="571500" indent="-571500">
-              <a:buFont typeface="Arial" panose="020B0604020202020204" pitchFamily="34" charset="0"/>
-              <a:buChar char="•"/>
-            </a:pPr>
-            <a:r>
-              <a:rPr lang="en-US" sz="3600" dirty="0" smtClean="0"/>
-              <a:t>You can find more details about data type mappings for most common type of data providers refer to:</a:t>
-            </a:r>
-          </a:p>
-          <a:p>
-            <a:pPr marL="1779783" lvl="1" indent="-571500">
-              <a:buFont typeface="Arial" panose="020B0604020202020204" pitchFamily="34" charset="0"/>
-              <a:buChar char="•"/>
-            </a:pPr>
-            <a:r>
-              <a:rPr lang="en-US" sz="3600" dirty="0"/>
-              <a:t>SQL Server Data Type Mappings: </a:t>
-            </a:r>
-            <a:r>
-              <a:rPr lang="en-US" sz="3600" dirty="0">
-                <a:hlinkClick r:id="rId2"/>
-              </a:rPr>
-              <a:t>https://</a:t>
-            </a:r>
-            <a:r>
-              <a:rPr lang="en-US" sz="3600" dirty="0" smtClean="0">
-                <a:hlinkClick r:id="rId2"/>
-              </a:rPr>
-              <a:t>docs.microsoft.com/en-us/dotnet/framework/data/adonet/sql-server-data-type-mappings</a:t>
-            </a:r>
-            <a:endParaRPr lang="en-US" sz="3600" dirty="0" smtClean="0"/>
-          </a:p>
-          <a:p>
-            <a:pPr marL="1779783" lvl="1" indent="-571500">
-              <a:buFont typeface="Arial" panose="020B0604020202020204" pitchFamily="34" charset="0"/>
-              <a:buChar char="•"/>
-            </a:pPr>
-            <a:r>
-              <a:rPr lang="en-US" sz="3600" dirty="0"/>
-              <a:t>OLE DB Data Type Mappings: </a:t>
-            </a:r>
-            <a:r>
-              <a:rPr lang="en-US" sz="3600" dirty="0">
-                <a:hlinkClick r:id="rId3"/>
-              </a:rPr>
-              <a:t>https://</a:t>
-            </a:r>
-            <a:r>
-              <a:rPr lang="en-US" sz="3600" dirty="0" smtClean="0">
-                <a:hlinkClick r:id="rId3"/>
-              </a:rPr>
-              <a:t>docs.microsoft.com/en-us/dotnet/framework/data/adonet/ole-db-data-type-mappings</a:t>
-            </a:r>
-            <a:endParaRPr lang="en-US" sz="3600" dirty="0" smtClean="0"/>
-          </a:p>
-          <a:p>
-            <a:pPr marL="1779783" lvl="1" indent="-571500">
-              <a:buFont typeface="Arial" panose="020B0604020202020204" pitchFamily="34" charset="0"/>
-              <a:buChar char="•"/>
-            </a:pPr>
-            <a:r>
-              <a:rPr lang="en-US" sz="3600" dirty="0"/>
-              <a:t>ODBC Data Type Mappings: </a:t>
-            </a:r>
-            <a:r>
-              <a:rPr lang="en-US" sz="3600" dirty="0">
-                <a:hlinkClick r:id="rId4"/>
-              </a:rPr>
-              <a:t>https://</a:t>
-            </a:r>
-            <a:r>
-              <a:rPr lang="en-US" sz="3600" dirty="0" smtClean="0">
-                <a:hlinkClick r:id="rId4"/>
-              </a:rPr>
-              <a:t>docs.microsoft.com/en-us/dotnet/framework/data/adonet/odbc-data-type-mappings</a:t>
-            </a:r>
-            <a:endParaRPr lang="en-US" sz="3600" dirty="0" smtClean="0"/>
-          </a:p>
-          <a:p>
-            <a:pPr marL="1779783" lvl="1" indent="-571500">
-              <a:buFont typeface="Arial" panose="020B0604020202020204" pitchFamily="34" charset="0"/>
-              <a:buChar char="•"/>
-            </a:pPr>
-            <a:r>
-              <a:rPr lang="en-US" sz="3600" dirty="0"/>
-              <a:t>Oracle Data Type Mappings: </a:t>
-            </a:r>
-            <a:r>
-              <a:rPr lang="en-US" sz="3600" dirty="0">
-                <a:hlinkClick r:id="rId5"/>
-              </a:rPr>
-              <a:t>https://</a:t>
-            </a:r>
-            <a:r>
-              <a:rPr lang="en-US" sz="3600" dirty="0" smtClean="0">
-                <a:hlinkClick r:id="rId5"/>
-              </a:rPr>
-              <a:t>docs.microsoft.com/en-us/dotnet/framework/data/adonet/oracle-data-type-mappings</a:t>
-            </a:r>
-            <a:endParaRPr lang="en-US" sz="3600" dirty="0" smtClean="0"/>
-          </a:p>
-        </p:txBody>
-      </p:sp>
-    </p:spTree>
-    <p:extLst>
-      <p:ext uri="{BB962C8B-B14F-4D97-AF65-F5344CB8AC3E}">
-        <p14:creationId xmlns:p14="http://schemas.microsoft.com/office/powerpoint/2010/main" val="1402678369"/>
-      </p:ext>
-    </p:extLst>
-  </p:cSld>
-  <p:clrMapOvr>
-    <a:masterClrMapping/>
-  </p:clrMapOvr>
-  <p:timing>
-    <p:tnLst>
-      <p:par>
-        <p:cTn id="1" dur="indefinite" restart="never" nodeType="tmRoot">
-          <p:childTnLst>
-            <p:seq concurrent="1" nextAc="seek">
-              <p:cTn id="2" dur="indefinite" nodeType="mainSeq">
-                <p:childTnLst>
-                  <p:par>
-                    <p:cTn id="3" fill="hold">
-                      <p:stCondLst>
-                        <p:cond delay="indefinite"/>
-                        <p:cond evt="onBegin" delay="0">
-                          <p:tn val="2"/>
-                        </p:cond>
-                      </p:stCondLst>
-                      <p:childTnLst>
-                        <p:par>
-                          <p:cTn id="4" fill="hold">
-                            <p:stCondLst>
-                              <p:cond delay="0"/>
-                            </p:stCondLst>
-                            <p:childTnLst>
-                              <p:par>
-                                <p:cTn id="5" presetID="2" presetClass="entr" presetSubtype="8" decel="100000" fill="hold" grpId="0" nodeType="withEffect">
-                                  <p:stCondLst>
-                                    <p:cond delay="0"/>
-                                  </p:stCondLst>
-                                  <p:childTnLst>
-                                    <p:set>
-                                      <p:cBhvr>
-                                        <p:cTn id="6" dur="1" fill="hold">
-                                          <p:stCondLst>
-                                            <p:cond delay="0"/>
-                                          </p:stCondLst>
-                                        </p:cTn>
-                                        <p:tgtEl>
-                                          <p:spTgt spid="33"/>
-                                        </p:tgtEl>
-                                        <p:attrNameLst>
-                                          <p:attrName>style.visibility</p:attrName>
-                                        </p:attrNameLst>
-                                      </p:cBhvr>
-                                      <p:to>
-                                        <p:strVal val="visible"/>
-                                      </p:to>
-                                    </p:set>
-                                    <p:anim calcmode="lin" valueType="num">
-                                      <p:cBhvr additive="base">
-                                        <p:cTn id="7" dur="1000" fill="hold"/>
-                                        <p:tgtEl>
-                                          <p:spTgt spid="33"/>
-                                        </p:tgtEl>
-                                        <p:attrNameLst>
-                                          <p:attrName>ppt_x</p:attrName>
-                                        </p:attrNameLst>
-                                      </p:cBhvr>
-                                      <p:tavLst>
-                                        <p:tav tm="0">
-                                          <p:val>
-                                            <p:strVal val="0-#ppt_w/2"/>
-                                          </p:val>
-                                        </p:tav>
-                                        <p:tav tm="100000">
-                                          <p:val>
-                                            <p:strVal val="#ppt_x"/>
-                                          </p:val>
-                                        </p:tav>
-                                      </p:tavLst>
-                                    </p:anim>
-                                    <p:anim calcmode="lin" valueType="num">
-                                      <p:cBhvr additive="base">
-                                        <p:cTn id="8" dur="1000" fill="hold"/>
-                                        <p:tgtEl>
-                                          <p:spTgt spid="33"/>
-                                        </p:tgtEl>
-                                        <p:attrNameLst>
-                                          <p:attrName>ppt_y</p:attrName>
-                                        </p:attrNameLst>
-                                      </p:cBhvr>
-                                      <p:tavLst>
-                                        <p:tav tm="0">
-                                          <p:val>
-                                            <p:strVal val="#ppt_y"/>
-                                          </p:val>
-                                        </p:tav>
-                                        <p:tav tm="100000">
-                                          <p:val>
-                                            <p:strVal val="#ppt_y"/>
-                                          </p:val>
-                                        </p:tav>
-                                      </p:tavLst>
-                                    </p:anim>
-                                  </p:childTnLst>
-                                </p:cTn>
-                              </p:par>
-                            </p:childTnLst>
-                          </p:cTn>
-                        </p:par>
-                        <p:par>
-                          <p:cTn id="9" fill="hold">
-                            <p:stCondLst>
-                              <p:cond delay="1000"/>
-                            </p:stCondLst>
-                            <p:childTnLst>
-                              <p:par>
-                                <p:cTn id="10" presetID="2" presetClass="entr" presetSubtype="4" fill="hold" nodeType="afterEffect">
-                                  <p:stCondLst>
-                                    <p:cond delay="0"/>
-                                  </p:stCondLst>
-                                  <p:childTnLst>
-                                    <p:set>
-                                      <p:cBhvr>
-                                        <p:cTn id="11" dur="1" fill="hold">
-                                          <p:stCondLst>
-                                            <p:cond delay="0"/>
-                                          </p:stCondLst>
-                                        </p:cTn>
-                                        <p:tgtEl>
-                                          <p:spTgt spid="34"/>
-                                        </p:tgtEl>
-                                        <p:attrNameLst>
-                                          <p:attrName>style.visibility</p:attrName>
-                                        </p:attrNameLst>
-                                      </p:cBhvr>
-                                      <p:to>
-                                        <p:strVal val="visible"/>
-                                      </p:to>
-                                    </p:set>
-                                    <p:anim calcmode="lin" valueType="num">
-                                      <p:cBhvr additive="base">
-                                        <p:cTn id="12" dur="500" fill="hold"/>
-                                        <p:tgtEl>
-                                          <p:spTgt spid="34"/>
-                                        </p:tgtEl>
-                                        <p:attrNameLst>
-                                          <p:attrName>ppt_x</p:attrName>
-                                        </p:attrNameLst>
-                                      </p:cBhvr>
-                                      <p:tavLst>
-                                        <p:tav tm="0">
-                                          <p:val>
-                                            <p:strVal val="#ppt_x"/>
-                                          </p:val>
-                                        </p:tav>
-                                        <p:tav tm="100000">
-                                          <p:val>
-                                            <p:strVal val="#ppt_x"/>
-                                          </p:val>
-                                        </p:tav>
-                                      </p:tavLst>
-                                    </p:anim>
-                                    <p:anim calcmode="lin" valueType="num">
-                                      <p:cBhvr additive="base">
-                                        <p:cTn id="13" dur="500" fill="hold"/>
-                                        <p:tgtEl>
-                                          <p:spTgt spid="34"/>
-                                        </p:tgtEl>
-                                        <p:attrNameLst>
-                                          <p:attrName>ppt_y</p:attrName>
-                                        </p:attrNameLst>
-                                      </p:cBhvr>
-                                      <p:tavLst>
-                                        <p:tav tm="0">
-                                          <p:val>
-                                            <p:strVal val="1+#ppt_h/2"/>
-                                          </p:val>
-                                        </p:tav>
-                                        <p:tav tm="100000">
-                                          <p:val>
-                                            <p:strVal val="#ppt_y"/>
-                                          </p:val>
-                                        </p:tav>
-                                      </p:tavLst>
-                                    </p:anim>
-                                  </p:childTnLst>
-                                </p:cTn>
-                              </p:par>
-                            </p:childTnLst>
-                          </p:cTn>
-                        </p:par>
-                      </p:childTnLst>
-                    </p:cTn>
-                  </p:par>
-                </p:childTnLst>
-              </p:cTn>
-              <p:prevCondLst>
-                <p:cond evt="onPrev" delay="0">
-                  <p:tgtEl>
-                    <p:sldTgt/>
-                  </p:tgtEl>
-                </p:cond>
-              </p:prevCondLst>
-              <p:nextCondLst>
-                <p:cond evt="onNext" delay="0">
-                  <p:tgtEl>
-                    <p:sldTgt/>
-                  </p:tgtEl>
-                </p:cond>
-              </p:nextCondLst>
-            </p:seq>
-          </p:childTnLst>
-        </p:cTn>
-      </p:par>
-    </p:tnLst>
-    <p:bldLst>
-      <p:bldP spid="33" grpId="0"/>
-    </p:bldLst>
-  </p:timing>
-</p:sld>
-</file>
-
-<file path=ppt/slides/slide16.xml><?xml version="1.0" encoding="utf-8"?>
-<p:sld xmlns:a="http://schemas.openxmlformats.org/drawingml/2006/main" xmlns:r="http://schemas.openxmlformats.org/officeDocument/2006/relationships" xmlns:p="http://schemas.openxmlformats.org/presentationml/2006/main">
-  <p:cSld>
-    <p:spTree>
-      <p:nvGrpSpPr>
-        <p:cNvPr id="1" name=""/>
-        <p:cNvGrpSpPr/>
-        <p:nvPr/>
-      </p:nvGrpSpPr>
-      <p:grpSpPr>
-        <a:xfrm>
-          <a:off x="0" y="0"/>
-          <a:ext cx="0" cy="0"/>
-          <a:chOff x="0" y="0"/>
-          <a:chExt cx="0" cy="0"/>
-        </a:xfrm>
-      </p:grpSpPr>
-      <p:sp>
-        <p:nvSpPr>
           <p:cNvPr id="2" name="Marcador de texto 4"/>
           <p:cNvSpPr txBox="1">
             <a:spLocks/>
@@ -21692,7 +20095,7 @@
         <p:spPr>
           <a:xfrm>
             <a:off x="4136899" y="4473529"/>
-            <a:ext cx="15166684" cy="4553370"/>
+            <a:ext cx="15166684" cy="4122483"/>
           </a:xfrm>
           <a:prstGeom prst="rect">
             <a:avLst/>
@@ -21709,14 +20112,14 @@
               <a:buChar char="ü"/>
             </a:pPr>
             <a:r>
-              <a:rPr lang="en-US" sz="4000" dirty="0">
+              <a:rPr lang="en-US" sz="3600" dirty="0">
                 <a:ea typeface="Open Sans" panose="020B0606030504020204" pitchFamily="34" charset="0"/>
                 <a:cs typeface="Open Sans" panose="020B0606030504020204" pitchFamily="34" charset="0"/>
               </a:rPr>
               <a:t>Advanced ADO Dot </a:t>
             </a:r>
             <a:r>
-              <a:rPr lang="en-US" sz="4000" dirty="0" smtClean="0">
+              <a:rPr lang="en-US" sz="3600" dirty="0" smtClean="0">
                 <a:ea typeface="Open Sans" panose="020B0606030504020204" pitchFamily="34" charset="0"/>
                 <a:cs typeface="Open Sans" panose="020B0606030504020204" pitchFamily="34" charset="0"/>
               </a:rPr>
@@ -21729,7 +20132,7 @@
               <a:buChar char="ü"/>
             </a:pPr>
             <a:r>
-              <a:rPr lang="en-US" sz="4000" dirty="0" smtClean="0">
+              <a:rPr lang="en-US" sz="3600" dirty="0" smtClean="0">
                 <a:ea typeface="Open Sans" panose="020B0606030504020204" pitchFamily="34" charset="0"/>
                 <a:cs typeface="Open Sans" panose="020B0606030504020204" pitchFamily="34" charset="0"/>
               </a:rPr>
@@ -21742,20 +20145,20 @@
               <a:buChar char="ü"/>
             </a:pPr>
             <a:r>
-              <a:rPr lang="en-US" sz="4000" dirty="0">
+              <a:rPr lang="en-US" sz="3600" dirty="0">
                 <a:ea typeface="Open Sans" panose="020B0606030504020204" pitchFamily="34" charset="0"/>
                 <a:cs typeface="Open Sans" panose="020B0606030504020204" pitchFamily="34" charset="0"/>
               </a:rPr>
               <a:t>LINQ to </a:t>
             </a:r>
             <a:r>
-              <a:rPr lang="en-US" sz="4000" dirty="0" err="1">
+              <a:rPr lang="en-US" sz="3600" dirty="0" err="1">
                 <a:ea typeface="Open Sans" panose="020B0606030504020204" pitchFamily="34" charset="0"/>
                 <a:cs typeface="Open Sans" panose="020B0606030504020204" pitchFamily="34" charset="0"/>
               </a:rPr>
               <a:t>DataSet</a:t>
             </a:r>
-            <a:endParaRPr lang="en-US" sz="4000" dirty="0">
+            <a:endParaRPr lang="en-US" sz="3600" dirty="0">
               <a:ea typeface="Open Sans" panose="020B0606030504020204" pitchFamily="34" charset="0"/>
               <a:cs typeface="Open Sans" panose="020B0606030504020204" pitchFamily="34" charset="0"/>
             </a:endParaRPr>
@@ -21766,7 +20169,7 @@
               <a:buChar char="ü"/>
             </a:pPr>
             <a:r>
-              <a:rPr lang="en-US" sz="4000" dirty="0">
+              <a:rPr lang="en-US" sz="3600" dirty="0">
                 <a:ea typeface="Open Sans" panose="020B0606030504020204" pitchFamily="34" charset="0"/>
                 <a:cs typeface="Open Sans" panose="020B0606030504020204" pitchFamily="34" charset="0"/>
               </a:rPr>
@@ -21779,20 +20182,20 @@
               <a:buChar char="ü"/>
             </a:pPr>
             <a:r>
-              <a:rPr lang="en-US" sz="4000" dirty="0">
+              <a:rPr lang="en-US" sz="3600" dirty="0">
                 <a:ea typeface="Open Sans" panose="020B0606030504020204" pitchFamily="34" charset="0"/>
                 <a:cs typeface="Open Sans" panose="020B0606030504020204" pitchFamily="34" charset="0"/>
               </a:rPr>
               <a:t>ADO.NET Providers: SQL Server, Oracle and </a:t>
             </a:r>
             <a:r>
-              <a:rPr lang="en-US" sz="4000" dirty="0" err="1">
+              <a:rPr lang="en-US" sz="3600" dirty="0" err="1">
                 <a:ea typeface="Open Sans" panose="020B0606030504020204" pitchFamily="34" charset="0"/>
                 <a:cs typeface="Open Sans" panose="020B0606030504020204" pitchFamily="34" charset="0"/>
               </a:rPr>
               <a:t>MySql</a:t>
             </a:r>
-            <a:endParaRPr lang="en-US" sz="4000" dirty="0">
+            <a:endParaRPr lang="en-US" sz="3600" dirty="0">
               <a:ea typeface="Open Sans" panose="020B0606030504020204" pitchFamily="34" charset="0"/>
               <a:cs typeface="Open Sans" panose="020B0606030504020204" pitchFamily="34" charset="0"/>
             </a:endParaRPr>
@@ -21803,7 +20206,7 @@
               <a:buChar char="ü"/>
             </a:pPr>
             <a:r>
-              <a:rPr lang="en-US" sz="4000" dirty="0">
+              <a:rPr lang="en-US" sz="3600" dirty="0">
                 <a:ea typeface="Open Sans" panose="020B0606030504020204" pitchFamily="34" charset="0"/>
                 <a:cs typeface="Open Sans" panose="020B0606030504020204" pitchFamily="34" charset="0"/>
               </a:rPr>
@@ -21816,34 +20219,34 @@
               <a:buChar char="ü"/>
             </a:pPr>
             <a:r>
-              <a:rPr lang="en-US" sz="4000" dirty="0">
+              <a:rPr lang="en-US" sz="3600" dirty="0">
                 <a:ea typeface="Open Sans" panose="020B0606030504020204" pitchFamily="34" charset="0"/>
                 <a:cs typeface="Open Sans" panose="020B0606030504020204" pitchFamily="34" charset="0"/>
               </a:rPr>
               <a:t>MSSQL, </a:t>
             </a:r>
             <a:r>
-              <a:rPr lang="en-US" sz="4000" dirty="0" err="1">
+              <a:rPr lang="en-US" sz="3600" dirty="0" err="1">
                 <a:ea typeface="Open Sans" panose="020B0606030504020204" pitchFamily="34" charset="0"/>
                 <a:cs typeface="Open Sans" panose="020B0606030504020204" pitchFamily="34" charset="0"/>
               </a:rPr>
               <a:t>MySql</a:t>
             </a:r>
             <a:r>
-              <a:rPr lang="en-US" sz="4000" dirty="0">
+              <a:rPr lang="en-US" sz="3600" dirty="0">
                 <a:ea typeface="Open Sans" panose="020B0606030504020204" pitchFamily="34" charset="0"/>
                 <a:cs typeface="Open Sans" panose="020B0606030504020204" pitchFamily="34" charset="0"/>
               </a:rPr>
               <a:t> and </a:t>
             </a:r>
             <a:r>
-              <a:rPr lang="en-US" sz="4000">
+              <a:rPr lang="en-US" sz="3600" dirty="0" err="1">
                 <a:ea typeface="Open Sans" panose="020B0606030504020204" pitchFamily="34" charset="0"/>
                 <a:cs typeface="Open Sans" panose="020B0606030504020204" pitchFamily="34" charset="0"/>
               </a:rPr>
               <a:t>ADO.Net</a:t>
             </a:r>
-            <a:endParaRPr lang="en-US" sz="4000" dirty="0" smtClean="0">
+            <a:endParaRPr lang="en-US" sz="3600" dirty="0" smtClean="0">
               <a:ea typeface="Open Sans" panose="020B0606030504020204" pitchFamily="34" charset="0"/>
               <a:cs typeface="Open Sans" panose="020B0606030504020204" pitchFamily="34" charset="0"/>
             </a:endParaRPr>
@@ -22108,7 +20511,7 @@
 </p:sld>
 </file>
 
-<file path=ppt/slides/slide17.xml><?xml version="1.0" encoding="utf-8"?>
+<file path=ppt/slides/slide16.xml><?xml version="1.0" encoding="utf-8"?>
 <p:sld xmlns:a="http://schemas.openxmlformats.org/drawingml/2006/main" xmlns:r="http://schemas.openxmlformats.org/officeDocument/2006/relationships" xmlns:p="http://schemas.openxmlformats.org/presentationml/2006/main">
   <p:cSld>
     <p:spTree>
@@ -28157,7 +26560,7 @@
             <a:fld id="{FF439014-E629-42E3-A58B-61A0F1C8CFFE}" type="slidenum">
               <a:rPr lang="es-SV" smtClean="0"/>
               <a:pPr/>
-              <a:t>17</a:t>
+              <a:t>16</a:t>
             </a:fld>
             <a:endParaRPr lang="es-SV"/>
           </a:p>
@@ -28528,7 +26931,7 @@
         <p:spPr>
           <a:xfrm>
             <a:off x="6567170" y="5200260"/>
-            <a:ext cx="15166684" cy="3322264"/>
+            <a:ext cx="15166684" cy="3014488"/>
           </a:xfrm>
           <a:prstGeom prst="rect">
             <a:avLst/>
@@ -28545,7 +26948,7 @@
               <a:buChar char="ü"/>
             </a:pPr>
             <a:r>
-              <a:rPr lang="en-US" sz="4000" dirty="0">
+              <a:rPr lang="en-US" sz="3600" dirty="0">
                 <a:ea typeface="Open Sans" panose="020B0606030504020204" pitchFamily="34" charset="0"/>
                 <a:cs typeface="Open Sans" panose="020B0606030504020204" pitchFamily="34" charset="0"/>
               </a:rPr>
@@ -28558,76 +26961,76 @@
               <a:buChar char="ü"/>
             </a:pPr>
             <a:r>
-              <a:rPr lang="en-US" sz="4000" dirty="0">
+              <a:rPr lang="en-US" sz="3600" dirty="0">
                 <a:ea typeface="Open Sans" panose="020B0606030504020204" pitchFamily="34" charset="0"/>
                 <a:cs typeface="Open Sans" panose="020B0606030504020204" pitchFamily="34" charset="0"/>
               </a:rPr>
               <a:t>Connections, </a:t>
             </a:r>
             <a:r>
-              <a:rPr lang="en-US" sz="4000" dirty="0" err="1">
+              <a:rPr lang="en-US" sz="3600" dirty="0" err="1">
                 <a:ea typeface="Open Sans" panose="020B0606030504020204" pitchFamily="34" charset="0"/>
                 <a:cs typeface="Open Sans" panose="020B0606030504020204" pitchFamily="34" charset="0"/>
               </a:rPr>
               <a:t>DataAdapters</a:t>
             </a:r>
             <a:r>
-              <a:rPr lang="en-US" sz="4000" dirty="0">
+              <a:rPr lang="en-US" sz="3600" dirty="0">
                 <a:ea typeface="Open Sans" panose="020B0606030504020204" pitchFamily="34" charset="0"/>
                 <a:cs typeface="Open Sans" panose="020B0606030504020204" pitchFamily="34" charset="0"/>
               </a:rPr>
               <a:t>, </a:t>
             </a:r>
             <a:r>
-              <a:rPr lang="en-US" sz="4000" dirty="0" err="1">
+              <a:rPr lang="en-US" sz="3600" dirty="0" err="1">
                 <a:ea typeface="Open Sans" panose="020B0606030504020204" pitchFamily="34" charset="0"/>
                 <a:cs typeface="Open Sans" panose="020B0606030504020204" pitchFamily="34" charset="0"/>
               </a:rPr>
               <a:t>DataReaders</a:t>
             </a:r>
             <a:r>
-              <a:rPr lang="en-US" sz="4000" dirty="0">
+              <a:rPr lang="en-US" sz="3600" dirty="0">
                 <a:ea typeface="Open Sans" panose="020B0606030504020204" pitchFamily="34" charset="0"/>
                 <a:cs typeface="Open Sans" panose="020B0606030504020204" pitchFamily="34" charset="0"/>
               </a:rPr>
               <a:t>, </a:t>
             </a:r>
             <a:r>
-              <a:rPr lang="en-US" sz="4000" dirty="0" err="1">
+              <a:rPr lang="en-US" sz="3600" dirty="0" err="1">
                 <a:ea typeface="Open Sans" panose="020B0606030504020204" pitchFamily="34" charset="0"/>
                 <a:cs typeface="Open Sans" panose="020B0606030504020204" pitchFamily="34" charset="0"/>
               </a:rPr>
               <a:t>DataSets</a:t>
             </a:r>
             <a:r>
-              <a:rPr lang="en-US" sz="4000" dirty="0">
+              <a:rPr lang="en-US" sz="3600" dirty="0">
                 <a:ea typeface="Open Sans" panose="020B0606030504020204" pitchFamily="34" charset="0"/>
                 <a:cs typeface="Open Sans" panose="020B0606030504020204" pitchFamily="34" charset="0"/>
               </a:rPr>
               <a:t>, </a:t>
             </a:r>
             <a:r>
-              <a:rPr lang="en-US" sz="4000" dirty="0" err="1">
+              <a:rPr lang="en-US" sz="3600" dirty="0" err="1">
                 <a:ea typeface="Open Sans" panose="020B0606030504020204" pitchFamily="34" charset="0"/>
                 <a:cs typeface="Open Sans" panose="020B0606030504020204" pitchFamily="34" charset="0"/>
               </a:rPr>
               <a:t>DataTables</a:t>
             </a:r>
             <a:r>
-              <a:rPr lang="en-US" sz="4000" dirty="0">
+              <a:rPr lang="en-US" sz="3600" dirty="0">
                 <a:ea typeface="Open Sans" panose="020B0606030504020204" pitchFamily="34" charset="0"/>
                 <a:cs typeface="Open Sans" panose="020B0606030504020204" pitchFamily="34" charset="0"/>
               </a:rPr>
               <a:t>, and </a:t>
             </a:r>
             <a:r>
-              <a:rPr lang="en-US" sz="4000" dirty="0" err="1">
+              <a:rPr lang="en-US" sz="3600" dirty="0" err="1">
                 <a:ea typeface="Open Sans" panose="020B0606030504020204" pitchFamily="34" charset="0"/>
                 <a:cs typeface="Open Sans" panose="020B0606030504020204" pitchFamily="34" charset="0"/>
               </a:rPr>
               <a:t>DataViews</a:t>
             </a:r>
-            <a:endParaRPr lang="en-US" sz="4000" dirty="0">
+            <a:endParaRPr lang="en-US" sz="3600" dirty="0">
               <a:ea typeface="Open Sans" panose="020B0606030504020204" pitchFamily="34" charset="0"/>
               <a:cs typeface="Open Sans" panose="020B0606030504020204" pitchFamily="34" charset="0"/>
             </a:endParaRPr>
@@ -28638,7 +27041,7 @@
               <a:buChar char="ü"/>
             </a:pPr>
             <a:r>
-              <a:rPr lang="en-US" sz="4000" dirty="0">
+              <a:rPr lang="en-US" sz="3600" dirty="0">
                 <a:ea typeface="Open Sans" panose="020B0606030504020204" pitchFamily="34" charset="0"/>
                 <a:cs typeface="Open Sans" panose="020B0606030504020204" pitchFamily="34" charset="0"/>
               </a:rPr>
@@ -28651,16 +27054,12 @@
               <a:buChar char="ü"/>
             </a:pPr>
             <a:r>
-              <a:rPr lang="en-US" sz="4000" dirty="0">
+              <a:rPr lang="en-US" sz="3600" dirty="0">
                 <a:ea typeface="Open Sans" panose="020B0606030504020204" pitchFamily="34" charset="0"/>
                 <a:cs typeface="Open Sans" panose="020B0606030504020204" pitchFamily="34" charset="0"/>
               </a:rPr>
               <a:t>Data Type Mappings in ADO.NET</a:t>
             </a:r>
-            <a:endParaRPr lang="en-US" sz="4000" dirty="0">
-              <a:ea typeface="Open Sans" panose="020B0606030504020204" pitchFamily="34" charset="0"/>
-              <a:cs typeface="Open Sans" panose="020B0606030504020204" pitchFamily="34" charset="0"/>
-            </a:endParaRPr>
           </a:p>
         </p:txBody>
       </p:sp>
@@ -30350,15 +28749,6 @@
               </a:rPr>
               <a:t>ADO.NET Overview</a:t>
             </a:r>
-            <a:endParaRPr lang="en-US" sz="4400" dirty="0">
-              <a:solidFill>
-                <a:schemeClr val="accent3">
-                  <a:lumMod val="75000"/>
-                </a:schemeClr>
-              </a:solidFill>
-              <a:ea typeface="Open Sans Semibold" panose="020B0706030804020204" pitchFamily="34" charset="0"/>
-              <a:cs typeface="Open Sans Semibold" panose="020B0706030804020204" pitchFamily="34" charset="0"/>
-            </a:endParaRPr>
           </a:p>
         </p:txBody>
       </p:sp>
@@ -30515,7 +28905,6 @@
               <a:rPr lang="en-US" sz="3600" dirty="0"/>
               <a:t>ADO.NET provides the most direct method of data access within the .NET Framework.</a:t>
             </a:r>
-            <a:endParaRPr lang="en-US" sz="3600" dirty="0"/>
           </a:p>
         </p:txBody>
       </p:sp>
@@ -30954,15 +29343,6 @@
               </a:rPr>
               <a:t>ADO.NET Architecture</a:t>
             </a:r>
-            <a:endParaRPr lang="en-US" sz="4400" dirty="0">
-              <a:solidFill>
-                <a:schemeClr val="accent3">
-                  <a:lumMod val="75000"/>
-                </a:schemeClr>
-              </a:solidFill>
-              <a:ea typeface="Open Sans Semibold" panose="020B0706030804020204" pitchFamily="34" charset="0"/>
-              <a:cs typeface="Open Sans Semibold" panose="020B0706030804020204" pitchFamily="34" charset="0"/>
-            </a:endParaRPr>
           </a:p>
         </p:txBody>
       </p:sp>
@@ -31010,7 +29390,7 @@
         <p:spPr>
           <a:xfrm>
             <a:off x="2246688" y="2855786"/>
-            <a:ext cx="10598678" cy="9787295"/>
+            <a:ext cx="10598678" cy="9510296"/>
           </a:xfrm>
           <a:prstGeom prst="rect">
             <a:avLst/>
@@ -31042,60 +29422,12 @@
               <a:buChar char="•"/>
             </a:pPr>
             <a:r>
-              <a:rPr lang="en-US" sz="2700" dirty="0"/>
-              <a:t>.NET Framework Data Providers: The .NET Framework Data Providers are components that have been explicitly designed for data manipulation and fast, forward-only, read-only access to data. The Connection object provides connectivity to a data source. The Command object enables access to database commands to return data, modify data, run stored procedures, and send or retrieve parameter information. The </a:t>
-            </a:r>
-            <a:r>
-              <a:rPr lang="en-US" sz="2700" dirty="0" err="1"/>
-              <a:t>DataReader</a:t>
-            </a:r>
-            <a:r>
-              <a:rPr lang="en-US" sz="2700" dirty="0"/>
-              <a:t> provides a high-performance stream of data from the data source. Finally, the </a:t>
-            </a:r>
-            <a:r>
-              <a:rPr lang="en-US" sz="2700" dirty="0" err="1"/>
-              <a:t>DataAdapter</a:t>
-            </a:r>
-            <a:r>
-              <a:rPr lang="en-US" sz="2700" dirty="0"/>
-              <a:t> provides the bridge between the </a:t>
-            </a:r>
-            <a:r>
-              <a:rPr lang="en-US" sz="2700" dirty="0" err="1"/>
-              <a:t>DataSet</a:t>
-            </a:r>
-            <a:r>
-              <a:rPr lang="en-US" sz="2700" dirty="0"/>
-              <a:t> object and the data source. The </a:t>
-            </a:r>
-            <a:r>
-              <a:rPr lang="en-US" sz="2700" dirty="0" err="1"/>
-              <a:t>DataAdapter</a:t>
-            </a:r>
-            <a:r>
-              <a:rPr lang="en-US" sz="2700" dirty="0"/>
-              <a:t> uses Command objects to execute SQL commands at the data source to both load the </a:t>
-            </a:r>
-            <a:r>
-              <a:rPr lang="en-US" sz="2700" dirty="0" err="1"/>
-              <a:t>DataSet</a:t>
-            </a:r>
-            <a:r>
-              <a:rPr lang="en-US" sz="2700" dirty="0"/>
-              <a:t> with data and reconcile changes that were made to the data in the </a:t>
-            </a:r>
-            <a:r>
-              <a:rPr lang="en-US" sz="2700" dirty="0" err="1"/>
-              <a:t>DataSet</a:t>
-            </a:r>
-            <a:r>
-              <a:rPr lang="en-US" sz="2700" dirty="0"/>
-              <a:t> back to the data source</a:t>
-            </a:r>
-            <a:r>
-              <a:rPr lang="en-US" sz="2700" dirty="0" smtClean="0"/>
-              <a:t>.</a:t>
+              <a:rPr lang="en-US" sz="3600" dirty="0"/>
+              <a:t>.NET Framework Data Providers: The .NET Framework Data Providers are components that have been explicitly designed for data manipulation and fast, forward-only, read-only access to </a:t>
+            </a:r>
+            <a:r>
+              <a:rPr lang="en-US" sz="3600" dirty="0" smtClean="0"/>
+              <a:t>data.</a:t>
             </a:r>
           </a:p>
           <a:p>
@@ -31104,50 +29436,91 @@
               <a:buChar char="•"/>
             </a:pPr>
             <a:r>
-              <a:rPr lang="en-US" sz="2700" dirty="0"/>
+              <a:rPr lang="en-US" sz="3600" dirty="0" smtClean="0"/>
               <a:t>The </a:t>
             </a:r>
             <a:r>
-              <a:rPr lang="en-US" sz="2700" dirty="0" err="1" smtClean="0"/>
+              <a:rPr lang="en-US" sz="3600" dirty="0"/>
+              <a:t>Connection object provides connectivity to a data </a:t>
+            </a:r>
+            <a:r>
+              <a:rPr lang="en-US" sz="3600" dirty="0" smtClean="0"/>
+              <a:t>source.</a:t>
+            </a:r>
+          </a:p>
+          <a:p>
+            <a:pPr marL="1779783" lvl="1" indent="-571500">
+              <a:buFont typeface="Arial" panose="020B0604020202020204" pitchFamily="34" charset="0"/>
+              <a:buChar char="•"/>
+            </a:pPr>
+            <a:r>
+              <a:rPr lang="en-US" sz="3600" dirty="0" smtClean="0"/>
+              <a:t>The </a:t>
+            </a:r>
+            <a:r>
+              <a:rPr lang="en-US" sz="3600" dirty="0"/>
+              <a:t>Command object enables access to database commands to return data, modify data, run stored procedures, and send or retrieve parameter </a:t>
+            </a:r>
+            <a:r>
+              <a:rPr lang="en-US" sz="3600" dirty="0" smtClean="0"/>
+              <a:t>information.</a:t>
+            </a:r>
+          </a:p>
+          <a:p>
+            <a:pPr marL="1779783" lvl="1" indent="-571500">
+              <a:buFont typeface="Arial" panose="020B0604020202020204" pitchFamily="34" charset="0"/>
+              <a:buChar char="•"/>
+            </a:pPr>
+            <a:r>
+              <a:rPr lang="en-US" sz="3600" dirty="0" smtClean="0"/>
+              <a:t>The </a:t>
+            </a:r>
+            <a:r>
+              <a:rPr lang="en-US" sz="3600" dirty="0" err="1"/>
+              <a:t>DataReader</a:t>
+            </a:r>
+            <a:r>
+              <a:rPr lang="en-US" sz="3600" dirty="0"/>
+              <a:t> provides a high-performance stream of data from the data </a:t>
+            </a:r>
+            <a:r>
+              <a:rPr lang="en-US" sz="3600" dirty="0" smtClean="0"/>
+              <a:t>source.</a:t>
+            </a:r>
+          </a:p>
+          <a:p>
+            <a:pPr marL="1779783" lvl="1" indent="-571500">
+              <a:buFont typeface="Arial" panose="020B0604020202020204" pitchFamily="34" charset="0"/>
+              <a:buChar char="•"/>
+            </a:pPr>
+            <a:r>
+              <a:rPr lang="en-US" sz="3600" dirty="0" smtClean="0"/>
+              <a:t>Finally</a:t>
+            </a:r>
+            <a:r>
+              <a:rPr lang="en-US" sz="3600" dirty="0"/>
+              <a:t>, the </a:t>
+            </a:r>
+            <a:r>
+              <a:rPr lang="en-US" sz="3600" dirty="0" err="1"/>
+              <a:t>DataAdapter</a:t>
+            </a:r>
+            <a:r>
+              <a:rPr lang="en-US" sz="3600" dirty="0"/>
+              <a:t> provides the bridge between the </a:t>
+            </a:r>
+            <a:r>
+              <a:rPr lang="en-US" sz="3600" dirty="0" err="1"/>
               <a:t>DataSet</a:t>
             </a:r>
             <a:r>
-              <a:rPr lang="en-US" sz="2700" dirty="0"/>
-              <a:t>: The ADO.NET </a:t>
-            </a:r>
-            <a:r>
-              <a:rPr lang="en-US" sz="2700" dirty="0" err="1"/>
-              <a:t>DataSet</a:t>
-            </a:r>
-            <a:r>
-              <a:rPr lang="en-US" sz="2700" dirty="0"/>
-              <a:t> is explicitly designed for data access independent of any data source. As a result, it can be used with multiple and differing data sources, used with XML data, or used to manage data local to the application. The </a:t>
-            </a:r>
-            <a:r>
-              <a:rPr lang="en-US" sz="2700" dirty="0" err="1"/>
-              <a:t>DataSet</a:t>
-            </a:r>
-            <a:r>
-              <a:rPr lang="en-US" sz="2700" dirty="0"/>
-              <a:t> contains a collection of one or more </a:t>
-            </a:r>
-            <a:r>
-              <a:rPr lang="en-US" sz="2700" dirty="0" err="1"/>
-              <a:t>DataTable</a:t>
-            </a:r>
-            <a:r>
-              <a:rPr lang="en-US" sz="2700" dirty="0"/>
-              <a:t> objects consisting of rows and columns of data, and also primary key, foreign key, constraint, and relation information about the data in the </a:t>
-            </a:r>
-            <a:r>
-              <a:rPr lang="en-US" sz="2700" dirty="0" err="1"/>
-              <a:t>DataTable</a:t>
-            </a:r>
-            <a:r>
-              <a:rPr lang="en-US" sz="2700" dirty="0"/>
-              <a:t> objects.</a:t>
-            </a:r>
-            <a:endParaRPr lang="en-US" sz="2700" dirty="0"/>
+              <a:rPr lang="en-US" sz="3600" dirty="0"/>
+              <a:t> object and the data </a:t>
+            </a:r>
+            <a:r>
+              <a:rPr lang="en-US" sz="3600" dirty="0" smtClean="0"/>
+              <a:t>source.</a:t>
+            </a:r>
           </a:p>
         </p:txBody>
       </p:sp>
@@ -31416,6 +29789,660 @@
       </p:grpSpPr>
       <p:sp>
         <p:nvSpPr>
+          <p:cNvPr id="33" name="Marcador de texto 4"/>
+          <p:cNvSpPr txBox="1">
+            <a:spLocks/>
+          </p:cNvSpPr>
+          <p:nvPr/>
+        </p:nvSpPr>
+        <p:spPr>
+          <a:xfrm>
+            <a:off x="2246688" y="1053149"/>
+            <a:ext cx="17101901" cy="1802637"/>
+          </a:xfrm>
+          <a:prstGeom prst="rect">
+            <a:avLst/>
+          </a:prstGeom>
+        </p:spPr>
+        <p:txBody>
+          <a:bodyPr/>
+          <a:lstStyle>
+            <a:lvl1pPr marL="0" indent="0" algn="l" defTabSz="1812040" rtl="0" eaLnBrk="1" latinLnBrk="0" hangingPunct="1">
+              <a:spcBef>
+                <a:spcPct val="20000"/>
+              </a:spcBef>
+              <a:spcAft>
+                <a:spcPts val="1199"/>
+              </a:spcAft>
+              <a:buFont typeface="Arial" pitchFamily="34" charset="0"/>
+              <a:buNone/>
+              <a:defRPr sz="4000" b="1" kern="1200">
+                <a:solidFill>
+                  <a:schemeClr val="tx1"/>
+                </a:solidFill>
+                <a:latin typeface="+mn-lt"/>
+                <a:ea typeface="+mn-ea"/>
+                <a:cs typeface="+mn-cs"/>
+              </a:defRPr>
+            </a:lvl1pPr>
+            <a:lvl2pPr marL="906009" indent="-362365" algn="l" defTabSz="1812040" rtl="0" eaLnBrk="1" latinLnBrk="0" hangingPunct="1">
+              <a:spcBef>
+                <a:spcPct val="20000"/>
+              </a:spcBef>
+              <a:buClr>
+                <a:schemeClr val="tx2"/>
+              </a:buClr>
+              <a:buFont typeface="Arial" pitchFamily="34" charset="0"/>
+              <a:buChar char="•"/>
+              <a:defRPr sz="4000" kern="1200">
+                <a:solidFill>
+                  <a:schemeClr val="tx1"/>
+                </a:solidFill>
+                <a:latin typeface="+mn-lt"/>
+                <a:ea typeface="+mn-ea"/>
+                <a:cs typeface="+mn-cs"/>
+              </a:defRPr>
+            </a:lvl2pPr>
+            <a:lvl3pPr marL="2265040" indent="-453004" algn="l" defTabSz="1812040" rtl="0" eaLnBrk="1" latinLnBrk="0" hangingPunct="1">
+              <a:spcBef>
+                <a:spcPct val="20000"/>
+              </a:spcBef>
+              <a:buClr>
+                <a:schemeClr val="tx2"/>
+              </a:buClr>
+              <a:buFont typeface="Arial" pitchFamily="34" charset="0"/>
+              <a:buChar char="•"/>
+              <a:defRPr sz="3702" kern="1200">
+                <a:solidFill>
+                  <a:schemeClr val="tx1"/>
+                </a:solidFill>
+                <a:latin typeface="+mn-lt"/>
+                <a:ea typeface="+mn-ea"/>
+                <a:cs typeface="+mn-cs"/>
+              </a:defRPr>
+            </a:lvl3pPr>
+            <a:lvl4pPr marL="3171046" indent="-453004" algn="l" defTabSz="1812040" rtl="0" eaLnBrk="1" latinLnBrk="0" hangingPunct="1">
+              <a:spcBef>
+                <a:spcPct val="20000"/>
+              </a:spcBef>
+              <a:buClr>
+                <a:schemeClr val="tx2"/>
+              </a:buClr>
+              <a:buFont typeface="Arial" pitchFamily="34" charset="0"/>
+              <a:buChar char="•"/>
+              <a:defRPr sz="3702" kern="1200">
+                <a:solidFill>
+                  <a:schemeClr val="tx1"/>
+                </a:solidFill>
+                <a:latin typeface="+mn-lt"/>
+                <a:ea typeface="+mn-ea"/>
+                <a:cs typeface="+mn-cs"/>
+              </a:defRPr>
+            </a:lvl4pPr>
+            <a:lvl5pPr marL="4077068" indent="-453004" algn="l" defTabSz="1812040" rtl="0" eaLnBrk="1" latinLnBrk="0" hangingPunct="1">
+              <a:spcBef>
+                <a:spcPct val="20000"/>
+              </a:spcBef>
+              <a:buClr>
+                <a:schemeClr val="tx2"/>
+              </a:buClr>
+              <a:buFont typeface="Arial" pitchFamily="34" charset="0"/>
+              <a:buChar char="•"/>
+              <a:defRPr sz="3702" kern="1200" baseline="0">
+                <a:solidFill>
+                  <a:schemeClr val="tx1"/>
+                </a:solidFill>
+                <a:latin typeface="+mn-lt"/>
+                <a:ea typeface="+mn-ea"/>
+                <a:cs typeface="+mn-cs"/>
+              </a:defRPr>
+            </a:lvl5pPr>
+            <a:lvl6pPr marL="4983081" indent="-453004" algn="l" defTabSz="1812040" rtl="0" eaLnBrk="1" latinLnBrk="0" hangingPunct="1">
+              <a:spcBef>
+                <a:spcPct val="20000"/>
+              </a:spcBef>
+              <a:buClr>
+                <a:schemeClr val="tx2"/>
+              </a:buClr>
+              <a:buFont typeface="Arial" pitchFamily="34" charset="0"/>
+              <a:buChar char="•"/>
+              <a:defRPr sz="3200" kern="1200">
+                <a:solidFill>
+                  <a:schemeClr val="tx1"/>
+                </a:solidFill>
+                <a:latin typeface="+mn-lt"/>
+                <a:ea typeface="+mn-ea"/>
+                <a:cs typeface="+mn-cs"/>
+              </a:defRPr>
+            </a:lvl6pPr>
+            <a:lvl7pPr marL="5889088" indent="-453004" algn="l" defTabSz="1812040" rtl="0" eaLnBrk="1" latinLnBrk="0" hangingPunct="1">
+              <a:spcBef>
+                <a:spcPct val="20000"/>
+              </a:spcBef>
+              <a:buClr>
+                <a:schemeClr val="tx2"/>
+              </a:buClr>
+              <a:buFont typeface="Arial" pitchFamily="34" charset="0"/>
+              <a:buChar char="•"/>
+              <a:defRPr sz="3200" kern="1200">
+                <a:solidFill>
+                  <a:schemeClr val="tx1"/>
+                </a:solidFill>
+                <a:latin typeface="+mn-lt"/>
+                <a:ea typeface="+mn-ea"/>
+                <a:cs typeface="+mn-cs"/>
+              </a:defRPr>
+            </a:lvl7pPr>
+            <a:lvl8pPr marL="6795112" indent="-453004" algn="l" defTabSz="1812040" rtl="0" eaLnBrk="1" latinLnBrk="0" hangingPunct="1">
+              <a:spcBef>
+                <a:spcPct val="20000"/>
+              </a:spcBef>
+              <a:buClr>
+                <a:schemeClr val="tx2"/>
+              </a:buClr>
+              <a:buFont typeface="Arial" pitchFamily="34" charset="0"/>
+              <a:buChar char="•"/>
+              <a:defRPr sz="3200" kern="1200">
+                <a:solidFill>
+                  <a:schemeClr val="tx1"/>
+                </a:solidFill>
+                <a:latin typeface="+mn-lt"/>
+                <a:ea typeface="+mn-ea"/>
+                <a:cs typeface="+mn-cs"/>
+              </a:defRPr>
+            </a:lvl8pPr>
+            <a:lvl9pPr marL="7701118" indent="-453004" algn="l" defTabSz="1812040" rtl="0" eaLnBrk="1" latinLnBrk="0" hangingPunct="1">
+              <a:spcBef>
+                <a:spcPct val="20000"/>
+              </a:spcBef>
+              <a:buClr>
+                <a:schemeClr val="tx2"/>
+              </a:buClr>
+              <a:buFont typeface="Arial" pitchFamily="34" charset="0"/>
+              <a:buChar char="•"/>
+              <a:defRPr sz="3200" kern="1200">
+                <a:solidFill>
+                  <a:schemeClr val="tx1"/>
+                </a:solidFill>
+                <a:latin typeface="+mn-lt"/>
+                <a:ea typeface="+mn-ea"/>
+                <a:cs typeface="+mn-cs"/>
+              </a:defRPr>
+            </a:lvl9pPr>
+          </a:lstStyle>
+          <a:p>
+            <a:r>
+              <a:rPr lang="en-US" sz="4400" dirty="0">
+                <a:solidFill>
+                  <a:schemeClr val="accent3">
+                    <a:lumMod val="75000"/>
+                  </a:schemeClr>
+                </a:solidFill>
+                <a:ea typeface="Open Sans Semibold" panose="020B0706030804020204" pitchFamily="34" charset="0"/>
+                <a:cs typeface="Open Sans Semibold" panose="020B0706030804020204" pitchFamily="34" charset="0"/>
+              </a:rPr>
+              <a:t>ADO.NET Architecture</a:t>
+            </a:r>
+          </a:p>
+        </p:txBody>
+      </p:sp>
+      <p:cxnSp>
+        <p:nvCxnSpPr>
+          <p:cNvPr id="34" name="10 Conector recto"/>
+          <p:cNvCxnSpPr/>
+          <p:nvPr/>
+        </p:nvCxnSpPr>
+        <p:spPr>
+          <a:xfrm>
+            <a:off x="2246688" y="1955687"/>
+            <a:ext cx="5265586" cy="0"/>
+          </a:xfrm>
+          <a:prstGeom prst="line">
+            <a:avLst/>
+          </a:prstGeom>
+          <a:ln w="57150">
+            <a:solidFill>
+              <a:srgbClr val="C00000"/>
+            </a:solidFill>
+          </a:ln>
+        </p:spPr>
+        <p:style>
+          <a:lnRef idx="1">
+            <a:schemeClr val="accent1"/>
+          </a:lnRef>
+          <a:fillRef idx="0">
+            <a:schemeClr val="accent1"/>
+          </a:fillRef>
+          <a:effectRef idx="0">
+            <a:schemeClr val="accent1"/>
+          </a:effectRef>
+          <a:fontRef idx="minor">
+            <a:schemeClr val="tx1"/>
+          </a:fontRef>
+        </p:style>
+      </p:cxnSp>
+      <p:sp>
+        <p:nvSpPr>
+          <p:cNvPr id="35" name="TextBox 34"/>
+          <p:cNvSpPr txBox="1"/>
+          <p:nvPr/>
+        </p:nvSpPr>
+        <p:spPr>
+          <a:xfrm>
+            <a:off x="2246688" y="2855786"/>
+            <a:ext cx="10598678" cy="9510296"/>
+          </a:xfrm>
+          <a:prstGeom prst="rect">
+            <a:avLst/>
+          </a:prstGeom>
+          <a:noFill/>
+        </p:spPr>
+        <p:txBody>
+          <a:bodyPr wrap="square" rtlCol="0">
+            <a:spAutoFit/>
+          </a:bodyPr>
+          <a:lstStyle/>
+          <a:p>
+            <a:pPr marL="571500" indent="-571500">
+              <a:buFont typeface="Arial" panose="020B0604020202020204" pitchFamily="34" charset="0"/>
+              <a:buChar char="•"/>
+            </a:pPr>
+            <a:r>
+              <a:rPr lang="en-US" sz="3600" dirty="0"/>
+              <a:t>ADO.NET </a:t>
+            </a:r>
+            <a:r>
+              <a:rPr lang="en-US" sz="3600" dirty="0" smtClean="0"/>
+              <a:t>Components:</a:t>
+            </a:r>
+          </a:p>
+          <a:p>
+            <a:pPr marL="1779783" lvl="1" indent="-571500">
+              <a:buFont typeface="Arial" panose="020B0604020202020204" pitchFamily="34" charset="0"/>
+              <a:buChar char="•"/>
+            </a:pPr>
+            <a:r>
+              <a:rPr lang="en-US" sz="3600" dirty="0" smtClean="0"/>
+              <a:t>The </a:t>
+            </a:r>
+            <a:r>
+              <a:rPr lang="en-US" sz="3600" dirty="0" err="1"/>
+              <a:t>DataAdapter</a:t>
+            </a:r>
+            <a:r>
+              <a:rPr lang="en-US" sz="3600" dirty="0"/>
+              <a:t> uses Command objects to execute SQL commands at the data source to both load the </a:t>
+            </a:r>
+            <a:r>
+              <a:rPr lang="en-US" sz="3600" dirty="0" err="1"/>
+              <a:t>DataSet</a:t>
+            </a:r>
+            <a:r>
+              <a:rPr lang="en-US" sz="3600" dirty="0"/>
+              <a:t> with data and reconcile changes that were made to the data in the </a:t>
+            </a:r>
+            <a:r>
+              <a:rPr lang="en-US" sz="3600" dirty="0" err="1"/>
+              <a:t>DataSet</a:t>
+            </a:r>
+            <a:r>
+              <a:rPr lang="en-US" sz="3600" dirty="0"/>
+              <a:t> back to the data source</a:t>
+            </a:r>
+            <a:r>
+              <a:rPr lang="en-US" sz="3600" dirty="0" smtClean="0"/>
+              <a:t>.</a:t>
+            </a:r>
+          </a:p>
+          <a:p>
+            <a:pPr marL="1779783" lvl="1" indent="-571500">
+              <a:buFont typeface="Arial" panose="020B0604020202020204" pitchFamily="34" charset="0"/>
+              <a:buChar char="•"/>
+            </a:pPr>
+            <a:r>
+              <a:rPr lang="en-US" sz="3600" dirty="0"/>
+              <a:t>The </a:t>
+            </a:r>
+            <a:r>
+              <a:rPr lang="en-US" sz="3600" dirty="0" err="1" smtClean="0"/>
+              <a:t>DataSet</a:t>
+            </a:r>
+            <a:r>
+              <a:rPr lang="en-US" sz="3600" dirty="0"/>
+              <a:t>: The ADO.NET </a:t>
+            </a:r>
+            <a:r>
+              <a:rPr lang="en-US" sz="3600" dirty="0" err="1"/>
+              <a:t>DataSet</a:t>
+            </a:r>
+            <a:r>
+              <a:rPr lang="en-US" sz="3600" dirty="0"/>
+              <a:t> is explicitly designed for data access independent of any data </a:t>
+            </a:r>
+            <a:r>
+              <a:rPr lang="en-US" sz="3600" dirty="0" smtClean="0"/>
+              <a:t>source.</a:t>
+            </a:r>
+          </a:p>
+          <a:p>
+            <a:pPr marL="1779783" lvl="1" indent="-571500">
+              <a:buFont typeface="Arial" panose="020B0604020202020204" pitchFamily="34" charset="0"/>
+              <a:buChar char="•"/>
+            </a:pPr>
+            <a:r>
+              <a:rPr lang="en-US" sz="3600" dirty="0" smtClean="0"/>
+              <a:t>As </a:t>
+            </a:r>
+            <a:r>
+              <a:rPr lang="en-US" sz="3600" dirty="0"/>
+              <a:t>a result, it can be used with multiple and differing data sources, used with XML data, or used to manage data local to the </a:t>
+            </a:r>
+            <a:r>
+              <a:rPr lang="en-US" sz="3600" dirty="0" smtClean="0"/>
+              <a:t>application.</a:t>
+            </a:r>
+          </a:p>
+          <a:p>
+            <a:pPr marL="1779783" lvl="1" indent="-571500">
+              <a:buFont typeface="Arial" panose="020B0604020202020204" pitchFamily="34" charset="0"/>
+              <a:buChar char="•"/>
+            </a:pPr>
+            <a:r>
+              <a:rPr lang="en-US" sz="3600" dirty="0" smtClean="0"/>
+              <a:t>The </a:t>
+            </a:r>
+            <a:r>
+              <a:rPr lang="en-US" sz="3600" dirty="0" err="1"/>
+              <a:t>DataSet</a:t>
+            </a:r>
+            <a:r>
+              <a:rPr lang="en-US" sz="3600" dirty="0"/>
+              <a:t> contains a collection of one or more </a:t>
+            </a:r>
+            <a:r>
+              <a:rPr lang="en-US" sz="3600" dirty="0" err="1"/>
+              <a:t>DataTable</a:t>
+            </a:r>
+            <a:r>
+              <a:rPr lang="en-US" sz="3600" dirty="0"/>
+              <a:t> objects consisting of rows and columns of data, and also primary key, foreign key, constraint, and relation information about the data in the </a:t>
+            </a:r>
+            <a:r>
+              <a:rPr lang="en-US" sz="3600" dirty="0" err="1"/>
+              <a:t>DataTable</a:t>
+            </a:r>
+            <a:r>
+              <a:rPr lang="en-US" sz="3600" dirty="0"/>
+              <a:t> objects.</a:t>
+            </a:r>
+          </a:p>
+        </p:txBody>
+      </p:sp>
+      <p:pic>
+        <p:nvPicPr>
+          <p:cNvPr id="4" name="Picture 3"/>
+          <p:cNvPicPr>
+            <a:picLocks noChangeAspect="1"/>
+          </p:cNvPicPr>
+          <p:nvPr/>
+        </p:nvPicPr>
+        <p:blipFill>
+          <a:blip r:embed="rId2"/>
+          <a:stretch>
+            <a:fillRect/>
+          </a:stretch>
+        </p:blipFill>
+        <p:spPr>
+          <a:xfrm>
+            <a:off x="12845366" y="2855786"/>
+            <a:ext cx="10036115" cy="10008917"/>
+          </a:xfrm>
+          <a:prstGeom prst="rect">
+            <a:avLst/>
+          </a:prstGeom>
+        </p:spPr>
+      </p:pic>
+    </p:spTree>
+    <p:extLst>
+      <p:ext uri="{BB962C8B-B14F-4D97-AF65-F5344CB8AC3E}">
+        <p14:creationId xmlns:p14="http://schemas.microsoft.com/office/powerpoint/2010/main" val="632744093"/>
+      </p:ext>
+    </p:extLst>
+  </p:cSld>
+  <p:clrMapOvr>
+    <a:masterClrMapping/>
+  </p:clrMapOvr>
+  <p:timing>
+    <p:tnLst>
+      <p:par>
+        <p:cTn id="1" dur="indefinite" restart="never" nodeType="tmRoot">
+          <p:childTnLst>
+            <p:seq concurrent="1" nextAc="seek">
+              <p:cTn id="2" dur="indefinite" nodeType="mainSeq">
+                <p:childTnLst>
+                  <p:par>
+                    <p:cTn id="3" fill="hold">
+                      <p:stCondLst>
+                        <p:cond delay="indefinite"/>
+                        <p:cond evt="onBegin" delay="0">
+                          <p:tn val="2"/>
+                        </p:cond>
+                      </p:stCondLst>
+                      <p:childTnLst>
+                        <p:par>
+                          <p:cTn id="4" fill="hold">
+                            <p:stCondLst>
+                              <p:cond delay="0"/>
+                            </p:stCondLst>
+                            <p:childTnLst>
+                              <p:par>
+                                <p:cTn id="5" presetID="2" presetClass="entr" presetSubtype="8" decel="100000" fill="hold" grpId="0" nodeType="withEffect">
+                                  <p:stCondLst>
+                                    <p:cond delay="0"/>
+                                  </p:stCondLst>
+                                  <p:childTnLst>
+                                    <p:set>
+                                      <p:cBhvr>
+                                        <p:cTn id="6" dur="1" fill="hold">
+                                          <p:stCondLst>
+                                            <p:cond delay="0"/>
+                                          </p:stCondLst>
+                                        </p:cTn>
+                                        <p:tgtEl>
+                                          <p:spTgt spid="33"/>
+                                        </p:tgtEl>
+                                        <p:attrNameLst>
+                                          <p:attrName>style.visibility</p:attrName>
+                                        </p:attrNameLst>
+                                      </p:cBhvr>
+                                      <p:to>
+                                        <p:strVal val="visible"/>
+                                      </p:to>
+                                    </p:set>
+                                    <p:anim calcmode="lin" valueType="num">
+                                      <p:cBhvr additive="base">
+                                        <p:cTn id="7" dur="1000" fill="hold"/>
+                                        <p:tgtEl>
+                                          <p:spTgt spid="33"/>
+                                        </p:tgtEl>
+                                        <p:attrNameLst>
+                                          <p:attrName>ppt_x</p:attrName>
+                                        </p:attrNameLst>
+                                      </p:cBhvr>
+                                      <p:tavLst>
+                                        <p:tav tm="0">
+                                          <p:val>
+                                            <p:strVal val="0-#ppt_w/2"/>
+                                          </p:val>
+                                        </p:tav>
+                                        <p:tav tm="100000">
+                                          <p:val>
+                                            <p:strVal val="#ppt_x"/>
+                                          </p:val>
+                                        </p:tav>
+                                      </p:tavLst>
+                                    </p:anim>
+                                    <p:anim calcmode="lin" valueType="num">
+                                      <p:cBhvr additive="base">
+                                        <p:cTn id="8" dur="1000" fill="hold"/>
+                                        <p:tgtEl>
+                                          <p:spTgt spid="33"/>
+                                        </p:tgtEl>
+                                        <p:attrNameLst>
+                                          <p:attrName>ppt_y</p:attrName>
+                                        </p:attrNameLst>
+                                      </p:cBhvr>
+                                      <p:tavLst>
+                                        <p:tav tm="0">
+                                          <p:val>
+                                            <p:strVal val="#ppt_y"/>
+                                          </p:val>
+                                        </p:tav>
+                                        <p:tav tm="100000">
+                                          <p:val>
+                                            <p:strVal val="#ppt_y"/>
+                                          </p:val>
+                                        </p:tav>
+                                      </p:tavLst>
+                                    </p:anim>
+                                  </p:childTnLst>
+                                </p:cTn>
+                              </p:par>
+                            </p:childTnLst>
+                          </p:cTn>
+                        </p:par>
+                        <p:par>
+                          <p:cTn id="9" fill="hold">
+                            <p:stCondLst>
+                              <p:cond delay="1000"/>
+                            </p:stCondLst>
+                            <p:childTnLst>
+                              <p:par>
+                                <p:cTn id="10" presetID="2" presetClass="entr" presetSubtype="4" fill="hold" nodeType="afterEffect">
+                                  <p:stCondLst>
+                                    <p:cond delay="0"/>
+                                  </p:stCondLst>
+                                  <p:childTnLst>
+                                    <p:set>
+                                      <p:cBhvr>
+                                        <p:cTn id="11" dur="1" fill="hold">
+                                          <p:stCondLst>
+                                            <p:cond delay="0"/>
+                                          </p:stCondLst>
+                                        </p:cTn>
+                                        <p:tgtEl>
+                                          <p:spTgt spid="34"/>
+                                        </p:tgtEl>
+                                        <p:attrNameLst>
+                                          <p:attrName>style.visibility</p:attrName>
+                                        </p:attrNameLst>
+                                      </p:cBhvr>
+                                      <p:to>
+                                        <p:strVal val="visible"/>
+                                      </p:to>
+                                    </p:set>
+                                    <p:anim calcmode="lin" valueType="num">
+                                      <p:cBhvr additive="base">
+                                        <p:cTn id="12" dur="500" fill="hold"/>
+                                        <p:tgtEl>
+                                          <p:spTgt spid="34"/>
+                                        </p:tgtEl>
+                                        <p:attrNameLst>
+                                          <p:attrName>ppt_x</p:attrName>
+                                        </p:attrNameLst>
+                                      </p:cBhvr>
+                                      <p:tavLst>
+                                        <p:tav tm="0">
+                                          <p:val>
+                                            <p:strVal val="#ppt_x"/>
+                                          </p:val>
+                                        </p:tav>
+                                        <p:tav tm="100000">
+                                          <p:val>
+                                            <p:strVal val="#ppt_x"/>
+                                          </p:val>
+                                        </p:tav>
+                                      </p:tavLst>
+                                    </p:anim>
+                                    <p:anim calcmode="lin" valueType="num">
+                                      <p:cBhvr additive="base">
+                                        <p:cTn id="13" dur="500" fill="hold"/>
+                                        <p:tgtEl>
+                                          <p:spTgt spid="34"/>
+                                        </p:tgtEl>
+                                        <p:attrNameLst>
+                                          <p:attrName>ppt_y</p:attrName>
+                                        </p:attrNameLst>
+                                      </p:cBhvr>
+                                      <p:tavLst>
+                                        <p:tav tm="0">
+                                          <p:val>
+                                            <p:strVal val="1+#ppt_h/2"/>
+                                          </p:val>
+                                        </p:tav>
+                                        <p:tav tm="100000">
+                                          <p:val>
+                                            <p:strVal val="#ppt_y"/>
+                                          </p:val>
+                                        </p:tav>
+                                      </p:tavLst>
+                                    </p:anim>
+                                  </p:childTnLst>
+                                </p:cTn>
+                              </p:par>
+                            </p:childTnLst>
+                          </p:cTn>
+                        </p:par>
+                      </p:childTnLst>
+                    </p:cTn>
+                  </p:par>
+                </p:childTnLst>
+              </p:cTn>
+              <p:prevCondLst>
+                <p:cond evt="onPrev" delay="0">
+                  <p:tgtEl>
+                    <p:sldTgt/>
+                  </p:tgtEl>
+                </p:cond>
+              </p:prevCondLst>
+              <p:nextCondLst>
+                <p:cond evt="onNext" delay="0">
+                  <p:tgtEl>
+                    <p:sldTgt/>
+                  </p:tgtEl>
+                </p:cond>
+              </p:nextCondLst>
+            </p:seq>
+          </p:childTnLst>
+        </p:cTn>
+      </p:par>
+    </p:tnLst>
+    <p:bldLst>
+      <p:bldP spid="33" grpId="0"/>
+    </p:bldLst>
+  </p:timing>
+</p:sld>
+</file>
+
+<file path=ppt/slides/slide6.xml><?xml version="1.0" encoding="utf-8"?>
+<p:sld xmlns:a="http://schemas.openxmlformats.org/drawingml/2006/main" xmlns:r="http://schemas.openxmlformats.org/officeDocument/2006/relationships" xmlns:p="http://schemas.openxmlformats.org/presentationml/2006/main">
+  <p:cSld>
+    <p:spTree>
+      <p:nvGrpSpPr>
+        <p:cNvPr id="1" name=""/>
+        <p:cNvGrpSpPr/>
+        <p:nvPr/>
+      </p:nvGrpSpPr>
+      <p:grpSpPr>
+        <a:xfrm>
+          <a:off x="0" y="0"/>
+          <a:ext cx="0" cy="0"/>
+          <a:chOff x="0" y="0"/>
+          <a:chExt cx="0" cy="0"/>
+        </a:xfrm>
+      </p:grpSpPr>
+      <p:sp>
+        <p:nvSpPr>
           <p:cNvPr id="48" name="Rectangle 47"/>
           <p:cNvSpPr/>
           <p:nvPr/>
@@ -31649,15 +30676,6 @@
               </a:rPr>
               <a:t>ADO.NET Connection</a:t>
             </a:r>
-            <a:endParaRPr lang="en-US" sz="4400" dirty="0">
-              <a:solidFill>
-                <a:schemeClr val="accent3">
-                  <a:lumMod val="75000"/>
-                </a:schemeClr>
-              </a:solidFill>
-              <a:ea typeface="Open Sans Semibold" panose="020B0706030804020204" pitchFamily="34" charset="0"/>
-              <a:cs typeface="Open Sans Semibold" panose="020B0706030804020204" pitchFamily="34" charset="0"/>
-            </a:endParaRPr>
           </a:p>
         </p:txBody>
       </p:sp>
@@ -33030,8 +32048,8 @@
   <p:clrMapOvr>
     <a:masterClrMapping/>
   </p:clrMapOvr>
-  <mc:AlternateContent xmlns:mc="http://schemas.openxmlformats.org/markup-compatibility/2006">
-    <mc:Choice xmlns:p14="http://schemas.microsoft.com/office/powerpoint/2010/main" Requires="p14">
+  <mc:AlternateContent xmlns:mc="http://schemas.openxmlformats.org/markup-compatibility/2006" xmlns:p14="http://schemas.microsoft.com/office/powerpoint/2010/main">
+    <mc:Choice Requires="p14">
       <p:timing>
         <p:tnLst>
           <p:par>
@@ -33461,7 +32479,7 @@
         </p:bldLst>
       </p:timing>
     </mc:Choice>
-    <mc:Fallback>
+    <mc:Fallback xmlns="">
       <p:timing>
         <p:tnLst>
           <p:par>
@@ -33895,734 +32913,6 @@
 </p:sld>
 </file>
 
-<file path=ppt/slides/slide6.xml><?xml version="1.0" encoding="utf-8"?>
-<p:sld xmlns:a="http://schemas.openxmlformats.org/drawingml/2006/main" xmlns:r="http://schemas.openxmlformats.org/officeDocument/2006/relationships" xmlns:p="http://schemas.openxmlformats.org/presentationml/2006/main">
-  <p:cSld>
-    <p:spTree>
-      <p:nvGrpSpPr>
-        <p:cNvPr id="1" name=""/>
-        <p:cNvGrpSpPr/>
-        <p:nvPr/>
-      </p:nvGrpSpPr>
-      <p:grpSpPr>
-        <a:xfrm>
-          <a:off x="0" y="0"/>
-          <a:ext cx="0" cy="0"/>
-          <a:chOff x="0" y="0"/>
-          <a:chExt cx="0" cy="0"/>
-        </a:xfrm>
-      </p:grpSpPr>
-      <p:sp>
-        <p:nvSpPr>
-          <p:cNvPr id="33" name="Marcador de texto 4"/>
-          <p:cNvSpPr txBox="1">
-            <a:spLocks/>
-          </p:cNvSpPr>
-          <p:nvPr/>
-        </p:nvSpPr>
-        <p:spPr>
-          <a:xfrm>
-            <a:off x="2246688" y="1053149"/>
-            <a:ext cx="17101901" cy="1802637"/>
-          </a:xfrm>
-          <a:prstGeom prst="rect">
-            <a:avLst/>
-          </a:prstGeom>
-        </p:spPr>
-        <p:txBody>
-          <a:bodyPr/>
-          <a:lstStyle>
-            <a:lvl1pPr marL="0" indent="0" algn="l" defTabSz="1812040" rtl="0" eaLnBrk="1" latinLnBrk="0" hangingPunct="1">
-              <a:spcBef>
-                <a:spcPct val="20000"/>
-              </a:spcBef>
-              <a:spcAft>
-                <a:spcPts val="1199"/>
-              </a:spcAft>
-              <a:buFont typeface="Arial" pitchFamily="34" charset="0"/>
-              <a:buNone/>
-              <a:defRPr sz="4000" b="1" kern="1200">
-                <a:solidFill>
-                  <a:schemeClr val="tx1"/>
-                </a:solidFill>
-                <a:latin typeface="+mn-lt"/>
-                <a:ea typeface="+mn-ea"/>
-                <a:cs typeface="+mn-cs"/>
-              </a:defRPr>
-            </a:lvl1pPr>
-            <a:lvl2pPr marL="906009" indent="-362365" algn="l" defTabSz="1812040" rtl="0" eaLnBrk="1" latinLnBrk="0" hangingPunct="1">
-              <a:spcBef>
-                <a:spcPct val="20000"/>
-              </a:spcBef>
-              <a:buClr>
-                <a:schemeClr val="tx2"/>
-              </a:buClr>
-              <a:buFont typeface="Arial" pitchFamily="34" charset="0"/>
-              <a:buChar char="•"/>
-              <a:defRPr sz="4000" kern="1200">
-                <a:solidFill>
-                  <a:schemeClr val="tx1"/>
-                </a:solidFill>
-                <a:latin typeface="+mn-lt"/>
-                <a:ea typeface="+mn-ea"/>
-                <a:cs typeface="+mn-cs"/>
-              </a:defRPr>
-            </a:lvl2pPr>
-            <a:lvl3pPr marL="2265040" indent="-453004" algn="l" defTabSz="1812040" rtl="0" eaLnBrk="1" latinLnBrk="0" hangingPunct="1">
-              <a:spcBef>
-                <a:spcPct val="20000"/>
-              </a:spcBef>
-              <a:buClr>
-                <a:schemeClr val="tx2"/>
-              </a:buClr>
-              <a:buFont typeface="Arial" pitchFamily="34" charset="0"/>
-              <a:buChar char="•"/>
-              <a:defRPr sz="3702" kern="1200">
-                <a:solidFill>
-                  <a:schemeClr val="tx1"/>
-                </a:solidFill>
-                <a:latin typeface="+mn-lt"/>
-                <a:ea typeface="+mn-ea"/>
-                <a:cs typeface="+mn-cs"/>
-              </a:defRPr>
-            </a:lvl3pPr>
-            <a:lvl4pPr marL="3171046" indent="-453004" algn="l" defTabSz="1812040" rtl="0" eaLnBrk="1" latinLnBrk="0" hangingPunct="1">
-              <a:spcBef>
-                <a:spcPct val="20000"/>
-              </a:spcBef>
-              <a:buClr>
-                <a:schemeClr val="tx2"/>
-              </a:buClr>
-              <a:buFont typeface="Arial" pitchFamily="34" charset="0"/>
-              <a:buChar char="•"/>
-              <a:defRPr sz="3702" kern="1200">
-                <a:solidFill>
-                  <a:schemeClr val="tx1"/>
-                </a:solidFill>
-                <a:latin typeface="+mn-lt"/>
-                <a:ea typeface="+mn-ea"/>
-                <a:cs typeface="+mn-cs"/>
-              </a:defRPr>
-            </a:lvl4pPr>
-            <a:lvl5pPr marL="4077068" indent="-453004" algn="l" defTabSz="1812040" rtl="0" eaLnBrk="1" latinLnBrk="0" hangingPunct="1">
-              <a:spcBef>
-                <a:spcPct val="20000"/>
-              </a:spcBef>
-              <a:buClr>
-                <a:schemeClr val="tx2"/>
-              </a:buClr>
-              <a:buFont typeface="Arial" pitchFamily="34" charset="0"/>
-              <a:buChar char="•"/>
-              <a:defRPr sz="3702" kern="1200" baseline="0">
-                <a:solidFill>
-                  <a:schemeClr val="tx1"/>
-                </a:solidFill>
-                <a:latin typeface="+mn-lt"/>
-                <a:ea typeface="+mn-ea"/>
-                <a:cs typeface="+mn-cs"/>
-              </a:defRPr>
-            </a:lvl5pPr>
-            <a:lvl6pPr marL="4983081" indent="-453004" algn="l" defTabSz="1812040" rtl="0" eaLnBrk="1" latinLnBrk="0" hangingPunct="1">
-              <a:spcBef>
-                <a:spcPct val="20000"/>
-              </a:spcBef>
-              <a:buClr>
-                <a:schemeClr val="tx2"/>
-              </a:buClr>
-              <a:buFont typeface="Arial" pitchFamily="34" charset="0"/>
-              <a:buChar char="•"/>
-              <a:defRPr sz="3200" kern="1200">
-                <a:solidFill>
-                  <a:schemeClr val="tx1"/>
-                </a:solidFill>
-                <a:latin typeface="+mn-lt"/>
-                <a:ea typeface="+mn-ea"/>
-                <a:cs typeface="+mn-cs"/>
-              </a:defRPr>
-            </a:lvl6pPr>
-            <a:lvl7pPr marL="5889088" indent="-453004" algn="l" defTabSz="1812040" rtl="0" eaLnBrk="1" latinLnBrk="0" hangingPunct="1">
-              <a:spcBef>
-                <a:spcPct val="20000"/>
-              </a:spcBef>
-              <a:buClr>
-                <a:schemeClr val="tx2"/>
-              </a:buClr>
-              <a:buFont typeface="Arial" pitchFamily="34" charset="0"/>
-              <a:buChar char="•"/>
-              <a:defRPr sz="3200" kern="1200">
-                <a:solidFill>
-                  <a:schemeClr val="tx1"/>
-                </a:solidFill>
-                <a:latin typeface="+mn-lt"/>
-                <a:ea typeface="+mn-ea"/>
-                <a:cs typeface="+mn-cs"/>
-              </a:defRPr>
-            </a:lvl7pPr>
-            <a:lvl8pPr marL="6795112" indent="-453004" algn="l" defTabSz="1812040" rtl="0" eaLnBrk="1" latinLnBrk="0" hangingPunct="1">
-              <a:spcBef>
-                <a:spcPct val="20000"/>
-              </a:spcBef>
-              <a:buClr>
-                <a:schemeClr val="tx2"/>
-              </a:buClr>
-              <a:buFont typeface="Arial" pitchFamily="34" charset="0"/>
-              <a:buChar char="•"/>
-              <a:defRPr sz="3200" kern="1200">
-                <a:solidFill>
-                  <a:schemeClr val="tx1"/>
-                </a:solidFill>
-                <a:latin typeface="+mn-lt"/>
-                <a:ea typeface="+mn-ea"/>
-                <a:cs typeface="+mn-cs"/>
-              </a:defRPr>
-            </a:lvl8pPr>
-            <a:lvl9pPr marL="7701118" indent="-453004" algn="l" defTabSz="1812040" rtl="0" eaLnBrk="1" latinLnBrk="0" hangingPunct="1">
-              <a:spcBef>
-                <a:spcPct val="20000"/>
-              </a:spcBef>
-              <a:buClr>
-                <a:schemeClr val="tx2"/>
-              </a:buClr>
-              <a:buFont typeface="Arial" pitchFamily="34" charset="0"/>
-              <a:buChar char="•"/>
-              <a:defRPr sz="3200" kern="1200">
-                <a:solidFill>
-                  <a:schemeClr val="tx1"/>
-                </a:solidFill>
-                <a:latin typeface="+mn-lt"/>
-                <a:ea typeface="+mn-ea"/>
-                <a:cs typeface="+mn-cs"/>
-              </a:defRPr>
-            </a:lvl9pPr>
-          </a:lstStyle>
-          <a:p>
-            <a:r>
-              <a:rPr lang="en-US" sz="4400" dirty="0" err="1">
-                <a:solidFill>
-                  <a:schemeClr val="accent3">
-                    <a:lumMod val="75000"/>
-                  </a:schemeClr>
-                </a:solidFill>
-                <a:ea typeface="Open Sans Semibold" panose="020B0706030804020204" pitchFamily="34" charset="0"/>
-                <a:cs typeface="Open Sans Semibold" panose="020B0706030804020204" pitchFamily="34" charset="0"/>
-              </a:rPr>
-              <a:t>DataSet</a:t>
-            </a:r>
-            <a:endParaRPr lang="en-US" sz="4400" dirty="0">
-              <a:solidFill>
-                <a:schemeClr val="accent3">
-                  <a:lumMod val="75000"/>
-                </a:schemeClr>
-              </a:solidFill>
-              <a:ea typeface="Open Sans Semibold" panose="020B0706030804020204" pitchFamily="34" charset="0"/>
-              <a:cs typeface="Open Sans Semibold" panose="020B0706030804020204" pitchFamily="34" charset="0"/>
-            </a:endParaRPr>
-          </a:p>
-        </p:txBody>
-      </p:sp>
-      <p:cxnSp>
-        <p:nvCxnSpPr>
-          <p:cNvPr id="34" name="10 Conector recto"/>
-          <p:cNvCxnSpPr/>
-          <p:nvPr/>
-        </p:nvCxnSpPr>
-        <p:spPr>
-          <a:xfrm>
-            <a:off x="2246688" y="1955687"/>
-            <a:ext cx="2160241" cy="0"/>
-          </a:xfrm>
-          <a:prstGeom prst="line">
-            <a:avLst/>
-          </a:prstGeom>
-          <a:ln w="57150">
-            <a:solidFill>
-              <a:srgbClr val="C00000"/>
-            </a:solidFill>
-          </a:ln>
-        </p:spPr>
-        <p:style>
-          <a:lnRef idx="1">
-            <a:schemeClr val="accent1"/>
-          </a:lnRef>
-          <a:fillRef idx="0">
-            <a:schemeClr val="accent1"/>
-          </a:fillRef>
-          <a:effectRef idx="0">
-            <a:schemeClr val="accent1"/>
-          </a:effectRef>
-          <a:fontRef idx="minor">
-            <a:schemeClr val="tx1"/>
-          </a:fontRef>
-        </p:style>
-      </p:cxnSp>
-      <p:sp>
-        <p:nvSpPr>
-          <p:cNvPr id="35" name="TextBox 34"/>
-          <p:cNvSpPr txBox="1"/>
-          <p:nvPr/>
-        </p:nvSpPr>
-        <p:spPr>
-          <a:xfrm>
-            <a:off x="2246688" y="2855786"/>
-            <a:ext cx="19982220" cy="10064294"/>
-          </a:xfrm>
-          <a:prstGeom prst="rect">
-            <a:avLst/>
-          </a:prstGeom>
-          <a:noFill/>
-        </p:spPr>
-        <p:txBody>
-          <a:bodyPr wrap="square" rtlCol="0">
-            <a:spAutoFit/>
-          </a:bodyPr>
-          <a:lstStyle/>
-          <a:p>
-            <a:pPr marL="571500" indent="-571500">
-              <a:buFont typeface="Arial" panose="020B0604020202020204" pitchFamily="34" charset="0"/>
-              <a:buChar char="•"/>
-            </a:pPr>
-            <a:r>
-              <a:rPr lang="en-US" sz="3600" dirty="0"/>
-              <a:t>The </a:t>
-            </a:r>
-            <a:r>
-              <a:rPr lang="en-US" sz="3600" dirty="0" err="1"/>
-              <a:t>DataSet</a:t>
-            </a:r>
-            <a:r>
-              <a:rPr lang="en-US" sz="3600" dirty="0"/>
-              <a:t> is similar to an array of disconnected </a:t>
-            </a:r>
-            <a:r>
-              <a:rPr lang="en-US" sz="3600" dirty="0" err="1"/>
-              <a:t>Recordset</a:t>
-            </a:r>
-            <a:r>
-              <a:rPr lang="en-US" sz="3600" dirty="0"/>
-              <a:t> objects. It supports disconnected data access and operations, allowing greater scalability because you no longer have to be connected to the database all the time. </a:t>
-            </a:r>
-            <a:r>
-              <a:rPr lang="en-US" sz="3600" dirty="0" err="1"/>
-              <a:t>DataSet</a:t>
-            </a:r>
-            <a:r>
-              <a:rPr lang="en-US" sz="3600" dirty="0"/>
-              <a:t> is a copy of an extracted data being downloaded and cached in the client system</a:t>
-            </a:r>
-            <a:r>
-              <a:rPr lang="en-US" sz="3600" dirty="0" smtClean="0"/>
-              <a:t>.</a:t>
-            </a:r>
-          </a:p>
-          <a:p>
-            <a:pPr marL="571500" indent="-571500">
-              <a:buFont typeface="Arial" panose="020B0604020202020204" pitchFamily="34" charset="0"/>
-              <a:buChar char="•"/>
-            </a:pPr>
-            <a:r>
-              <a:rPr lang="en-US" sz="3600" dirty="0" smtClean="0"/>
-              <a:t>The </a:t>
-            </a:r>
-            <a:r>
-              <a:rPr lang="en-US" sz="3600" dirty="0" err="1"/>
-              <a:t>DataSet</a:t>
-            </a:r>
-            <a:r>
-              <a:rPr lang="en-US" sz="3600" dirty="0"/>
-              <a:t> object is made up of two objects</a:t>
-            </a:r>
-            <a:r>
-              <a:rPr lang="en-US" sz="3600" dirty="0" smtClean="0"/>
-              <a:t>:</a:t>
-            </a:r>
-          </a:p>
-          <a:p>
-            <a:pPr marL="1779783" lvl="1" indent="-571500">
-              <a:buFont typeface="Arial" panose="020B0604020202020204" pitchFamily="34" charset="0"/>
-              <a:buChar char="•"/>
-            </a:pPr>
-            <a:r>
-              <a:rPr lang="en-US" sz="3600" dirty="0" err="1" smtClean="0"/>
-              <a:t>DataTableCollection</a:t>
-            </a:r>
-            <a:r>
-              <a:rPr lang="en-US" sz="3600" dirty="0" smtClean="0"/>
-              <a:t> </a:t>
-            </a:r>
-            <a:r>
-              <a:rPr lang="en-US" sz="3600" dirty="0"/>
-              <a:t>object containing null or multiple </a:t>
-            </a:r>
-            <a:r>
-              <a:rPr lang="en-US" sz="3600" dirty="0" err="1"/>
-              <a:t>DataTable</a:t>
-            </a:r>
-            <a:r>
-              <a:rPr lang="en-US" sz="3600" dirty="0"/>
-              <a:t> objects (Columns, Rows, Constraints</a:t>
-            </a:r>
-            <a:r>
-              <a:rPr lang="en-US" sz="3600" dirty="0" smtClean="0"/>
-              <a:t>).</a:t>
-            </a:r>
-          </a:p>
-          <a:p>
-            <a:pPr marL="1779783" lvl="1" indent="-571500">
-              <a:buFont typeface="Arial" panose="020B0604020202020204" pitchFamily="34" charset="0"/>
-              <a:buChar char="•"/>
-            </a:pPr>
-            <a:r>
-              <a:rPr lang="en-US" sz="3600" dirty="0" err="1" smtClean="0"/>
-              <a:t>DataRelationCollection</a:t>
-            </a:r>
-            <a:r>
-              <a:rPr lang="en-US" sz="3600" dirty="0" smtClean="0"/>
-              <a:t> </a:t>
-            </a:r>
-            <a:r>
-              <a:rPr lang="en-US" sz="3600" dirty="0"/>
-              <a:t>object containing null or multiple </a:t>
-            </a:r>
-            <a:r>
-              <a:rPr lang="en-US" sz="3600" dirty="0" err="1"/>
-              <a:t>DataRelation</a:t>
-            </a:r>
-            <a:r>
-              <a:rPr lang="en-US" sz="3600" dirty="0"/>
-              <a:t> objects which establish a parent/child relation between two </a:t>
-            </a:r>
-            <a:r>
-              <a:rPr lang="en-US" sz="3600" dirty="0" err="1"/>
-              <a:t>DataTable</a:t>
-            </a:r>
-            <a:r>
-              <a:rPr lang="en-US" sz="3600" dirty="0"/>
-              <a:t> objects</a:t>
-            </a:r>
-            <a:r>
-              <a:rPr lang="en-US" sz="3600" dirty="0" smtClean="0"/>
-              <a:t>.</a:t>
-            </a:r>
-          </a:p>
-          <a:p>
-            <a:pPr marL="571500" indent="-571500">
-              <a:buFont typeface="Arial" panose="020B0604020202020204" pitchFamily="34" charset="0"/>
-              <a:buChar char="•"/>
-            </a:pPr>
-            <a:r>
-              <a:rPr lang="en-US" sz="3600" dirty="0"/>
-              <a:t>There are two types of </a:t>
-            </a:r>
-            <a:r>
-              <a:rPr lang="en-US" sz="3600" dirty="0" err="1"/>
-              <a:t>DataSets</a:t>
-            </a:r>
-            <a:r>
-              <a:rPr lang="en-US" sz="3600" dirty="0" smtClean="0"/>
-              <a:t>:</a:t>
-            </a:r>
-          </a:p>
-          <a:p>
-            <a:pPr marL="1779783" lvl="1" indent="-571500">
-              <a:buFont typeface="Arial" panose="020B0604020202020204" pitchFamily="34" charset="0"/>
-              <a:buChar char="•"/>
-            </a:pPr>
-            <a:r>
-              <a:rPr lang="en-US" sz="3600" dirty="0" smtClean="0"/>
-              <a:t>Typed </a:t>
-            </a:r>
-            <a:r>
-              <a:rPr lang="en-US" sz="3600" dirty="0" err="1"/>
-              <a:t>DataSet</a:t>
-            </a:r>
-            <a:r>
-              <a:rPr lang="en-US" sz="3600" dirty="0"/>
-              <a:t> is derived from the base </a:t>
-            </a:r>
-            <a:r>
-              <a:rPr lang="en-US" sz="3600" dirty="0" err="1"/>
-              <a:t>DataSet</a:t>
-            </a:r>
-            <a:r>
-              <a:rPr lang="en-US" sz="3600" dirty="0"/>
-              <a:t> class and then uses information in an XML Schema file (.</a:t>
-            </a:r>
-            <a:r>
-              <a:rPr lang="en-US" sz="3600" dirty="0" err="1"/>
-              <a:t>xsd</a:t>
-            </a:r>
-            <a:r>
-              <a:rPr lang="en-US" sz="3600" dirty="0"/>
-              <a:t> file) in order to generate a new class. Information from the schema (tables, columns, and so on) is generated and compiled into this new </a:t>
-            </a:r>
-            <a:r>
-              <a:rPr lang="en-US" sz="3600" dirty="0" err="1"/>
-              <a:t>DataSet</a:t>
-            </a:r>
-            <a:r>
-              <a:rPr lang="en-US" sz="3600" dirty="0"/>
-              <a:t> class as a set of first-class objects and properties</a:t>
-            </a:r>
-            <a:r>
-              <a:rPr lang="en-US" sz="3600" dirty="0" smtClean="0"/>
-              <a:t>.</a:t>
-            </a:r>
-          </a:p>
-          <a:p>
-            <a:pPr marL="1779783" lvl="1" indent="-571500">
-              <a:buFont typeface="Arial" panose="020B0604020202020204" pitchFamily="34" charset="0"/>
-              <a:buChar char="•"/>
-            </a:pPr>
-            <a:r>
-              <a:rPr lang="en-US" sz="3600" dirty="0" err="1"/>
-              <a:t>Untyped</a:t>
-            </a:r>
-            <a:r>
-              <a:rPr lang="en-US" sz="3600" dirty="0"/>
-              <a:t> </a:t>
-            </a:r>
-            <a:r>
-              <a:rPr lang="en-US" sz="3600" dirty="0" err="1"/>
-              <a:t>DataSet</a:t>
-            </a:r>
-            <a:r>
-              <a:rPr lang="en-US" sz="3600" dirty="0"/>
-              <a:t> is not defined by a schema, instead, you have to add tables, columns and other elements to it yourself, either by setting properties at design time or by adding them at run time. Typical scenario: if you don't know in advance what the structure of your program is that is interacting with a component that returns a </a:t>
-            </a:r>
-            <a:r>
-              <a:rPr lang="en-US" sz="3600" dirty="0" err="1"/>
-              <a:t>DataSet</a:t>
-            </a:r>
-            <a:r>
-              <a:rPr lang="en-US" sz="3600" dirty="0"/>
-              <a:t>.</a:t>
-            </a:r>
-            <a:endParaRPr lang="en-US" sz="3600" dirty="0"/>
-          </a:p>
-        </p:txBody>
-      </p:sp>
-    </p:spTree>
-    <p:extLst>
-      <p:ext uri="{BB962C8B-B14F-4D97-AF65-F5344CB8AC3E}">
-        <p14:creationId xmlns:p14="http://schemas.microsoft.com/office/powerpoint/2010/main" val="1590305542"/>
-      </p:ext>
-    </p:extLst>
-  </p:cSld>
-  <p:clrMapOvr>
-    <a:masterClrMapping/>
-  </p:clrMapOvr>
-  <p:timing>
-    <p:tnLst>
-      <p:par>
-        <p:cTn id="1" dur="indefinite" restart="never" nodeType="tmRoot">
-          <p:childTnLst>
-            <p:seq concurrent="1" nextAc="seek">
-              <p:cTn id="2" dur="indefinite" nodeType="mainSeq">
-                <p:childTnLst>
-                  <p:par>
-                    <p:cTn id="3" fill="hold">
-                      <p:stCondLst>
-                        <p:cond delay="indefinite"/>
-                        <p:cond evt="onBegin" delay="0">
-                          <p:tn val="2"/>
-                        </p:cond>
-                      </p:stCondLst>
-                      <p:childTnLst>
-                        <p:par>
-                          <p:cTn id="4" fill="hold">
-                            <p:stCondLst>
-                              <p:cond delay="0"/>
-                            </p:stCondLst>
-                            <p:childTnLst>
-                              <p:par>
-                                <p:cTn id="5" presetID="2" presetClass="entr" presetSubtype="8" decel="100000" fill="hold" grpId="0" nodeType="withEffect">
-                                  <p:stCondLst>
-                                    <p:cond delay="0"/>
-                                  </p:stCondLst>
-                                  <p:childTnLst>
-                                    <p:set>
-                                      <p:cBhvr>
-                                        <p:cTn id="6" dur="1" fill="hold">
-                                          <p:stCondLst>
-                                            <p:cond delay="0"/>
-                                          </p:stCondLst>
-                                        </p:cTn>
-                                        <p:tgtEl>
-                                          <p:spTgt spid="33"/>
-                                        </p:tgtEl>
-                                        <p:attrNameLst>
-                                          <p:attrName>style.visibility</p:attrName>
-                                        </p:attrNameLst>
-                                      </p:cBhvr>
-                                      <p:to>
-                                        <p:strVal val="visible"/>
-                                      </p:to>
-                                    </p:set>
-                                    <p:anim calcmode="lin" valueType="num">
-                                      <p:cBhvr additive="base">
-                                        <p:cTn id="7" dur="1000" fill="hold"/>
-                                        <p:tgtEl>
-                                          <p:spTgt spid="33"/>
-                                        </p:tgtEl>
-                                        <p:attrNameLst>
-                                          <p:attrName>ppt_x</p:attrName>
-                                        </p:attrNameLst>
-                                      </p:cBhvr>
-                                      <p:tavLst>
-                                        <p:tav tm="0">
-                                          <p:val>
-                                            <p:strVal val="0-#ppt_w/2"/>
-                                          </p:val>
-                                        </p:tav>
-                                        <p:tav tm="100000">
-                                          <p:val>
-                                            <p:strVal val="#ppt_x"/>
-                                          </p:val>
-                                        </p:tav>
-                                      </p:tavLst>
-                                    </p:anim>
-                                    <p:anim calcmode="lin" valueType="num">
-                                      <p:cBhvr additive="base">
-                                        <p:cTn id="8" dur="1000" fill="hold"/>
-                                        <p:tgtEl>
-                                          <p:spTgt spid="33"/>
-                                        </p:tgtEl>
-                                        <p:attrNameLst>
-                                          <p:attrName>ppt_y</p:attrName>
-                                        </p:attrNameLst>
-                                      </p:cBhvr>
-                                      <p:tavLst>
-                                        <p:tav tm="0">
-                                          <p:val>
-                                            <p:strVal val="#ppt_y"/>
-                                          </p:val>
-                                        </p:tav>
-                                        <p:tav tm="100000">
-                                          <p:val>
-                                            <p:strVal val="#ppt_y"/>
-                                          </p:val>
-                                        </p:tav>
-                                      </p:tavLst>
-                                    </p:anim>
-                                  </p:childTnLst>
-                                </p:cTn>
-                              </p:par>
-                            </p:childTnLst>
-                          </p:cTn>
-                        </p:par>
-                        <p:par>
-                          <p:cTn id="9" fill="hold">
-                            <p:stCondLst>
-                              <p:cond delay="1000"/>
-                            </p:stCondLst>
-                            <p:childTnLst>
-                              <p:par>
-                                <p:cTn id="10" presetID="2" presetClass="entr" presetSubtype="4" fill="hold" nodeType="afterEffect">
-                                  <p:stCondLst>
-                                    <p:cond delay="0"/>
-                                  </p:stCondLst>
-                                  <p:childTnLst>
-                                    <p:set>
-                                      <p:cBhvr>
-                                        <p:cTn id="11" dur="1" fill="hold">
-                                          <p:stCondLst>
-                                            <p:cond delay="0"/>
-                                          </p:stCondLst>
-                                        </p:cTn>
-                                        <p:tgtEl>
-                                          <p:spTgt spid="34"/>
-                                        </p:tgtEl>
-                                        <p:attrNameLst>
-                                          <p:attrName>style.visibility</p:attrName>
-                                        </p:attrNameLst>
-                                      </p:cBhvr>
-                                      <p:to>
-                                        <p:strVal val="visible"/>
-                                      </p:to>
-                                    </p:set>
-                                    <p:anim calcmode="lin" valueType="num">
-                                      <p:cBhvr additive="base">
-                                        <p:cTn id="12" dur="500" fill="hold"/>
-                                        <p:tgtEl>
-                                          <p:spTgt spid="34"/>
-                                        </p:tgtEl>
-                                        <p:attrNameLst>
-                                          <p:attrName>ppt_x</p:attrName>
-                                        </p:attrNameLst>
-                                      </p:cBhvr>
-                                      <p:tavLst>
-                                        <p:tav tm="0">
-                                          <p:val>
-                                            <p:strVal val="#ppt_x"/>
-                                          </p:val>
-                                        </p:tav>
-                                        <p:tav tm="100000">
-                                          <p:val>
-                                            <p:strVal val="#ppt_x"/>
-                                          </p:val>
-                                        </p:tav>
-                                      </p:tavLst>
-                                    </p:anim>
-                                    <p:anim calcmode="lin" valueType="num">
-                                      <p:cBhvr additive="base">
-                                        <p:cTn id="13" dur="500" fill="hold"/>
-                                        <p:tgtEl>
-                                          <p:spTgt spid="34"/>
-                                        </p:tgtEl>
-                                        <p:attrNameLst>
-                                          <p:attrName>ppt_y</p:attrName>
-                                        </p:attrNameLst>
-                                      </p:cBhvr>
-                                      <p:tavLst>
-                                        <p:tav tm="0">
-                                          <p:val>
-                                            <p:strVal val="1+#ppt_h/2"/>
-                                          </p:val>
-                                        </p:tav>
-                                        <p:tav tm="100000">
-                                          <p:val>
-                                            <p:strVal val="#ppt_y"/>
-                                          </p:val>
-                                        </p:tav>
-                                      </p:tavLst>
-                                    </p:anim>
-                                  </p:childTnLst>
-                                </p:cTn>
-                              </p:par>
-                            </p:childTnLst>
-                          </p:cTn>
-                        </p:par>
-                      </p:childTnLst>
-                    </p:cTn>
-                  </p:par>
-                </p:childTnLst>
-              </p:cTn>
-              <p:prevCondLst>
-                <p:cond evt="onPrev" delay="0">
-                  <p:tgtEl>
-                    <p:sldTgt/>
-                  </p:tgtEl>
-                </p:cond>
-              </p:prevCondLst>
-              <p:nextCondLst>
-                <p:cond evt="onNext" delay="0">
-                  <p:tgtEl>
-                    <p:sldTgt/>
-                  </p:tgtEl>
-                </p:cond>
-              </p:nextCondLst>
-            </p:seq>
-          </p:childTnLst>
-        </p:cTn>
-      </p:par>
-    </p:tnLst>
-    <p:bldLst>
-      <p:bldP spid="33" grpId="0"/>
-    </p:bldLst>
-  </p:timing>
-</p:sld>
-</file>
-
 <file path=ppt/slides/slide7.xml><?xml version="1.0" encoding="utf-8"?>
 <p:sld xmlns:a="http://schemas.openxmlformats.org/drawingml/2006/main" xmlns:r="http://schemas.openxmlformats.org/officeDocument/2006/relationships" xmlns:p="http://schemas.openxmlformats.org/presentationml/2006/main">
   <p:cSld>
@@ -34825,7 +33115,7 @@
           </a:lstStyle>
           <a:p>
             <a:r>
-              <a:rPr lang="en-US" sz="4400" dirty="0">
+              <a:rPr lang="en-US" sz="4400" dirty="0" err="1">
                 <a:solidFill>
                   <a:schemeClr val="accent3">
                     <a:lumMod val="75000"/>
@@ -34834,7 +33124,7 @@
                 <a:ea typeface="Open Sans Semibold" panose="020B0706030804020204" pitchFamily="34" charset="0"/>
                 <a:cs typeface="Open Sans Semibold" panose="020B0706030804020204" pitchFamily="34" charset="0"/>
               </a:rPr>
-              <a:t>Commands and Parameters</a:t>
+              <a:t>DataSet</a:t>
             </a:r>
             <a:endParaRPr lang="en-US" sz="4400" dirty="0">
               <a:solidFill>
@@ -34857,7 +33147,7 @@
         <p:spPr>
           <a:xfrm>
             <a:off x="2246688" y="1955687"/>
-            <a:ext cx="6525726" cy="0"/>
+            <a:ext cx="2160241" cy="0"/>
           </a:xfrm>
           <a:prstGeom prst="line">
             <a:avLst/>
@@ -34892,7 +33182,7 @@
         <p:spPr>
           <a:xfrm>
             <a:off x="2246688" y="2855786"/>
-            <a:ext cx="19982220" cy="3416320"/>
+            <a:ext cx="19982220" cy="10064294"/>
           </a:xfrm>
           <a:prstGeom prst="rect">
             <a:avLst/>
@@ -34911,15 +33201,31 @@
             </a:pPr>
             <a:r>
               <a:rPr lang="en-US" sz="3600" dirty="0"/>
-              <a:t>After establishing a connection to a data source, you can execute commands and return results from the data source using a </a:t>
+              <a:t>The </a:t>
             </a:r>
             <a:r>
               <a:rPr lang="en-US" sz="3600" dirty="0" err="1"/>
-              <a:t>DbCommand</a:t>
+              <a:t>DataSet</a:t>
             </a:r>
             <a:r>
               <a:rPr lang="en-US" sz="3600" dirty="0"/>
-              <a:t> object. You can create a command using one of the command constructors for the .NET Framework data provider you are working with</a:t>
+              <a:t> is similar to an array of disconnected </a:t>
+            </a:r>
+            <a:r>
+              <a:rPr lang="en-US" sz="3600" dirty="0" err="1"/>
+              <a:t>Recordset</a:t>
+            </a:r>
+            <a:r>
+              <a:rPr lang="en-US" sz="3600" dirty="0"/>
+              <a:t> objects. It supports disconnected data access and operations, allowing greater scalability because you no longer have to be connected to the database all the time. </a:t>
+            </a:r>
+            <a:r>
+              <a:rPr lang="en-US" sz="3600" dirty="0" err="1"/>
+              <a:t>DataSet</a:t>
+            </a:r>
+            <a:r>
+              <a:rPr lang="en-US" sz="3600" dirty="0"/>
+              <a:t> is a copy of an extracted data being downloaded and cached in the client system</a:t>
             </a:r>
             <a:r>
               <a:rPr lang="en-US" sz="3600" dirty="0" smtClean="0"/>
@@ -34932,8 +33238,84 @@
               <a:buChar char="•"/>
             </a:pPr>
             <a:r>
+              <a:rPr lang="en-US" sz="3600" dirty="0" smtClean="0"/>
+              <a:t>The </a:t>
+            </a:r>
+            <a:r>
+              <a:rPr lang="en-US" sz="3600" dirty="0" err="1"/>
+              <a:t>DataSet</a:t>
+            </a:r>
+            <a:r>
               <a:rPr lang="en-US" sz="3600" dirty="0"/>
-              <a:t>Each .NET Framework data provider included with the .NET Framework has a Command object</a:t>
+              <a:t> object is made up of two objects</a:t>
+            </a:r>
+            <a:r>
+              <a:rPr lang="en-US" sz="3600" dirty="0" smtClean="0"/>
+              <a:t>:</a:t>
+            </a:r>
+          </a:p>
+          <a:p>
+            <a:pPr marL="1779783" lvl="1" indent="-571500">
+              <a:buFont typeface="Arial" panose="020B0604020202020204" pitchFamily="34" charset="0"/>
+              <a:buChar char="•"/>
+            </a:pPr>
+            <a:r>
+              <a:rPr lang="en-US" sz="3600" dirty="0" err="1" smtClean="0"/>
+              <a:t>DataTableCollection</a:t>
+            </a:r>
+            <a:r>
+              <a:rPr lang="en-US" sz="3600" dirty="0" smtClean="0"/>
+              <a:t> </a:t>
+            </a:r>
+            <a:r>
+              <a:rPr lang="en-US" sz="3600" dirty="0"/>
+              <a:t>object containing null or multiple </a:t>
+            </a:r>
+            <a:r>
+              <a:rPr lang="en-US" sz="3600" dirty="0" err="1"/>
+              <a:t>DataTable</a:t>
+            </a:r>
+            <a:r>
+              <a:rPr lang="en-US" sz="3600" dirty="0"/>
+              <a:t> objects (Columns, Rows, Constraints</a:t>
+            </a:r>
+            <a:r>
+              <a:rPr lang="en-US" sz="3600" dirty="0" smtClean="0"/>
+              <a:t>).</a:t>
+            </a:r>
+          </a:p>
+          <a:p>
+            <a:pPr marL="1779783" lvl="1" indent="-571500">
+              <a:buFont typeface="Arial" panose="020B0604020202020204" pitchFamily="34" charset="0"/>
+              <a:buChar char="•"/>
+            </a:pPr>
+            <a:r>
+              <a:rPr lang="en-US" sz="3600" dirty="0" err="1" smtClean="0"/>
+              <a:t>DataRelationCollection</a:t>
+            </a:r>
+            <a:r>
+              <a:rPr lang="en-US" sz="3600" dirty="0" smtClean="0"/>
+              <a:t> </a:t>
+            </a:r>
+            <a:r>
+              <a:rPr lang="en-US" sz="3600" dirty="0"/>
+              <a:t>object containing null or multiple </a:t>
+            </a:r>
+            <a:r>
+              <a:rPr lang="en-US" sz="3600" dirty="0" err="1"/>
+              <a:t>DataRelation</a:t>
+            </a:r>
+            <a:r>
+              <a:rPr lang="en-US" sz="3600" dirty="0"/>
+              <a:t> objects which establish a parent/child relation between two </a:t>
+            </a:r>
+            <a:r>
+              <a:rPr lang="en-US" sz="3600" dirty="0" err="1"/>
+              <a:t>DataTable</a:t>
+            </a:r>
+            <a:r>
+              <a:rPr lang="en-US" sz="3600" dirty="0"/>
+              <a:t> objects</a:t>
             </a:r>
             <a:r>
               <a:rPr lang="en-US" sz="3600" dirty="0" smtClean="0"/>
@@ -34947,50 +33329,99 @@
             </a:pPr>
             <a:r>
               <a:rPr lang="en-US" sz="3600" dirty="0"/>
-              <a:t>Each of these objects exposes methods for executing commands based on the type of command and desired return value, as described in the following table</a:t>
+              <a:t>There are two types of </a:t>
+            </a:r>
+            <a:r>
+              <a:rPr lang="en-US" sz="3600" dirty="0" err="1"/>
+              <a:t>DataSets</a:t>
+            </a:r>
+            <a:r>
+              <a:rPr lang="en-US" sz="3600" dirty="0" smtClean="0"/>
+              <a:t>:</a:t>
+            </a:r>
+          </a:p>
+          <a:p>
+            <a:pPr marL="1779783" lvl="1" indent="-571500">
+              <a:buFont typeface="Arial" panose="020B0604020202020204" pitchFamily="34" charset="0"/>
+              <a:buChar char="•"/>
+            </a:pPr>
+            <a:r>
+              <a:rPr lang="en-US" sz="3600" dirty="0" smtClean="0"/>
+              <a:t>Typed </a:t>
+            </a:r>
+            <a:r>
+              <a:rPr lang="en-US" sz="3600" dirty="0" err="1"/>
+              <a:t>DataSet</a:t>
+            </a:r>
+            <a:r>
+              <a:rPr lang="en-US" sz="3600" dirty="0"/>
+              <a:t> is derived from the base </a:t>
+            </a:r>
+            <a:r>
+              <a:rPr lang="en-US" sz="3600" dirty="0" err="1"/>
+              <a:t>DataSet</a:t>
+            </a:r>
+            <a:r>
+              <a:rPr lang="en-US" sz="3600" dirty="0"/>
+              <a:t> class and then uses information in an XML Schema file (.</a:t>
+            </a:r>
+            <a:r>
+              <a:rPr lang="en-US" sz="3600" dirty="0" err="1"/>
+              <a:t>xsd</a:t>
+            </a:r>
+            <a:r>
+              <a:rPr lang="en-US" sz="3600" dirty="0"/>
+              <a:t> file) in order to generate a new class. Information from the schema (tables, columns, and so on) is generated and compiled into this new </a:t>
+            </a:r>
+            <a:r>
+              <a:rPr lang="en-US" sz="3600" dirty="0" err="1"/>
+              <a:t>DataSet</a:t>
+            </a:r>
+            <a:r>
+              <a:rPr lang="en-US" sz="3600" dirty="0"/>
+              <a:t> class as a set of first-class objects and properties</a:t>
             </a:r>
             <a:r>
               <a:rPr lang="en-US" sz="3600" dirty="0" smtClean="0"/>
               <a:t>.</a:t>
             </a:r>
-            <a:endParaRPr lang="en-US" sz="3600" dirty="0"/>
+          </a:p>
+          <a:p>
+            <a:pPr marL="1779783" lvl="1" indent="-571500">
+              <a:buFont typeface="Arial" panose="020B0604020202020204" pitchFamily="34" charset="0"/>
+              <a:buChar char="•"/>
+            </a:pPr>
+            <a:r>
+              <a:rPr lang="en-US" sz="3600" dirty="0" err="1"/>
+              <a:t>Untyped</a:t>
+            </a:r>
+            <a:r>
+              <a:rPr lang="en-US" sz="3600" dirty="0"/>
+              <a:t> </a:t>
+            </a:r>
+            <a:r>
+              <a:rPr lang="en-US" sz="3600" dirty="0" err="1"/>
+              <a:t>DataSet</a:t>
+            </a:r>
+            <a:r>
+              <a:rPr lang="en-US" sz="3600" dirty="0"/>
+              <a:t> is not defined by a schema, instead, you have to add tables, columns and other elements to it yourself, either by setting properties at design time or by adding them at run time. Typical scenario: if you don't know in advance what the structure of your program is that is interacting with a component that returns a </a:t>
+            </a:r>
+            <a:r>
+              <a:rPr lang="en-US" sz="3600" dirty="0" err="1"/>
+              <a:t>DataSet</a:t>
+            </a:r>
+            <a:r>
+              <a:rPr lang="en-US" sz="3600" dirty="0"/>
+              <a:t>.</a:t>
+            </a:r>
           </a:p>
         </p:txBody>
       </p:sp>
-      <p:pic>
-        <p:nvPicPr>
-          <p:cNvPr id="4" name="Picture 3"/>
-          <p:cNvPicPr>
-            <a:picLocks noChangeAspect="1"/>
-          </p:cNvPicPr>
-          <p:nvPr/>
-        </p:nvPicPr>
-        <p:blipFill>
-          <a:blip r:embed="rId2">
-            <a:extLst>
-              <a:ext uri="{28A0092B-C50C-407E-A947-70E740481C1C}">
-                <a14:useLocalDpi xmlns:a14="http://schemas.microsoft.com/office/drawing/2010/main" val="0"/>
-              </a:ext>
-            </a:extLst>
-          </a:blip>
-          <a:stretch>
-            <a:fillRect/>
-          </a:stretch>
-        </p:blipFill>
-        <p:spPr>
-          <a:xfrm>
-            <a:off x="2246688" y="7172204"/>
-            <a:ext cx="20516469" cy="5042183"/>
-          </a:xfrm>
-          <a:prstGeom prst="rect">
-            <a:avLst/>
-          </a:prstGeom>
-        </p:spPr>
-      </p:pic>
     </p:spTree>
     <p:extLst>
       <p:ext uri="{BB962C8B-B14F-4D97-AF65-F5344CB8AC3E}">
-        <p14:creationId xmlns:p14="http://schemas.microsoft.com/office/powerpoint/2010/main" val="1435703218"/>
+        <p14:creationId xmlns:p14="http://schemas.microsoft.com/office/powerpoint/2010/main" val="1590305542"/>
       </p:ext>
     </p:extLst>
   </p:cSld>
@@ -35411,7 +33842,7 @@
           </a:lstStyle>
           <a:p>
             <a:r>
-              <a:rPr lang="en-US" sz="4400" dirty="0" smtClean="0">
+              <a:rPr lang="en-US" sz="4400" dirty="0">
                 <a:solidFill>
                   <a:schemeClr val="accent3">
                     <a:lumMod val="75000"/>
@@ -35420,17 +33851,8 @@
                 <a:ea typeface="Open Sans Semibold" panose="020B0706030804020204" pitchFamily="34" charset="0"/>
                 <a:cs typeface="Open Sans Semibold" panose="020B0706030804020204" pitchFamily="34" charset="0"/>
               </a:rPr>
-              <a:t>Data Readers</a:t>
-            </a:r>
-            <a:endParaRPr lang="en-US" sz="4400" dirty="0">
-              <a:solidFill>
-                <a:schemeClr val="accent3">
-                  <a:lumMod val="75000"/>
-                </a:schemeClr>
-              </a:solidFill>
-              <a:ea typeface="Open Sans Semibold" panose="020B0706030804020204" pitchFamily="34" charset="0"/>
-              <a:cs typeface="Open Sans Semibold" panose="020B0706030804020204" pitchFamily="34" charset="0"/>
-            </a:endParaRPr>
+              <a:t>Commands and Parameters</a:t>
+            </a:r>
           </a:p>
         </p:txBody>
       </p:sp>
@@ -35443,7 +33865,7 @@
         <p:spPr>
           <a:xfrm>
             <a:off x="2246688" y="1955687"/>
-            <a:ext cx="3285366" cy="0"/>
+            <a:ext cx="6525726" cy="0"/>
           </a:xfrm>
           <a:prstGeom prst="line">
             <a:avLst/>
@@ -35478,7 +33900,7 @@
         <p:spPr>
           <a:xfrm>
             <a:off x="2246688" y="2855786"/>
-            <a:ext cx="19982220" cy="10064294"/>
+            <a:ext cx="19982220" cy="3416320"/>
           </a:xfrm>
           <a:prstGeom prst="rect">
             <a:avLst/>
@@ -35497,31 +33919,15 @@
             </a:pPr>
             <a:r>
               <a:rPr lang="en-US" sz="3600" dirty="0"/>
-              <a:t>Retrieving data using a </a:t>
+              <a:t>After establishing a connection to a data source, you can execute commands and return results from the data source using a </a:t>
             </a:r>
             <a:r>
               <a:rPr lang="en-US" sz="3600" dirty="0" err="1"/>
-              <a:t>DataReader</a:t>
+              <a:t>DbCommand</a:t>
             </a:r>
             <a:r>
               <a:rPr lang="en-US" sz="3600" dirty="0"/>
-              <a:t> involves creating an instance of the Command object and then creating a </a:t>
-            </a:r>
-            <a:r>
-              <a:rPr lang="en-US" sz="3600" dirty="0" err="1"/>
-              <a:t>DataReader</a:t>
-            </a:r>
-            <a:r>
-              <a:rPr lang="en-US" sz="3600" dirty="0"/>
-              <a:t> by calling </a:t>
-            </a:r>
-            <a:r>
-              <a:rPr lang="en-US" sz="3600" dirty="0" err="1"/>
-              <a:t>Command.ExecuteReader</a:t>
-            </a:r>
-            <a:r>
-              <a:rPr lang="en-US" sz="3600" dirty="0"/>
-              <a:t> to retrieve rows from a data source</a:t>
+              <a:t> object. You can create a command using one of the command constructors for the .NET Framework data provider you are working with</a:t>
             </a:r>
             <a:r>
               <a:rPr lang="en-US" sz="3600" dirty="0" smtClean="0"/>
@@ -35535,59 +33941,11 @@
             </a:pPr>
             <a:r>
               <a:rPr lang="en-US" sz="3600" dirty="0"/>
-              <a:t>You use the Read method of the </a:t>
-            </a:r>
-            <a:r>
-              <a:rPr lang="en-US" sz="3600" dirty="0" err="1"/>
-              <a:t>DataReader</a:t>
-            </a:r>
-            <a:r>
-              <a:rPr lang="en-US" sz="3600" dirty="0"/>
-              <a:t> object to obtain a row from the results of the query. You can access each column of the returned row by passing the name or ordinal reference of the column to the </a:t>
-            </a:r>
-            <a:r>
-              <a:rPr lang="en-US" sz="3600" dirty="0" err="1"/>
-              <a:t>DataReader</a:t>
-            </a:r>
-            <a:r>
-              <a:rPr lang="en-US" sz="3600" dirty="0"/>
-              <a:t>. However, for best performance, the </a:t>
-            </a:r>
-            <a:r>
-              <a:rPr lang="en-US" sz="3600" dirty="0" err="1"/>
-              <a:t>DataReader</a:t>
-            </a:r>
-            <a:r>
-              <a:rPr lang="en-US" sz="3600" dirty="0"/>
-              <a:t> provides a series of methods that allow you to access column values in their native data types (</a:t>
-            </a:r>
-            <a:r>
-              <a:rPr lang="en-US" sz="3600" dirty="0" err="1"/>
-              <a:t>GetDateTime</a:t>
-            </a:r>
-            <a:r>
-              <a:rPr lang="en-US" sz="3600" dirty="0"/>
-              <a:t>, </a:t>
-            </a:r>
-            <a:r>
-              <a:rPr lang="en-US" sz="3600" dirty="0" err="1"/>
-              <a:t>GetDouble</a:t>
-            </a:r>
-            <a:r>
-              <a:rPr lang="en-US" sz="3600" dirty="0"/>
-              <a:t>, </a:t>
-            </a:r>
-            <a:r>
-              <a:rPr lang="en-US" sz="3600" dirty="0" err="1"/>
-              <a:t>GetGuid</a:t>
-            </a:r>
-            <a:r>
-              <a:rPr lang="en-US" sz="3600" dirty="0"/>
-              <a:t>, GetInt32, and so on</a:t>
+              <a:t>Each .NET Framework data provider included with the .NET Framework has a Command object</a:t>
             </a:r>
             <a:r>
               <a:rPr lang="en-US" sz="3600" dirty="0" smtClean="0"/>
-              <a:t>).</a:t>
+              <a:t>.</a:t>
             </a:r>
           </a:p>
           <a:p>
@@ -35597,156 +33955,50 @@
             </a:pPr>
             <a:r>
               <a:rPr lang="en-US" sz="3600" dirty="0"/>
-              <a:t>The </a:t>
-            </a:r>
-            <a:r>
-              <a:rPr lang="en-US" sz="3600" dirty="0" err="1"/>
-              <a:t>DataReader</a:t>
-            </a:r>
-            <a:r>
-              <a:rPr lang="en-US" sz="3600" dirty="0"/>
-              <a:t> provides an unbuffered stream of data that allows procedural logic to efficiently process results from a data source sequentially. The </a:t>
-            </a:r>
-            <a:r>
-              <a:rPr lang="en-US" sz="3600" dirty="0" err="1"/>
-              <a:t>DataReader</a:t>
-            </a:r>
-            <a:r>
-              <a:rPr lang="en-US" sz="3600" dirty="0"/>
-              <a:t> is a good choice when retrieving large amounts of data because the data is not cached in memory</a:t>
+              <a:t>Each of these objects exposes methods for executing commands based on the type of command and desired return value, as described in the following table</a:t>
             </a:r>
             <a:r>
               <a:rPr lang="en-US" sz="3600" dirty="0" smtClean="0"/>
               <a:t>.</a:t>
-            </a:r>
-          </a:p>
-          <a:p>
-            <a:pPr marL="571500" indent="-571500">
-              <a:buFont typeface="Arial" panose="020B0604020202020204" pitchFamily="34" charset="0"/>
-              <a:buChar char="•"/>
-            </a:pPr>
-            <a:r>
-              <a:rPr lang="en-US" sz="3600" dirty="0"/>
-              <a:t>You should always call the Close method when you have finished using the </a:t>
-            </a:r>
-            <a:r>
-              <a:rPr lang="en-US" sz="3600" dirty="0" err="1"/>
-              <a:t>DataReader</a:t>
-            </a:r>
-            <a:r>
-              <a:rPr lang="en-US" sz="3600" dirty="0"/>
-              <a:t> object</a:t>
-            </a:r>
-            <a:r>
-              <a:rPr lang="en-US" sz="3600" dirty="0" smtClean="0"/>
-              <a:t>.</a:t>
-            </a:r>
-          </a:p>
-          <a:p>
-            <a:pPr marL="571500" indent="-571500">
-              <a:buFont typeface="Arial" panose="020B0604020202020204" pitchFamily="34" charset="0"/>
-              <a:buChar char="•"/>
-            </a:pPr>
-            <a:r>
-              <a:rPr lang="en-US" sz="3600" dirty="0" smtClean="0"/>
-              <a:t>If </a:t>
-            </a:r>
-            <a:r>
-              <a:rPr lang="en-US" sz="3600" dirty="0"/>
-              <a:t>your Command contains output parameters or return values, they will not be available until the </a:t>
-            </a:r>
-            <a:r>
-              <a:rPr lang="en-US" sz="3600" dirty="0" err="1"/>
-              <a:t>DataReader</a:t>
-            </a:r>
-            <a:r>
-              <a:rPr lang="en-US" sz="3600" dirty="0"/>
-              <a:t> is closed</a:t>
-            </a:r>
-            <a:r>
-              <a:rPr lang="en-US" sz="3600" dirty="0" smtClean="0"/>
-              <a:t>.</a:t>
-            </a:r>
-          </a:p>
-          <a:p>
-            <a:pPr marL="571500" indent="-571500">
-              <a:buFont typeface="Arial" panose="020B0604020202020204" pitchFamily="34" charset="0"/>
-              <a:buChar char="•"/>
-            </a:pPr>
-            <a:r>
-              <a:rPr lang="en-US" sz="3600" dirty="0"/>
-              <a:t>Note that while a </a:t>
-            </a:r>
-            <a:r>
-              <a:rPr lang="en-US" sz="3600" dirty="0" err="1"/>
-              <a:t>DataReader</a:t>
-            </a:r>
-            <a:r>
-              <a:rPr lang="en-US" sz="3600" dirty="0"/>
-              <a:t> is open, the Connection is in use exclusively by that </a:t>
-            </a:r>
-            <a:r>
-              <a:rPr lang="en-US" sz="3600" dirty="0" err="1"/>
-              <a:t>DataReader</a:t>
-            </a:r>
-            <a:r>
-              <a:rPr lang="en-US" sz="3600" dirty="0"/>
-              <a:t>. You cannot execute any commands for the Connection, including creating another </a:t>
-            </a:r>
-            <a:r>
-              <a:rPr lang="en-US" sz="3600" dirty="0" err="1"/>
-              <a:t>DataReader</a:t>
-            </a:r>
-            <a:r>
-              <a:rPr lang="en-US" sz="3600" dirty="0"/>
-              <a:t>, until the original </a:t>
-            </a:r>
-            <a:r>
-              <a:rPr lang="en-US" sz="3600" dirty="0" err="1"/>
-              <a:t>DataReader</a:t>
-            </a:r>
-            <a:r>
-              <a:rPr lang="en-US" sz="3600" dirty="0"/>
-              <a:t> is closed</a:t>
-            </a:r>
-            <a:r>
-              <a:rPr lang="en-US" sz="3600" dirty="0" smtClean="0"/>
-              <a:t>.</a:t>
-            </a:r>
-          </a:p>
-          <a:p>
-            <a:pPr marL="571500" indent="-571500">
-              <a:buFont typeface="Arial" panose="020B0604020202020204" pitchFamily="34" charset="0"/>
-              <a:buChar char="•"/>
-            </a:pPr>
-            <a:r>
-              <a:rPr lang="en-US" sz="3600" dirty="0"/>
-              <a:t>If multiple result sets are returned, the </a:t>
-            </a:r>
-            <a:r>
-              <a:rPr lang="en-US" sz="3600" dirty="0" err="1"/>
-              <a:t>DataReader</a:t>
-            </a:r>
-            <a:r>
-              <a:rPr lang="en-US" sz="3600" dirty="0"/>
-              <a:t> provides the </a:t>
-            </a:r>
-            <a:r>
-              <a:rPr lang="en-US" sz="3600" dirty="0" err="1"/>
-              <a:t>NextResult</a:t>
-            </a:r>
-            <a:r>
-              <a:rPr lang="en-US" sz="3600" dirty="0"/>
-              <a:t> method to iterate through the result sets in order.</a:t>
             </a:r>
             <a:endParaRPr lang="en-US" sz="3600" dirty="0"/>
           </a:p>
         </p:txBody>
       </p:sp>
+      <p:pic>
+        <p:nvPicPr>
+          <p:cNvPr id="4" name="Picture 3"/>
+          <p:cNvPicPr>
+            <a:picLocks noChangeAspect="1"/>
+          </p:cNvPicPr>
+          <p:nvPr/>
+        </p:nvPicPr>
+        <p:blipFill>
+          <a:blip r:embed="rId2">
+            <a:extLst>
+              <a:ext uri="{28A0092B-C50C-407E-A947-70E740481C1C}">
+                <a14:useLocalDpi xmlns:a14="http://schemas.microsoft.com/office/drawing/2010/main" val="0"/>
+              </a:ext>
+            </a:extLst>
+          </a:blip>
+          <a:stretch>
+            <a:fillRect/>
+          </a:stretch>
+        </p:blipFill>
+        <p:spPr>
+          <a:xfrm>
+            <a:off x="2246688" y="7172204"/>
+            <a:ext cx="20516469" cy="5042183"/>
+          </a:xfrm>
+          <a:prstGeom prst="rect">
+            <a:avLst/>
+          </a:prstGeom>
+        </p:spPr>
+      </p:pic>
     </p:spTree>
     <p:extLst>
       <p:ext uri="{BB962C8B-B14F-4D97-AF65-F5344CB8AC3E}">
-        <p14:creationId xmlns:p14="http://schemas.microsoft.com/office/powerpoint/2010/main" val="1453154968"/>
+        <p14:creationId xmlns:p14="http://schemas.microsoft.com/office/powerpoint/2010/main" val="1435703218"/>
       </p:ext>
     </p:extLst>
   </p:cSld>
@@ -36167,7 +34419,7 @@
           </a:lstStyle>
           <a:p>
             <a:r>
-              <a:rPr lang="en-US" sz="4400" dirty="0" err="1">
+              <a:rPr lang="en-US" sz="4400" dirty="0" smtClean="0">
                 <a:solidFill>
                   <a:schemeClr val="accent3">
                     <a:lumMod val="75000"/>
@@ -36176,55 +34428,7 @@
                 <a:ea typeface="Open Sans Semibold" panose="020B0706030804020204" pitchFamily="34" charset="0"/>
                 <a:cs typeface="Open Sans Semibold" panose="020B0706030804020204" pitchFamily="34" charset="0"/>
               </a:rPr>
-              <a:t>DataSets</a:t>
-            </a:r>
-            <a:r>
-              <a:rPr lang="en-US" sz="4400" dirty="0">
-                <a:solidFill>
-                  <a:schemeClr val="accent3">
-                    <a:lumMod val="75000"/>
-                  </a:schemeClr>
-                </a:solidFill>
-                <a:ea typeface="Open Sans Semibold" panose="020B0706030804020204" pitchFamily="34" charset="0"/>
-                <a:cs typeface="Open Sans Semibold" panose="020B0706030804020204" pitchFamily="34" charset="0"/>
-              </a:rPr>
-              <a:t>, </a:t>
-            </a:r>
-            <a:r>
-              <a:rPr lang="en-US" sz="4400" dirty="0" err="1">
-                <a:solidFill>
-                  <a:schemeClr val="accent3">
-                    <a:lumMod val="75000"/>
-                  </a:schemeClr>
-                </a:solidFill>
-                <a:ea typeface="Open Sans Semibold" panose="020B0706030804020204" pitchFamily="34" charset="0"/>
-                <a:cs typeface="Open Sans Semibold" panose="020B0706030804020204" pitchFamily="34" charset="0"/>
-              </a:rPr>
-              <a:t>DataTables</a:t>
-            </a:r>
-            <a:r>
-              <a:rPr lang="en-US" sz="4400" dirty="0">
-                <a:solidFill>
-                  <a:schemeClr val="accent3">
-                    <a:lumMod val="75000"/>
-                  </a:schemeClr>
-                </a:solidFill>
-                <a:ea typeface="Open Sans Semibold" panose="020B0706030804020204" pitchFamily="34" charset="0"/>
-                <a:cs typeface="Open Sans Semibold" panose="020B0706030804020204" pitchFamily="34" charset="0"/>
-              </a:rPr>
-              <a:t>, and </a:t>
-            </a:r>
-            <a:r>
-              <a:rPr lang="en-US" sz="4400" dirty="0" err="1">
-                <a:solidFill>
-                  <a:schemeClr val="accent3">
-                    <a:lumMod val="75000"/>
-                  </a:schemeClr>
-                </a:solidFill>
-                <a:ea typeface="Open Sans Semibold" panose="020B0706030804020204" pitchFamily="34" charset="0"/>
-                <a:cs typeface="Open Sans Semibold" panose="020B0706030804020204" pitchFamily="34" charset="0"/>
-              </a:rPr>
-              <a:t>DataViews</a:t>
+              <a:t>Data Readers</a:t>
             </a:r>
             <a:endParaRPr lang="en-US" sz="4400" dirty="0">
               <a:solidFill>
@@ -36247,7 +34451,7 @@
         <p:spPr>
           <a:xfrm>
             <a:off x="2246688" y="1955687"/>
-            <a:ext cx="8820981" cy="0"/>
+            <a:ext cx="3285366" cy="0"/>
           </a:xfrm>
           <a:prstGeom prst="line">
             <a:avLst/>
@@ -36282,7 +34486,7 @@
         <p:spPr>
           <a:xfrm>
             <a:off x="2246688" y="2855786"/>
-            <a:ext cx="19982220" cy="7294305"/>
+            <a:ext cx="19982220" cy="10064294"/>
           </a:xfrm>
           <a:prstGeom prst="rect">
             <a:avLst/>
@@ -36301,23 +34505,31 @@
             </a:pPr>
             <a:r>
               <a:rPr lang="en-US" sz="3600" dirty="0"/>
-              <a:t>The ADO.NET </a:t>
+              <a:t>Retrieving data using a </a:t>
             </a:r>
             <a:r>
               <a:rPr lang="en-US" sz="3600" dirty="0" err="1"/>
-              <a:t>DataSet</a:t>
+              <a:t>DataReader</a:t>
             </a:r>
             <a:r>
               <a:rPr lang="en-US" sz="3600" dirty="0"/>
-              <a:t> is a memory-resident representation of data that provides a consistent relational programming model regardless of the source of the data it contains. A </a:t>
+              <a:t> involves creating an instance of the Command object and then creating a </a:t>
             </a:r>
             <a:r>
               <a:rPr lang="en-US" sz="3600" dirty="0" err="1"/>
-              <a:t>DataSet</a:t>
+              <a:t>DataReader</a:t>
             </a:r>
             <a:r>
               <a:rPr lang="en-US" sz="3600" dirty="0"/>
-              <a:t> represents a complete set of data including the tables that contain, order, and constrain the data, as well as the relationships between the tables</a:t>
+              <a:t> by calling </a:t>
+            </a:r>
+            <a:r>
+              <a:rPr lang="en-US" sz="3600" dirty="0" err="1"/>
+              <a:t>Command.ExecuteReader</a:t>
+            </a:r>
+            <a:r>
+              <a:rPr lang="en-US" sz="3600" dirty="0"/>
+              <a:t> to retrieve rows from a data source</a:t>
             </a:r>
             <a:r>
               <a:rPr lang="en-US" sz="3600" dirty="0" smtClean="0"/>
@@ -36331,37 +34543,35 @@
             </a:pPr>
             <a:r>
               <a:rPr lang="en-US" sz="3600" dirty="0"/>
-              <a:t>There are several ways of working with a </a:t>
+              <a:t>You use the Read method of the </a:t>
             </a:r>
             <a:r>
               <a:rPr lang="en-US" sz="3600" dirty="0" err="1"/>
-              <a:t>DataSet</a:t>
+              <a:t>DataReader</a:t>
             </a:r>
             <a:r>
               <a:rPr lang="en-US" sz="3600" dirty="0"/>
-              <a:t>, which can be applied independently or in combination. You can</a:t>
-            </a:r>
-            <a:r>
-              <a:rPr lang="en-US" sz="3600" dirty="0" smtClean="0"/>
-              <a:t>:</a:t>
-            </a:r>
-          </a:p>
-          <a:p>
-            <a:pPr marL="1779783" lvl="1" indent="-571500">
-              <a:buFont typeface="Arial" panose="020B0604020202020204" pitchFamily="34" charset="0"/>
-              <a:buChar char="•"/>
-            </a:pPr>
-            <a:r>
-              <a:rPr lang="en-US" sz="3600" dirty="0" smtClean="0"/>
-              <a:t>Programmatically </a:t>
+              <a:t> object to obtain a row from the results of the query. You can access each column of the returned row by passing the name or ordinal reference of the column to the </a:t>
+            </a:r>
+            <a:r>
+              <a:rPr lang="en-US" sz="3600" dirty="0" err="1"/>
+              <a:t>DataReader</a:t>
             </a:r>
             <a:r>
               <a:rPr lang="en-US" sz="3600" dirty="0"/>
-              <a:t>create a </a:t>
+              <a:t>. However, for best performance, the </a:t>
             </a:r>
             <a:r>
               <a:rPr lang="en-US" sz="3600" dirty="0" err="1"/>
-              <a:t>DataTable</a:t>
+              <a:t>DataReader</a:t>
+            </a:r>
+            <a:r>
+              <a:rPr lang="en-US" sz="3600" dirty="0"/>
+              <a:t> provides a series of methods that allow you to access column values in their native data types (</a:t>
+            </a:r>
+            <a:r>
+              <a:rPr lang="en-US" sz="3600" dirty="0" err="1"/>
+              <a:t>GetDateTime</a:t>
             </a:r>
             <a:r>
               <a:rPr lang="en-US" sz="3600" dirty="0"/>
@@ -36369,79 +34579,23 @@
             </a:r>
             <a:r>
               <a:rPr lang="en-US" sz="3600" dirty="0" err="1"/>
-              <a:t>DataRelation</a:t>
+              <a:t>GetDouble</a:t>
             </a:r>
             <a:r>
               <a:rPr lang="en-US" sz="3600" dirty="0"/>
-              <a:t>, and Constraint within a </a:t>
+              <a:t>, </a:t>
             </a:r>
             <a:r>
               <a:rPr lang="en-US" sz="3600" dirty="0" err="1"/>
-              <a:t>DataSet</a:t>
+              <a:t>GetGuid</a:t>
             </a:r>
             <a:r>
               <a:rPr lang="en-US" sz="3600" dirty="0"/>
-              <a:t> and populate the tables with data</a:t>
+              <a:t>, GetInt32, and so on</a:t>
             </a:r>
             <a:r>
               <a:rPr lang="en-US" sz="3600" dirty="0" smtClean="0"/>
-              <a:t>.</a:t>
-            </a:r>
-          </a:p>
-          <a:p>
-            <a:pPr marL="1779783" lvl="1" indent="-571500">
-              <a:buFont typeface="Arial" panose="020B0604020202020204" pitchFamily="34" charset="0"/>
-              <a:buChar char="•"/>
-            </a:pPr>
-            <a:r>
-              <a:rPr lang="en-US" sz="3600" dirty="0" smtClean="0"/>
-              <a:t>Populate </a:t>
-            </a:r>
-            <a:r>
-              <a:rPr lang="en-US" sz="3600" dirty="0"/>
-              <a:t>the </a:t>
-            </a:r>
-            <a:r>
-              <a:rPr lang="en-US" sz="3600" dirty="0" err="1"/>
-              <a:t>DataSet</a:t>
-            </a:r>
-            <a:r>
-              <a:rPr lang="en-US" sz="3600" dirty="0"/>
-              <a:t> with tables of data from an existing relational data source using a </a:t>
-            </a:r>
-            <a:r>
-              <a:rPr lang="en-US" sz="3600" dirty="0" err="1"/>
-              <a:t>DataAdapter</a:t>
-            </a:r>
-            <a:r>
-              <a:rPr lang="en-US" sz="3600" dirty="0" smtClean="0"/>
-              <a:t>.</a:t>
-            </a:r>
-          </a:p>
-          <a:p>
-            <a:pPr marL="1779783" lvl="1" indent="-571500">
-              <a:buFont typeface="Arial" panose="020B0604020202020204" pitchFamily="34" charset="0"/>
-              <a:buChar char="•"/>
-            </a:pPr>
-            <a:r>
-              <a:rPr lang="en-US" sz="3600" dirty="0" smtClean="0"/>
-              <a:t>Load </a:t>
-            </a:r>
-            <a:r>
-              <a:rPr lang="en-US" sz="3600" dirty="0"/>
-              <a:t>and persist the </a:t>
-            </a:r>
-            <a:r>
-              <a:rPr lang="en-US" sz="3600" dirty="0" err="1"/>
-              <a:t>DataSet</a:t>
-            </a:r>
-            <a:r>
-              <a:rPr lang="en-US" sz="3600" dirty="0"/>
-              <a:t> contents using XML</a:t>
-            </a:r>
-            <a:r>
-              <a:rPr lang="en-US" sz="3600" dirty="0" smtClean="0"/>
-              <a:t>.</a:t>
+              <a:t>).</a:t>
             </a:r>
           </a:p>
           <a:p>
@@ -36451,32 +34605,155 @@
             </a:pPr>
             <a:r>
               <a:rPr lang="en-US" sz="3600" dirty="0"/>
-              <a:t>A strongly typed </a:t>
+              <a:t>The </a:t>
             </a:r>
             <a:r>
               <a:rPr lang="en-US" sz="3600" dirty="0" err="1"/>
-              <a:t>DataSet</a:t>
+              <a:t>DataReader</a:t>
             </a:r>
             <a:r>
               <a:rPr lang="en-US" sz="3600" dirty="0"/>
-              <a:t> can also be transported using an XML Web service. The design of the </a:t>
+              <a:t> provides an unbuffered stream of data that allows procedural logic to efficiently process results from a data source sequentially. The </a:t>
             </a:r>
             <a:r>
               <a:rPr lang="en-US" sz="3600" dirty="0" err="1"/>
-              <a:t>DataSet</a:t>
+              <a:t>DataReader</a:t>
             </a:r>
             <a:r>
               <a:rPr lang="en-US" sz="3600" dirty="0"/>
-              <a:t> makes it ideal for transporting data using XML Web services.</a:t>
-            </a:r>
-            <a:endParaRPr lang="en-US" sz="3600" dirty="0"/>
+              <a:t> is a good choice when retrieving large amounts of data because the data is not cached in memory</a:t>
+            </a:r>
+            <a:r>
+              <a:rPr lang="en-US" sz="3600" dirty="0" smtClean="0"/>
+              <a:t>.</a:t>
+            </a:r>
+          </a:p>
+          <a:p>
+            <a:pPr marL="571500" indent="-571500">
+              <a:buFont typeface="Arial" panose="020B0604020202020204" pitchFamily="34" charset="0"/>
+              <a:buChar char="•"/>
+            </a:pPr>
+            <a:r>
+              <a:rPr lang="en-US" sz="3600" dirty="0"/>
+              <a:t>You should always call the Close method when you have finished using the </a:t>
+            </a:r>
+            <a:r>
+              <a:rPr lang="en-US" sz="3600" dirty="0" err="1"/>
+              <a:t>DataReader</a:t>
+            </a:r>
+            <a:r>
+              <a:rPr lang="en-US" sz="3600" dirty="0"/>
+              <a:t> object</a:t>
+            </a:r>
+            <a:r>
+              <a:rPr lang="en-US" sz="3600" dirty="0" smtClean="0"/>
+              <a:t>.</a:t>
+            </a:r>
+          </a:p>
+          <a:p>
+            <a:pPr marL="571500" indent="-571500">
+              <a:buFont typeface="Arial" panose="020B0604020202020204" pitchFamily="34" charset="0"/>
+              <a:buChar char="•"/>
+            </a:pPr>
+            <a:r>
+              <a:rPr lang="en-US" sz="3600" dirty="0" smtClean="0"/>
+              <a:t>If </a:t>
+            </a:r>
+            <a:r>
+              <a:rPr lang="en-US" sz="3600" dirty="0"/>
+              <a:t>your Command contains output parameters or return values, they will not be available until the </a:t>
+            </a:r>
+            <a:r>
+              <a:rPr lang="en-US" sz="3600" dirty="0" err="1"/>
+              <a:t>DataReader</a:t>
+            </a:r>
+            <a:r>
+              <a:rPr lang="en-US" sz="3600" dirty="0"/>
+              <a:t> is closed</a:t>
+            </a:r>
+            <a:r>
+              <a:rPr lang="en-US" sz="3600" dirty="0" smtClean="0"/>
+              <a:t>.</a:t>
+            </a:r>
+          </a:p>
+          <a:p>
+            <a:pPr marL="571500" indent="-571500">
+              <a:buFont typeface="Arial" panose="020B0604020202020204" pitchFamily="34" charset="0"/>
+              <a:buChar char="•"/>
+            </a:pPr>
+            <a:r>
+              <a:rPr lang="en-US" sz="3600" dirty="0"/>
+              <a:t>Note that while a </a:t>
+            </a:r>
+            <a:r>
+              <a:rPr lang="en-US" sz="3600" dirty="0" err="1"/>
+              <a:t>DataReader</a:t>
+            </a:r>
+            <a:r>
+              <a:rPr lang="en-US" sz="3600" dirty="0"/>
+              <a:t> is open, the Connection is in use exclusively by that </a:t>
+            </a:r>
+            <a:r>
+              <a:rPr lang="en-US" sz="3600" dirty="0" err="1"/>
+              <a:t>DataReader</a:t>
+            </a:r>
+            <a:r>
+              <a:rPr lang="en-US" sz="3600" dirty="0"/>
+              <a:t>. You cannot execute any commands for the Connection, including creating another </a:t>
+            </a:r>
+            <a:r>
+              <a:rPr lang="en-US" sz="3600" dirty="0" err="1"/>
+              <a:t>DataReader</a:t>
+            </a:r>
+            <a:r>
+              <a:rPr lang="en-US" sz="3600" dirty="0"/>
+              <a:t>, until the original </a:t>
+            </a:r>
+            <a:r>
+              <a:rPr lang="en-US" sz="3600" dirty="0" err="1"/>
+              <a:t>DataReader</a:t>
+            </a:r>
+            <a:r>
+              <a:rPr lang="en-US" sz="3600" dirty="0"/>
+              <a:t> is closed</a:t>
+            </a:r>
+            <a:r>
+              <a:rPr lang="en-US" sz="3600" dirty="0" smtClean="0"/>
+              <a:t>.</a:t>
+            </a:r>
+          </a:p>
+          <a:p>
+            <a:pPr marL="571500" indent="-571500">
+              <a:buFont typeface="Arial" panose="020B0604020202020204" pitchFamily="34" charset="0"/>
+              <a:buChar char="•"/>
+            </a:pPr>
+            <a:r>
+              <a:rPr lang="en-US" sz="3600" dirty="0"/>
+              <a:t>If multiple result sets are returned, the </a:t>
+            </a:r>
+            <a:r>
+              <a:rPr lang="en-US" sz="3600" dirty="0" err="1"/>
+              <a:t>DataReader</a:t>
+            </a:r>
+            <a:r>
+              <a:rPr lang="en-US" sz="3600" dirty="0"/>
+              <a:t> provides the </a:t>
+            </a:r>
+            <a:r>
+              <a:rPr lang="en-US" sz="3600" dirty="0" err="1"/>
+              <a:t>NextResult</a:t>
+            </a:r>
+            <a:r>
+              <a:rPr lang="en-US" sz="3600" dirty="0"/>
+              <a:t> method to iterate through the result sets in order.</a:t>
+            </a:r>
           </a:p>
         </p:txBody>
       </p:sp>
     </p:spTree>
     <p:extLst>
       <p:ext uri="{BB962C8B-B14F-4D97-AF65-F5344CB8AC3E}">
-        <p14:creationId xmlns:p14="http://schemas.microsoft.com/office/powerpoint/2010/main" val="1931511455"/>
+        <p14:creationId xmlns:p14="http://schemas.microsoft.com/office/powerpoint/2010/main" val="1453154968"/>
       </p:ext>
     </p:extLst>
   </p:cSld>
